--- a/20221201_숭실대_BHF_송영호.pptx
+++ b/20221201_숭실대_BHF_송영호.pptx
@@ -6,10 +6,10 @@
     <p:sldMasterId id="2147483772" r:id="rId2"/>
   </p:sldMasterIdLst>
   <p:notesMasterIdLst>
-    <p:notesMasterId r:id="rId31"/>
+    <p:notesMasterId r:id="rId32"/>
   </p:notesMasterIdLst>
   <p:handoutMasterIdLst>
-    <p:handoutMasterId r:id="rId32"/>
+    <p:handoutMasterId r:id="rId33"/>
   </p:handoutMasterIdLst>
   <p:sldIdLst>
     <p:sldId id="269" r:id="rId3"/>
@@ -40,6 +40,7 @@
     <p:sldId id="572" r:id="rId28"/>
     <p:sldId id="546" r:id="rId29"/>
     <p:sldId id="569" r:id="rId30"/>
+    <p:sldId id="574" r:id="rId31"/>
   </p:sldIdLst>
   <p:sldSz cx="9906000" cy="6858000" type="A4"/>
   <p:notesSz cx="6735763" cy="9866313"/>
@@ -171,6 +172,7 @@
             <p14:sldId id="572"/>
             <p14:sldId id="546"/>
             <p14:sldId id="569"/>
+            <p14:sldId id="574"/>
           </p14:sldIdLst>
         </p14:section>
       </p14:sectionLst>
@@ -7130,17 +7132,7 @@
                 <a:latin typeface="Arial"/>
                 <a:ea typeface="돋움" panose="020B0600000101010101" pitchFamily="50" charset="-127"/>
               </a:rPr>
-              <a:t>CM momentum and relative </a:t>
-            </a:r>
-            <a:r>
-              <a:rPr lang="en-US" altLang="ko-KR" dirty="0" smtClean="0">
-                <a:solidFill>
-                  <a:srgbClr val="292934"/>
-                </a:solidFill>
-                <a:latin typeface="Arial"/>
-                <a:ea typeface="돋움" panose="020B0600000101010101" pitchFamily="50" charset="-127"/>
-              </a:rPr>
-              <a:t>momentum of two nucleons</a:t>
+              <a:t>CM momentum and relative momentum of two nucleons</a:t>
             </a:r>
             <a:endParaRPr kumimoji="0" lang="en-US" altLang="ko-KR" b="0" i="0" u="none" strike="noStrike" kern="1200" cap="none" spc="0" normalizeH="0" baseline="0" noProof="0" dirty="0" smtClean="0">
               <a:ln>
@@ -8493,15 +8485,7 @@
             </a:pPr>
             <a:r>
               <a:rPr lang="en-US" dirty="0" smtClean="0"/>
-              <a:t>When k0 is below Fermi momentum, the denominator never have </a:t>
-            </a:r>
-            <a:r>
-              <a:rPr lang="en-US" dirty="0" smtClean="0"/>
-              <a:t> pole</a:t>
-            </a:r>
-            <a:r>
-              <a:rPr lang="en-US" dirty="0" smtClean="0"/>
-              <a:t>.</a:t>
+              <a:t>When k0 is below Fermi momentum, the denominator never have  pole.</a:t>
             </a:r>
           </a:p>
           <a:p>
@@ -8831,25 +8815,7 @@
                 <a:cs typeface="+mn-cs"/>
                 <a:sym typeface="Wingdings" panose="05000000000000000000" pitchFamily="2" charset="2"/>
               </a:rPr>
-              <a:t> </a:t>
-            </a:r>
-            <a:r>
-              <a:rPr kumimoji="0" lang="en-US" altLang="ko-KR" b="0" i="0" u="none" strike="noStrike" kern="1200" cap="none" spc="0" normalizeH="0" baseline="0" noProof="0" dirty="0" smtClean="0">
-                <a:ln>
-                  <a:noFill/>
-                </a:ln>
-                <a:solidFill>
-                  <a:srgbClr val="292934"/>
-                </a:solidFill>
-                <a:effectLst/>
-                <a:uLnTx/>
-                <a:uFillTx/>
-                <a:latin typeface="Arial"/>
-                <a:ea typeface="돋움" panose="020B0600000101010101" pitchFamily="50" charset="-127"/>
-                <a:cs typeface="+mn-cs"/>
-                <a:sym typeface="Wingdings" panose="05000000000000000000" pitchFamily="2" charset="2"/>
-              </a:rPr>
-              <a:t>Principal</a:t>
+              <a:t> Principal</a:t>
             </a:r>
             <a:r>
               <a:rPr kumimoji="0" lang="en-US" altLang="ko-KR" b="0" i="0" u="none" strike="noStrike" kern="1200" cap="none" spc="0" normalizeH="0" noProof="0" dirty="0" smtClean="0">
@@ -8867,25 +8833,7 @@
                 <a:cs typeface="+mn-cs"/>
                 <a:sym typeface="Wingdings" panose="05000000000000000000" pitchFamily="2" charset="2"/>
               </a:rPr>
-              <a:t> </a:t>
-            </a:r>
-            <a:r>
-              <a:rPr kumimoji="0" lang="en-US" altLang="ko-KR" b="0" i="0" u="none" strike="noStrike" kern="1200" cap="none" spc="0" normalizeH="0" noProof="0" dirty="0" smtClean="0">
-                <a:ln>
-                  <a:noFill/>
-                </a:ln>
-                <a:solidFill>
-                  <a:srgbClr val="292934"/>
-                </a:solidFill>
-                <a:effectLst/>
-                <a:uLnTx/>
-                <a:uFillTx/>
-                <a:latin typeface="Arial"/>
-                <a:ea typeface="돋움" panose="020B0600000101010101" pitchFamily="50" charset="-127"/>
-                <a:cs typeface="+mn-cs"/>
-                <a:sym typeface="Wingdings" panose="05000000000000000000" pitchFamily="2" charset="2"/>
-              </a:rPr>
-              <a:t>value integral </a:t>
+              <a:t> value integral </a:t>
             </a:r>
             <a:endParaRPr kumimoji="0" lang="en-US" altLang="ko-KR" b="0" i="0" u="none" strike="noStrike" kern="1200" cap="none" spc="0" normalizeH="0" baseline="0" noProof="0" dirty="0" smtClean="0">
               <a:ln>
@@ -9302,13 +9250,8 @@
           <a:p>
             <a:r>
               <a:rPr lang="en-US" dirty="0" smtClean="0"/>
-              <a:t>Trick for </a:t>
-            </a:r>
-            <a:r>
-              <a:rPr lang="en-US" dirty="0" smtClean="0"/>
-              <a:t>principal </a:t>
-            </a:r>
-            <a:endParaRPr lang="en-US" dirty="0" smtClean="0"/>
+              <a:t>Trick for principal </a:t>
+            </a:r>
           </a:p>
           <a:p>
             <a:r>
@@ -10034,24 +9977,7 @@
                 <a:ea typeface="돋움" panose="020B0600000101010101" pitchFamily="50" charset="-127"/>
                 <a:cs typeface="+mn-cs"/>
               </a:rPr>
-              <a:t>Exact solution  H |Psi&gt; = E |Psi&gt; is very difficult to get</a:t>
-            </a:r>
-            <a:r>
-              <a:rPr kumimoji="0" lang="en-US" altLang="ko-KR" b="0" i="0" u="none" strike="noStrike" kern="1200" cap="none" spc="0" normalizeH="0" baseline="0" noProof="0" dirty="0" smtClean="0">
-                <a:ln>
-                  <a:noFill/>
-                </a:ln>
-                <a:solidFill>
-                  <a:srgbClr val="292934"/>
-                </a:solidFill>
-                <a:effectLst/>
-                <a:uLnTx/>
-                <a:uFillTx/>
-                <a:latin typeface="Arial"/>
-                <a:ea typeface="돋움" panose="020B0600000101010101" pitchFamily="50" charset="-127"/>
-                <a:cs typeface="+mn-cs"/>
-              </a:rPr>
-              <a:t>.</a:t>
+              <a:t>Exact solution  H |Psi&gt; = E |Psi&gt; is very difficult to get.</a:t>
             </a:r>
           </a:p>
           <a:p>
@@ -10161,24 +10087,7 @@
                 <a:ea typeface="돋움" panose="020B0600000101010101" pitchFamily="50" charset="-127"/>
                 <a:cs typeface="+mn-cs"/>
               </a:rPr>
-              <a:t> of nuclear matter</a:t>
-            </a:r>
-            <a:r>
-              <a:rPr kumimoji="0" lang="en-US" altLang="ko-KR" b="0" i="0" u="none" strike="noStrike" kern="1200" cap="none" spc="0" normalizeH="0" baseline="0" noProof="0" dirty="0" smtClean="0">
-                <a:ln>
-                  <a:noFill/>
-                </a:ln>
-                <a:solidFill>
-                  <a:srgbClr val="FF0000"/>
-                </a:solidFill>
-                <a:effectLst/>
-                <a:uLnTx/>
-                <a:uFillTx/>
-                <a:latin typeface="Arial"/>
-                <a:ea typeface="돋움" panose="020B0600000101010101" pitchFamily="50" charset="-127"/>
-                <a:cs typeface="+mn-cs"/>
-              </a:rPr>
-              <a:t>?</a:t>
+              <a:t> of nuclear matter?</a:t>
             </a:r>
           </a:p>
           <a:p>
@@ -10460,16 +10369,6 @@
               </a:rPr>
               <a:t> 25, chapter 3</a:t>
             </a:r>
-            <a:endParaRPr kumimoji="0" lang="en-US" altLang="ko-KR" sz="1600" b="0" i="0" u="none" strike="noStrike" kern="1200" cap="none" spc="0" normalizeH="0" baseline="0" noProof="0" dirty="0" smtClean="0">
-              <a:ln>
-                <a:noFill/>
-              </a:ln>
-              <a:effectLst/>
-              <a:uLnTx/>
-              <a:uFillTx/>
-              <a:latin typeface="Arial"/>
-              <a:ea typeface="돋움" panose="020B0600000101010101" pitchFamily="50" charset="-127"/>
-            </a:endParaRPr>
           </a:p>
         </p:txBody>
       </p:sp>
@@ -12290,6 +12189,251 @@
 </p:sld>
 </file>
 
+<file path=ppt/slides/slide29.xml><?xml version="1.0" encoding="utf-8"?>
+<p:sld xmlns:a="http://schemas.openxmlformats.org/drawingml/2006/main" xmlns:r="http://schemas.openxmlformats.org/officeDocument/2006/relationships" xmlns:p="http://schemas.openxmlformats.org/presentationml/2006/main">
+  <p:cSld>
+    <p:spTree>
+      <p:nvGrpSpPr>
+        <p:cNvPr id="1" name=""/>
+        <p:cNvGrpSpPr/>
+        <p:nvPr/>
+      </p:nvGrpSpPr>
+      <p:grpSpPr>
+        <a:xfrm>
+          <a:off x="0" y="0"/>
+          <a:ext cx="0" cy="0"/>
+          <a:chOff x="0" y="0"/>
+          <a:chExt cx="0" cy="0"/>
+        </a:xfrm>
+      </p:grpSpPr>
+      <p:sp>
+        <p:nvSpPr>
+          <p:cNvPr id="2" name="제목 1"/>
+          <p:cNvSpPr>
+            <a:spLocks noGrp="1"/>
+          </p:cNvSpPr>
+          <p:nvPr>
+            <p:ph type="title"/>
+          </p:nvPr>
+        </p:nvSpPr>
+        <p:spPr/>
+        <p:txBody>
+          <a:bodyPr/>
+          <a:lstStyle/>
+          <a:p>
+            <a:r>
+              <a:rPr lang="en-US" dirty="0" smtClean="0"/>
+              <a:t>How to include 3NF ? </a:t>
+            </a:r>
+            <a:endParaRPr lang="en-US" dirty="0"/>
+          </a:p>
+        </p:txBody>
+      </p:sp>
+      <p:sp>
+        <p:nvSpPr>
+          <p:cNvPr id="3" name="TextBox 2"/>
+          <p:cNvSpPr txBox="1"/>
+          <p:nvPr/>
+        </p:nvSpPr>
+        <p:spPr>
+          <a:xfrm>
+            <a:off x="2626447" y="5874327"/>
+            <a:ext cx="6877771" cy="672492"/>
+          </a:xfrm>
+          <a:prstGeom prst="rect">
+            <a:avLst/>
+          </a:prstGeom>
+          <a:noFill/>
+        </p:spPr>
+        <p:txBody>
+          <a:bodyPr wrap="square" rtlCol="0">
+            <a:spAutoFit/>
+          </a:bodyPr>
+          <a:lstStyle/>
+          <a:p>
+            <a:r>
+              <a:rPr lang="en-US" dirty="0" smtClean="0"/>
+              <a:t>REF 1. M. Kohno, Phys. Rev. C. 88, 064005(2013)</a:t>
+            </a:r>
+          </a:p>
+          <a:p>
+            <a:r>
+              <a:rPr lang="en-US" dirty="0" smtClean="0"/>
+              <a:t>REF 2. J. Holt et al, Frontiers in Physics, vol. 8, 100 (2020)</a:t>
+            </a:r>
+            <a:endParaRPr lang="en-US" dirty="0"/>
+          </a:p>
+        </p:txBody>
+      </p:sp>
+      <p:pic>
+        <p:nvPicPr>
+          <p:cNvPr id="5" name="그림 4"/>
+          <p:cNvPicPr>
+            <a:picLocks noChangeAspect="1"/>
+          </p:cNvPicPr>
+          <p:nvPr/>
+        </p:nvPicPr>
+        <p:blipFill>
+          <a:blip r:embed="rId2"/>
+          <a:stretch>
+            <a:fillRect/>
+          </a:stretch>
+        </p:blipFill>
+        <p:spPr>
+          <a:xfrm>
+            <a:off x="620425" y="3357563"/>
+            <a:ext cx="3792826" cy="1106593"/>
+          </a:xfrm>
+          <a:prstGeom prst="rect">
+            <a:avLst/>
+          </a:prstGeom>
+        </p:spPr>
+      </p:pic>
+      <p:pic>
+        <p:nvPicPr>
+          <p:cNvPr id="9" name="그림 8"/>
+          <p:cNvPicPr>
+            <a:picLocks noChangeAspect="1"/>
+          </p:cNvPicPr>
+          <p:nvPr/>
+        </p:nvPicPr>
+        <p:blipFill>
+          <a:blip r:embed="rId3"/>
+          <a:stretch>
+            <a:fillRect/>
+          </a:stretch>
+        </p:blipFill>
+        <p:spPr>
+          <a:xfrm>
+            <a:off x="5529263" y="3470505"/>
+            <a:ext cx="3335942" cy="1480186"/>
+          </a:xfrm>
+          <a:prstGeom prst="rect">
+            <a:avLst/>
+          </a:prstGeom>
+        </p:spPr>
+      </p:pic>
+      <p:sp>
+        <p:nvSpPr>
+          <p:cNvPr id="10" name="TextBox 9"/>
+          <p:cNvSpPr txBox="1"/>
+          <p:nvPr/>
+        </p:nvSpPr>
+        <p:spPr>
+          <a:xfrm>
+            <a:off x="668338" y="1581639"/>
+            <a:ext cx="7693890" cy="962571"/>
+          </a:xfrm>
+          <a:prstGeom prst="rect">
+            <a:avLst/>
+          </a:prstGeom>
+          <a:noFill/>
+        </p:spPr>
+        <p:txBody>
+          <a:bodyPr wrap="square" rtlCol="0">
+            <a:spAutoFit/>
+          </a:bodyPr>
+          <a:lstStyle/>
+          <a:p>
+            <a:r>
+              <a:rPr lang="en-US" dirty="0" smtClean="0"/>
+              <a:t>Currently,</a:t>
+            </a:r>
+          </a:p>
+          <a:p>
+            <a:pPr marL="457200" indent="-457200">
+              <a:buAutoNum type="arabicParenBoth"/>
+            </a:pPr>
+            <a:r>
+              <a:rPr lang="en-US" dirty="0" smtClean="0"/>
+              <a:t>confused for the moment about the correct factor.</a:t>
+            </a:r>
+          </a:p>
+          <a:p>
+            <a:pPr marL="457200" indent="-457200">
+              <a:buAutoNum type="arabicParenBoth"/>
+            </a:pPr>
+            <a:r>
+              <a:rPr lang="en-US" dirty="0" smtClean="0"/>
+              <a:t>Difficulty in understanding the Chiral 3BF code.</a:t>
+            </a:r>
+            <a:endParaRPr lang="en-US" dirty="0"/>
+          </a:p>
+        </p:txBody>
+      </p:sp>
+      <p:sp>
+        <p:nvSpPr>
+          <p:cNvPr id="11" name="TextBox 10"/>
+          <p:cNvSpPr txBox="1"/>
+          <p:nvPr/>
+        </p:nvSpPr>
+        <p:spPr>
+          <a:xfrm>
+            <a:off x="655783" y="2983349"/>
+            <a:ext cx="1804411" cy="382412"/>
+          </a:xfrm>
+          <a:prstGeom prst="rect">
+            <a:avLst/>
+          </a:prstGeom>
+          <a:noFill/>
+        </p:spPr>
+        <p:txBody>
+          <a:bodyPr wrap="square" rtlCol="0">
+            <a:spAutoFit/>
+          </a:bodyPr>
+          <a:lstStyle/>
+          <a:p>
+            <a:r>
+              <a:rPr lang="en-US" dirty="0" smtClean="0"/>
+              <a:t>In energy,</a:t>
+            </a:r>
+            <a:endParaRPr lang="en-US" dirty="0"/>
+          </a:p>
+        </p:txBody>
+      </p:sp>
+      <p:sp>
+        <p:nvSpPr>
+          <p:cNvPr id="12" name="TextBox 11"/>
+          <p:cNvSpPr txBox="1"/>
+          <p:nvPr/>
+        </p:nvSpPr>
+        <p:spPr>
+          <a:xfrm>
+            <a:off x="5537211" y="2997205"/>
+            <a:ext cx="1804411" cy="382412"/>
+          </a:xfrm>
+          <a:prstGeom prst="rect">
+            <a:avLst/>
+          </a:prstGeom>
+          <a:noFill/>
+        </p:spPr>
+        <p:txBody>
+          <a:bodyPr wrap="square" rtlCol="0">
+            <a:spAutoFit/>
+          </a:bodyPr>
+          <a:lstStyle/>
+          <a:p>
+            <a:r>
+              <a:rPr lang="en-US" dirty="0" smtClean="0"/>
+              <a:t>In Hamiltonian,</a:t>
+            </a:r>
+            <a:endParaRPr lang="en-US" dirty="0"/>
+          </a:p>
+        </p:txBody>
+      </p:sp>
+    </p:spTree>
+    <p:extLst>
+      <p:ext uri="{BB962C8B-B14F-4D97-AF65-F5344CB8AC3E}">
+        <p14:creationId xmlns:p14="http://schemas.microsoft.com/office/powerpoint/2010/main" val="1602893879"/>
+      </p:ext>
+    </p:extLst>
+  </p:cSld>
+  <p:clrMapOvr>
+    <a:masterClrMapping/>
+  </p:clrMapOvr>
+</p:sld>
+</file>
+
 <file path=ppt/slides/slide3.xml><?xml version="1.0" encoding="utf-8"?>
 <p:sld xmlns:a="http://schemas.openxmlformats.org/drawingml/2006/main" xmlns:r="http://schemas.openxmlformats.org/officeDocument/2006/relationships" xmlns:p="http://schemas.openxmlformats.org/presentationml/2006/main">
   <p:cSld>
@@ -12371,24 +12515,7 @@
                 <a:ea typeface="돋움" panose="020B0600000101010101" pitchFamily="50" charset="-127"/>
                 <a:cs typeface="+mn-cs"/>
               </a:rPr>
-              <a:t>How </a:t>
-            </a:r>
-            <a:r>
-              <a:rPr kumimoji="0" lang="en-US" altLang="ko-KR" b="0" i="0" u="none" strike="noStrike" kern="1200" cap="none" spc="0" normalizeH="0" baseline="0" noProof="0" dirty="0" smtClean="0">
-                <a:ln>
-                  <a:noFill/>
-                </a:ln>
-                <a:solidFill>
-                  <a:srgbClr val="FF0000"/>
-                </a:solidFill>
-                <a:effectLst/>
-                <a:uLnTx/>
-                <a:uFillTx/>
-                <a:latin typeface="Arial"/>
-                <a:ea typeface="돋움" panose="020B0600000101010101" pitchFamily="50" charset="-127"/>
-                <a:cs typeface="+mn-cs"/>
-              </a:rPr>
-              <a:t>to compute the </a:t>
+              <a:t>How to compute the </a:t>
             </a:r>
             <a:r>
               <a:rPr lang="en-US" altLang="ko-KR" dirty="0">
@@ -12896,27 +13023,8 @@
                 <a:ea typeface="돋움" panose="020B0600000101010101" pitchFamily="50" charset="-127"/>
                 <a:sym typeface="Wingdings" panose="05000000000000000000" pitchFamily="2" charset="2"/>
               </a:rPr>
-              <a:t>What is U</a:t>
-            </a:r>
-            <a:r>
-              <a:rPr lang="en-US" altLang="ko-KR" baseline="0" dirty="0" smtClean="0">
-                <a:solidFill>
-                  <a:srgbClr val="292934"/>
-                </a:solidFill>
-                <a:latin typeface="Arial"/>
-                <a:ea typeface="돋움" panose="020B0600000101010101" pitchFamily="50" charset="-127"/>
-                <a:sym typeface="Wingdings" panose="05000000000000000000" pitchFamily="2" charset="2"/>
-              </a:rPr>
-              <a:t>? (H = T+V = T+U + V-U)</a:t>
-            </a:r>
-            <a:endParaRPr lang="en-US" altLang="ko-KR" baseline="0" dirty="0" smtClean="0">
-              <a:solidFill>
-                <a:srgbClr val="292934"/>
-              </a:solidFill>
-              <a:latin typeface="Arial"/>
-              <a:ea typeface="돋움" panose="020B0600000101010101" pitchFamily="50" charset="-127"/>
-              <a:sym typeface="Wingdings" panose="05000000000000000000" pitchFamily="2" charset="2"/>
-            </a:endParaRPr>
+              <a:t>What is U? (H = T+V = T+U + V-U)</a:t>
+            </a:r>
           </a:p>
           <a:p>
             <a:pPr marL="821819" lvl="1" indent="-342900">
@@ -13325,58 +13433,7 @@
                 <a:ea typeface="돋움" panose="020B0600000101010101" pitchFamily="50" charset="-127"/>
                 <a:cs typeface="+mn-cs"/>
               </a:rPr>
-              <a:t>However</a:t>
-            </a:r>
-            <a:r>
-              <a:rPr kumimoji="0" lang="en-US" altLang="ko-KR" b="0" i="0" u="none" strike="noStrike" kern="1200" cap="none" spc="0" normalizeH="0" baseline="0" noProof="0" dirty="0" smtClean="0">
-                <a:ln>
-                  <a:noFill/>
-                </a:ln>
-                <a:solidFill>
-                  <a:srgbClr val="292934"/>
-                </a:solidFill>
-                <a:effectLst/>
-                <a:uLnTx/>
-                <a:uFillTx/>
-                <a:latin typeface="Arial"/>
-                <a:ea typeface="돋움" panose="020B0600000101010101" pitchFamily="50" charset="-127"/>
-                <a:cs typeface="+mn-cs"/>
-              </a:rPr>
-              <a:t>, naïve application of </a:t>
-            </a:r>
-            <a:r>
-              <a:rPr kumimoji="0" lang="en-US" altLang="ko-KR" b="0" i="0" u="none" strike="noStrike" kern="1200" cap="none" spc="0" normalizeH="0" baseline="0" noProof="0" dirty="0" smtClean="0">
-                <a:ln>
-                  <a:noFill/>
-                </a:ln>
-                <a:solidFill>
-                  <a:srgbClr val="292934"/>
-                </a:solidFill>
-                <a:effectLst/>
-                <a:uLnTx/>
-                <a:uFillTx/>
-                <a:latin typeface="Arial"/>
-                <a:ea typeface="돋움" panose="020B0600000101010101" pitchFamily="50" charset="-127"/>
-                <a:cs typeface="+mn-cs"/>
-              </a:rPr>
-              <a:t>MBPT to </a:t>
-            </a:r>
-            <a:r>
-              <a:rPr kumimoji="0" lang="en-US" altLang="ko-KR" b="0" i="0" u="none" strike="noStrike" kern="1200" cap="none" spc="0" normalizeH="0" baseline="0" noProof="0" dirty="0" smtClean="0">
-                <a:ln>
-                  <a:noFill/>
-                </a:ln>
-                <a:solidFill>
-                  <a:srgbClr val="292934"/>
-                </a:solidFill>
-                <a:effectLst/>
-                <a:uLnTx/>
-                <a:uFillTx/>
-                <a:latin typeface="Arial"/>
-                <a:ea typeface="돋움" panose="020B0600000101010101" pitchFamily="50" charset="-127"/>
-                <a:cs typeface="+mn-cs"/>
-              </a:rPr>
-              <a:t>realistic NN interaction raises</a:t>
+              <a:t>However, naïve application of MBPT to realistic NN interaction raises</a:t>
             </a:r>
             <a:r>
               <a:rPr kumimoji="0" lang="en-US" altLang="ko-KR" b="0" i="0" u="none" strike="noStrike" kern="1200" cap="none" spc="0" normalizeH="0" noProof="0" dirty="0" smtClean="0">
@@ -13930,13 +13987,6 @@
               </a:rPr>
               <a:t>Scattering T-matrix is well defined/behaved </a:t>
             </a:r>
-            <a:endParaRPr lang="en-US" altLang="ko-KR" dirty="0" smtClean="0">
-              <a:solidFill>
-                <a:srgbClr val="292934"/>
-              </a:solidFill>
-              <a:latin typeface="Arial"/>
-              <a:ea typeface="돋움" panose="020B0600000101010101" pitchFamily="50" charset="-127"/>
-            </a:endParaRPr>
           </a:p>
           <a:p>
             <a:pPr lvl="1">
@@ -13960,27 +14010,7 @@
                 <a:latin typeface="Arial"/>
                 <a:ea typeface="돋움" panose="020B0600000101010101" pitchFamily="50" charset="-127"/>
               </a:rPr>
-              <a:t>     </a:t>
-            </a:r>
-            <a:r>
-              <a:rPr lang="en-US" altLang="ko-KR" dirty="0" smtClean="0">
-                <a:solidFill>
-                  <a:srgbClr val="292934"/>
-                </a:solidFill>
-                <a:latin typeface="Arial"/>
-                <a:ea typeface="돋움" panose="020B0600000101010101" pitchFamily="50" charset="-127"/>
-              </a:rPr>
-              <a:t>even </a:t>
-            </a:r>
-            <a:r>
-              <a:rPr lang="en-US" altLang="ko-KR" dirty="0" smtClean="0">
-                <a:solidFill>
-                  <a:srgbClr val="292934"/>
-                </a:solidFill>
-                <a:latin typeface="Arial"/>
-                <a:ea typeface="돋움" panose="020B0600000101010101" pitchFamily="50" charset="-127"/>
-              </a:rPr>
-              <a:t>when potential matrix element is large. (non-perturbative) </a:t>
+              <a:t>     even when potential matrix element is large. (non-perturbative) </a:t>
             </a:r>
             <a:endParaRPr lang="en-US" altLang="ko-KR" baseline="0" dirty="0">
               <a:solidFill>
@@ -14652,27 +14682,7 @@
                 <a:latin typeface="Arial"/>
                 <a:ea typeface="돋움" panose="020B0600000101010101" pitchFamily="50" charset="-127"/>
               </a:rPr>
-              <a:t>(2) </a:t>
-            </a:r>
-            <a:r>
-              <a:rPr lang="en-US" altLang="ko-KR" dirty="0" smtClean="0">
-                <a:solidFill>
-                  <a:srgbClr val="292934"/>
-                </a:solidFill>
-                <a:latin typeface="Arial"/>
-                <a:ea typeface="돋움" panose="020B0600000101010101" pitchFamily="50" charset="-127"/>
-              </a:rPr>
-              <a:t>Dispersion </a:t>
-            </a:r>
-            <a:r>
-              <a:rPr lang="en-US" altLang="ko-KR" dirty="0" smtClean="0">
-                <a:solidFill>
-                  <a:srgbClr val="292934"/>
-                </a:solidFill>
-                <a:latin typeface="Arial"/>
-                <a:ea typeface="돋움" panose="020B0600000101010101" pitchFamily="50" charset="-127"/>
-              </a:rPr>
-              <a:t>relation( relation between energy and momentum)  </a:t>
+              <a:t>(2) Dispersion relation( relation between energy and momentum)  </a:t>
             </a:r>
           </a:p>
           <a:p>
@@ -14701,17 +14711,7 @@
                 <a:latin typeface="Arial"/>
                 <a:ea typeface="돋움" panose="020B0600000101010101" pitchFamily="50" charset="-127"/>
               </a:rPr>
-              <a:t>BHF or Bethe-Goldstone </a:t>
-            </a:r>
-            <a:r>
-              <a:rPr lang="en-US" altLang="ko-KR" dirty="0" smtClean="0">
-                <a:solidFill>
-                  <a:srgbClr val="292934"/>
-                </a:solidFill>
-                <a:latin typeface="Arial"/>
-                <a:ea typeface="돋움" panose="020B0600000101010101" pitchFamily="50" charset="-127"/>
-              </a:rPr>
-              <a:t>equation</a:t>
+              <a:t>BHF or Bethe-Goldstone equation</a:t>
             </a:r>
           </a:p>
           <a:p>
@@ -14749,13 +14749,6 @@
               </a:rPr>
               <a:t>. wave function, energy, potential, g-matrix</a:t>
             </a:r>
-            <a:endParaRPr lang="en-US" altLang="ko-KR" dirty="0" smtClean="0">
-              <a:solidFill>
-                <a:srgbClr val="292934"/>
-              </a:solidFill>
-              <a:latin typeface="Arial"/>
-              <a:ea typeface="돋움" panose="020B0600000101010101" pitchFamily="50" charset="-127"/>
-            </a:endParaRPr>
           </a:p>
           <a:p>
             <a:pPr marL="342900" marR="0" lvl="0" indent="-342900" algn="l" defTabSz="957838" rtl="0" eaLnBrk="1" fontAlgn="auto" latinLnBrk="1" hangingPunct="1">

--- a/20221201_숭실대_BHF_송영호.pptx
+++ b/20221201_숭실대_BHF_송영호.pptx
@@ -6,10 +6,10 @@
     <p:sldMasterId id="2147483772" r:id="rId2"/>
   </p:sldMasterIdLst>
   <p:notesMasterIdLst>
-    <p:notesMasterId r:id="rId32"/>
+    <p:notesMasterId r:id="rId33"/>
   </p:notesMasterIdLst>
   <p:handoutMasterIdLst>
-    <p:handoutMasterId r:id="rId33"/>
+    <p:handoutMasterId r:id="rId34"/>
   </p:handoutMasterIdLst>
   <p:sldIdLst>
     <p:sldId id="269" r:id="rId3"/>
@@ -18,29 +18,30 @@
     <p:sldId id="549" r:id="rId6"/>
     <p:sldId id="552" r:id="rId7"/>
     <p:sldId id="550" r:id="rId8"/>
-    <p:sldId id="551" r:id="rId9"/>
-    <p:sldId id="554" r:id="rId10"/>
-    <p:sldId id="553" r:id="rId11"/>
-    <p:sldId id="555" r:id="rId12"/>
-    <p:sldId id="556" r:id="rId13"/>
-    <p:sldId id="557" r:id="rId14"/>
-    <p:sldId id="547" r:id="rId15"/>
-    <p:sldId id="558" r:id="rId16"/>
-    <p:sldId id="559" r:id="rId17"/>
-    <p:sldId id="560" r:id="rId18"/>
-    <p:sldId id="562" r:id="rId19"/>
-    <p:sldId id="563" r:id="rId20"/>
-    <p:sldId id="564" r:id="rId21"/>
-    <p:sldId id="565" r:id="rId22"/>
-    <p:sldId id="566" r:id="rId23"/>
-    <p:sldId id="567" r:id="rId24"/>
-    <p:sldId id="568" r:id="rId25"/>
-    <p:sldId id="570" r:id="rId26"/>
-    <p:sldId id="571" r:id="rId27"/>
-    <p:sldId id="572" r:id="rId28"/>
-    <p:sldId id="546" r:id="rId29"/>
-    <p:sldId id="569" r:id="rId30"/>
-    <p:sldId id="574" r:id="rId31"/>
+    <p:sldId id="575" r:id="rId9"/>
+    <p:sldId id="551" r:id="rId10"/>
+    <p:sldId id="554" r:id="rId11"/>
+    <p:sldId id="553" r:id="rId12"/>
+    <p:sldId id="555" r:id="rId13"/>
+    <p:sldId id="556" r:id="rId14"/>
+    <p:sldId id="557" r:id="rId15"/>
+    <p:sldId id="547" r:id="rId16"/>
+    <p:sldId id="558" r:id="rId17"/>
+    <p:sldId id="559" r:id="rId18"/>
+    <p:sldId id="560" r:id="rId19"/>
+    <p:sldId id="562" r:id="rId20"/>
+    <p:sldId id="563" r:id="rId21"/>
+    <p:sldId id="564" r:id="rId22"/>
+    <p:sldId id="565" r:id="rId23"/>
+    <p:sldId id="566" r:id="rId24"/>
+    <p:sldId id="567" r:id="rId25"/>
+    <p:sldId id="568" r:id="rId26"/>
+    <p:sldId id="570" r:id="rId27"/>
+    <p:sldId id="571" r:id="rId28"/>
+    <p:sldId id="572" r:id="rId29"/>
+    <p:sldId id="546" r:id="rId30"/>
+    <p:sldId id="569" r:id="rId31"/>
+    <p:sldId id="574" r:id="rId32"/>
   </p:sldIdLst>
   <p:sldSz cx="9906000" cy="6858000" type="A4"/>
   <p:notesSz cx="6735763" cy="9866313"/>
@@ -150,6 +151,7 @@
             <p14:sldId id="549"/>
             <p14:sldId id="552"/>
             <p14:sldId id="550"/>
+            <p14:sldId id="575"/>
             <p14:sldId id="551"/>
             <p14:sldId id="554"/>
             <p14:sldId id="553"/>
@@ -340,7 +342,7 @@
           <a:p>
             <a:fld id="{46F42610-14FF-4B40-B4B6-786DE4FB8FEA}" type="datetime1">
               <a:rPr lang="ko-KR" altLang="en-US" smtClean="0"/>
-              <a:t>2022-11-25</a:t>
+              <a:t>2022-11-29</a:t>
             </a:fld>
             <a:endParaRPr lang="ko-KR" altLang="en-US"/>
           </a:p>
@@ -506,7 +508,7 @@
           <a:p>
             <a:fld id="{513A899E-F476-4791-9F16-0B14047B11F2}" type="datetime1">
               <a:rPr lang="ko-KR" altLang="en-US" smtClean="0"/>
-              <a:t>2022-11-25</a:t>
+              <a:t>2022-11-29</a:t>
             </a:fld>
             <a:endParaRPr lang="ko-KR" altLang="en-US"/>
           </a:p>
@@ -972,7 +974,7 @@
           <a:p>
             <a:fld id="{D5BB7A41-6D90-4371-844A-87EC379C3D06}" type="datetimeFigureOut">
               <a:rPr lang="ko-KR" altLang="en-US" smtClean="0"/>
-              <a:t>2022-11-25</a:t>
+              <a:t>2022-11-29</a:t>
             </a:fld>
             <a:endParaRPr lang="ko-KR" altLang="en-US"/>
           </a:p>
@@ -1320,7 +1322,7 @@
             <a:fld id="{1D8BD707-D9CF-40AE-B4C6-C98DA3205C09}" type="datetimeFigureOut">
               <a:rPr lang="en-US" smtClean="0"/>
               <a:pPr defTabSz="914400" latinLnBrk="0"/>
-              <a:t>11/25/2022</a:t>
+              <a:t>11/29/2022</a:t>
             </a:fld>
             <a:endParaRPr lang="en-US"/>
           </a:p>
@@ -1530,7 +1532,7 @@
             <a:fld id="{1D8BD707-D9CF-40AE-B4C6-C98DA3205C09}" type="datetimeFigureOut">
               <a:rPr lang="en-US" smtClean="0"/>
               <a:pPr defTabSz="914400" latinLnBrk="0"/>
-              <a:t>11/25/2022</a:t>
+              <a:t>11/29/2022</a:t>
             </a:fld>
             <a:endParaRPr lang="en-US"/>
           </a:p>
@@ -1788,7 +1790,7 @@
             <a:fld id="{1D8BD707-D9CF-40AE-B4C6-C98DA3205C09}" type="datetimeFigureOut">
               <a:rPr lang="en-US" smtClean="0"/>
               <a:pPr defTabSz="914400" latinLnBrk="0"/>
-              <a:t>11/25/2022</a:t>
+              <a:t>11/29/2022</a:t>
             </a:fld>
             <a:endParaRPr lang="en-US"/>
           </a:p>
@@ -2116,7 +2118,7 @@
             <a:fld id="{1D8BD707-D9CF-40AE-B4C6-C98DA3205C09}" type="datetimeFigureOut">
               <a:rPr lang="en-US" smtClean="0"/>
               <a:pPr defTabSz="914400" latinLnBrk="0"/>
-              <a:t>11/25/2022</a:t>
+              <a:t>11/29/2022</a:t>
             </a:fld>
             <a:endParaRPr lang="en-US"/>
           </a:p>
@@ -2592,7 +2594,7 @@
             <a:fld id="{1D8BD707-D9CF-40AE-B4C6-C98DA3205C09}" type="datetimeFigureOut">
               <a:rPr lang="en-US" smtClean="0"/>
               <a:pPr defTabSz="914400" latinLnBrk="0"/>
-              <a:t>11/25/2022</a:t>
+              <a:t>11/29/2022</a:t>
             </a:fld>
             <a:endParaRPr lang="en-US"/>
           </a:p>
@@ -2750,7 +2752,7 @@
             <a:fld id="{1D8BD707-D9CF-40AE-B4C6-C98DA3205C09}" type="datetimeFigureOut">
               <a:rPr lang="en-US" smtClean="0"/>
               <a:pPr defTabSz="914400" latinLnBrk="0"/>
-              <a:t>11/25/2022</a:t>
+              <a:t>11/29/2022</a:t>
             </a:fld>
             <a:endParaRPr lang="en-US"/>
           </a:p>
@@ -2850,7 +2852,7 @@
             <a:fld id="{1D8BD707-D9CF-40AE-B4C6-C98DA3205C09}" type="datetimeFigureOut">
               <a:rPr lang="en-US" smtClean="0"/>
               <a:pPr defTabSz="914400" latinLnBrk="0"/>
-              <a:t>11/25/2022</a:t>
+              <a:t>11/29/2022</a:t>
             </a:fld>
             <a:endParaRPr lang="en-US"/>
           </a:p>
@@ -3008,7 +3010,7 @@
           <a:p>
             <a:fld id="{D5BB7A41-6D90-4371-844A-87EC379C3D06}" type="datetimeFigureOut">
               <a:rPr lang="ko-KR" altLang="en-US" smtClean="0"/>
-              <a:t>2022-11-25</a:t>
+              <a:t>2022-11-29</a:t>
             </a:fld>
             <a:endParaRPr lang="ko-KR" altLang="en-US"/>
           </a:p>
@@ -3289,7 +3291,7 @@
             <a:fld id="{1D8BD707-D9CF-40AE-B4C6-C98DA3205C09}" type="datetimeFigureOut">
               <a:rPr lang="en-US" smtClean="0"/>
               <a:pPr defTabSz="914400" latinLnBrk="0"/>
-              <a:t>11/25/2022</a:t>
+              <a:t>11/29/2022</a:t>
             </a:fld>
             <a:endParaRPr lang="en-US"/>
           </a:p>
@@ -3604,7 +3606,7 @@
             <a:fld id="{1D8BD707-D9CF-40AE-B4C6-C98DA3205C09}" type="datetimeFigureOut">
               <a:rPr lang="en-US" smtClean="0"/>
               <a:pPr defTabSz="914400" latinLnBrk="0"/>
-              <a:t>11/25/2022</a:t>
+              <a:t>11/29/2022</a:t>
             </a:fld>
             <a:endParaRPr lang="en-US"/>
           </a:p>
@@ -3779,7 +3781,7 @@
             <a:fld id="{1D8BD707-D9CF-40AE-B4C6-C98DA3205C09}" type="datetimeFigureOut">
               <a:rPr lang="en-US" smtClean="0"/>
               <a:pPr defTabSz="914400" latinLnBrk="0"/>
-              <a:t>11/25/2022</a:t>
+              <a:t>11/29/2022</a:t>
             </a:fld>
             <a:endParaRPr lang="en-US"/>
           </a:p>
@@ -3964,7 +3966,7 @@
             <a:fld id="{1D8BD707-D9CF-40AE-B4C6-C98DA3205C09}" type="datetimeFigureOut">
               <a:rPr lang="en-US" smtClean="0"/>
               <a:pPr defTabSz="914400" latinLnBrk="0"/>
-              <a:t>11/25/2022</a:t>
+              <a:t>11/29/2022</a:t>
             </a:fld>
             <a:endParaRPr lang="en-US"/>
           </a:p>
@@ -4217,7 +4219,7 @@
           <a:p>
             <a:fld id="{D5BB7A41-6D90-4371-844A-87EC379C3D06}" type="datetimeFigureOut">
               <a:rPr lang="ko-KR" altLang="en-US" smtClean="0"/>
-              <a:t>2022-11-25</a:t>
+              <a:t>2022-11-29</a:t>
             </a:fld>
             <a:endParaRPr lang="ko-KR" altLang="en-US"/>
           </a:p>
@@ -4463,7 +4465,7 @@
           <a:p>
             <a:fld id="{D5BB7A41-6D90-4371-844A-87EC379C3D06}" type="datetimeFigureOut">
               <a:rPr lang="ko-KR" altLang="en-US" smtClean="0"/>
-              <a:t>2022-11-25</a:t>
+              <a:t>2022-11-29</a:t>
             </a:fld>
             <a:endParaRPr lang="ko-KR" altLang="en-US"/>
           </a:p>
@@ -4845,7 +4847,7 @@
           <a:p>
             <a:fld id="{D5BB7A41-6D90-4371-844A-87EC379C3D06}" type="datetimeFigureOut">
               <a:rPr lang="ko-KR" altLang="en-US" smtClean="0"/>
-              <a:t>2022-11-25</a:t>
+              <a:t>2022-11-29</a:t>
             </a:fld>
             <a:endParaRPr lang="ko-KR" altLang="en-US"/>
           </a:p>
@@ -4971,7 +4973,7 @@
           <a:p>
             <a:fld id="{D5BB7A41-6D90-4371-844A-87EC379C3D06}" type="datetimeFigureOut">
               <a:rPr lang="ko-KR" altLang="en-US" smtClean="0"/>
-              <a:t>2022-11-25</a:t>
+              <a:t>2022-11-29</a:t>
             </a:fld>
             <a:endParaRPr lang="ko-KR" altLang="en-US"/>
           </a:p>
@@ -5066,7 +5068,7 @@
           <a:p>
             <a:fld id="{D5BB7A41-6D90-4371-844A-87EC379C3D06}" type="datetimeFigureOut">
               <a:rPr lang="ko-KR" altLang="en-US" smtClean="0"/>
-              <a:t>2022-11-25</a:t>
+              <a:t>2022-11-29</a:t>
             </a:fld>
             <a:endParaRPr lang="ko-KR" altLang="en-US"/>
           </a:p>
@@ -5352,7 +5354,7 @@
           <a:p>
             <a:fld id="{D5BB7A41-6D90-4371-844A-87EC379C3D06}" type="datetimeFigureOut">
               <a:rPr lang="ko-KR" altLang="en-US" smtClean="0"/>
-              <a:t>2022-11-25</a:t>
+              <a:t>2022-11-29</a:t>
             </a:fld>
             <a:endParaRPr lang="ko-KR" altLang="en-US"/>
           </a:p>
@@ -5500,7 +5502,7 @@
           <a:p>
             <a:fld id="{D5BB7A41-6D90-4371-844A-87EC379C3D06}" type="datetimeFigureOut">
               <a:rPr lang="ko-KR" altLang="en-US" smtClean="0"/>
-              <a:t>2022-11-25</a:t>
+              <a:t>2022-11-29</a:t>
             </a:fld>
             <a:endParaRPr lang="ko-KR" altLang="en-US"/>
           </a:p>
@@ -6335,7 +6337,7 @@
             <a:fld id="{1D8BD707-D9CF-40AE-B4C6-C98DA3205C09}" type="datetimeFigureOut">
               <a:rPr lang="en-US" smtClean="0"/>
               <a:pPr defTabSz="914400" latinLnBrk="0"/>
-              <a:t>11/25/2022</a:t>
+              <a:t>11/29/2022</a:t>
             </a:fld>
             <a:endParaRPr lang="en-US"/>
           </a:p>
@@ -6800,7 +6802,34 @@
                 </a:solidFill>
                 <a:latin typeface="+mn-ea"/>
               </a:rPr>
-              <a:t>How to solve BHF equation in nuclear matter</a:t>
+              <a:t>How to solve BHF equation </a:t>
+            </a:r>
+            <a:endParaRPr lang="en-US" altLang="ko-KR" sz="3600" b="1" dirty="0" smtClean="0">
+              <a:solidFill>
+                <a:schemeClr val="bg1"/>
+              </a:solidFill>
+              <a:latin typeface="+mn-ea"/>
+            </a:endParaRPr>
+          </a:p>
+          <a:p>
+            <a:pPr algn="ctr"/>
+            <a:r>
+              <a:rPr lang="en-US" altLang="ko-KR" sz="3600" b="1" dirty="0" smtClean="0">
+                <a:solidFill>
+                  <a:schemeClr val="bg1"/>
+                </a:solidFill>
+                <a:latin typeface="+mn-ea"/>
+              </a:rPr>
+              <a:t>in </a:t>
+            </a:r>
+            <a:r>
+              <a:rPr lang="en-US" altLang="ko-KR" sz="3600" b="1" dirty="0">
+                <a:solidFill>
+                  <a:schemeClr val="bg1"/>
+                </a:solidFill>
+                <a:latin typeface="+mn-ea"/>
+              </a:rPr>
+              <a:t>nuclear matter</a:t>
             </a:r>
             <a:endParaRPr lang="en-US" altLang="ko-KR" sz="3600" b="1" dirty="0" smtClean="0">
               <a:solidFill>
@@ -7079,7 +7108,7 @@
           <a:p>
             <a:r>
               <a:rPr lang="en-US" dirty="0" smtClean="0"/>
-              <a:t>G-matrix calculation</a:t>
+              <a:t>Nuclear matter</a:t>
             </a:r>
             <a:endParaRPr lang="en-US" dirty="0"/>
           </a:p>
@@ -7087,14 +7116,14 @@
       </p:sp>
       <p:sp>
         <p:nvSpPr>
-          <p:cNvPr id="3" name="TextBox 2"/>
+          <p:cNvPr id="9" name="TextBox 8"/>
           <p:cNvSpPr txBox="1"/>
           <p:nvPr/>
         </p:nvSpPr>
         <p:spPr>
           <a:xfrm>
             <a:off x="668338" y="1699491"/>
-            <a:ext cx="8532812" cy="382412"/>
+            <a:ext cx="8532812" cy="2412968"/>
           </a:xfrm>
           <a:prstGeom prst="rect">
             <a:avLst/>
@@ -7125,6 +7154,30 @@
               <a:defRPr/>
             </a:pPr>
             <a:r>
+              <a:rPr kumimoji="0" lang="en-US" altLang="ko-KR" b="0" i="0" u="none" strike="noStrike" kern="1200" cap="none" spc="0" normalizeH="0" noProof="0" dirty="0" smtClean="0">
+                <a:ln>
+                  <a:noFill/>
+                </a:ln>
+                <a:solidFill>
+                  <a:srgbClr val="292934"/>
+                </a:solidFill>
+                <a:effectLst/>
+                <a:uLnTx/>
+                <a:uFillTx/>
+                <a:latin typeface="Arial"/>
+                <a:ea typeface="돋움" panose="020B0600000101010101" pitchFamily="50" charset="-127"/>
+                <a:cs typeface="+mn-cs"/>
+              </a:rPr>
+              <a:t>From symmetry of infinite nuclear matter</a:t>
+            </a:r>
+          </a:p>
+          <a:p>
+            <a:pPr marL="821819" lvl="1" indent="-342900">
+              <a:buFont typeface="Arial" panose="020B0604020202020204" pitchFamily="34" charset="0"/>
+              <a:buChar char="•"/>
+              <a:defRPr/>
+            </a:pPr>
+            <a:r>
               <a:rPr lang="en-US" altLang="ko-KR" dirty="0" smtClean="0">
                 <a:solidFill>
                   <a:srgbClr val="292934"/>
@@ -7132,70 +7185,26 @@
                 <a:latin typeface="Arial"/>
                 <a:ea typeface="돋움" panose="020B0600000101010101" pitchFamily="50" charset="-127"/>
               </a:rPr>
-              <a:t>CM momentum and relative momentum of two nucleons</a:t>
-            </a:r>
-            <a:endParaRPr kumimoji="0" lang="en-US" altLang="ko-KR" b="0" i="0" u="none" strike="noStrike" kern="1200" cap="none" spc="0" normalizeH="0" baseline="0" noProof="0" dirty="0" smtClean="0">
-              <a:ln>
-                <a:noFill/>
-              </a:ln>
-              <a:solidFill>
-                <a:srgbClr val="292934"/>
-              </a:solidFill>
-              <a:effectLst/>
-              <a:uLnTx/>
-              <a:uFillTx/>
-              <a:latin typeface="Arial"/>
-              <a:ea typeface="돋움" panose="020B0600000101010101" pitchFamily="50" charset="-127"/>
-              <a:cs typeface="+mn-cs"/>
-            </a:endParaRPr>
-          </a:p>
-        </p:txBody>
-      </p:sp>
-      <p:pic>
-        <p:nvPicPr>
-          <p:cNvPr id="4" name="그림 3"/>
-          <p:cNvPicPr>
-            <a:picLocks noChangeAspect="1"/>
-          </p:cNvPicPr>
-          <p:nvPr/>
-        </p:nvPicPr>
-        <p:blipFill>
-          <a:blip r:embed="rId2"/>
-          <a:stretch>
-            <a:fillRect/>
-          </a:stretch>
-        </p:blipFill>
-        <p:spPr>
-          <a:xfrm>
-            <a:off x="1669157" y="2140067"/>
-            <a:ext cx="2448267" cy="581106"/>
-          </a:xfrm>
-          <a:prstGeom prst="rect">
-            <a:avLst/>
-          </a:prstGeom>
-        </p:spPr>
-      </p:pic>
-      <p:sp>
-        <p:nvSpPr>
-          <p:cNvPr id="6" name="TextBox 5"/>
-          <p:cNvSpPr txBox="1"/>
-          <p:nvPr/>
-        </p:nvSpPr>
-        <p:spPr>
-          <a:xfrm>
-            <a:off x="672958" y="2747822"/>
-            <a:ext cx="8532812" cy="382412"/>
-          </a:xfrm>
-          <a:prstGeom prst="rect">
-            <a:avLst/>
-          </a:prstGeom>
-          <a:noFill/>
-        </p:spPr>
-        <p:txBody>
-          <a:bodyPr wrap="square" rtlCol="0">
-            <a:spAutoFit/>
-          </a:bodyPr>
-          <a:lstStyle/>
+              <a:t>Wave function must be a plane wave. (No need to solve s. p. waves) </a:t>
+            </a:r>
+          </a:p>
+          <a:p>
+            <a:pPr marL="821819" lvl="1" indent="-342900">
+              <a:buFont typeface="Arial" panose="020B0604020202020204" pitchFamily="34" charset="0"/>
+              <a:buChar char="•"/>
+              <a:defRPr/>
+            </a:pPr>
+            <a:r>
+              <a:rPr lang="en-US" altLang="ko-KR" dirty="0" smtClean="0">
+                <a:solidFill>
+                  <a:srgbClr val="292934"/>
+                </a:solidFill>
+                <a:latin typeface="Arial"/>
+                <a:ea typeface="돋움" panose="020B0600000101010101" pitchFamily="50" charset="-127"/>
+              </a:rPr>
+              <a:t>Dispersion relation will be changed. (One have to find self consistent potential U )</a:t>
+            </a:r>
+          </a:p>
           <a:p>
             <a:pPr marL="342900" marR="0" lvl="0" indent="-342900" algn="l" defTabSz="957838" rtl="0" eaLnBrk="1" fontAlgn="auto" latinLnBrk="1" hangingPunct="1">
               <a:lnSpc>
@@ -7214,27 +7223,91 @@
               <a:tabLst/>
               <a:defRPr/>
             </a:pPr>
-            <a:r>
-              <a:rPr lang="en-US" altLang="ko-KR" noProof="0" dirty="0" smtClean="0">
-                <a:solidFill>
-                  <a:srgbClr val="292934"/>
-                </a:solidFill>
-                <a:latin typeface="Arial"/>
-                <a:ea typeface="돋움" panose="020B0600000101010101" pitchFamily="50" charset="-127"/>
-              </a:rPr>
-              <a:t>G-matrix equation </a:t>
-            </a:r>
-            <a:r>
-              <a:rPr lang="en-US" altLang="ko-KR" noProof="0" dirty="0" smtClean="0">
-                <a:solidFill>
-                  <a:srgbClr val="292934"/>
-                </a:solidFill>
-                <a:latin typeface="Arial"/>
-                <a:ea typeface="돋움" panose="020B0600000101010101" pitchFamily="50" charset="-127"/>
-                <a:sym typeface="Wingdings" panose="05000000000000000000" pitchFamily="2" charset="2"/>
-              </a:rPr>
-              <a:t> integral equation</a:t>
-            </a:r>
+            <a:endParaRPr lang="en-US" altLang="ko-KR" baseline="0" dirty="0">
+              <a:solidFill>
+                <a:srgbClr val="292934"/>
+              </a:solidFill>
+              <a:latin typeface="Arial"/>
+              <a:ea typeface="돋움" panose="020B0600000101010101" pitchFamily="50" charset="-127"/>
+            </a:endParaRPr>
+          </a:p>
+          <a:p>
+            <a:pPr marL="342900" marR="0" lvl="0" indent="-342900" algn="l" defTabSz="957838" rtl="0" eaLnBrk="1" fontAlgn="auto" latinLnBrk="1" hangingPunct="1">
+              <a:lnSpc>
+                <a:spcPct val="100000"/>
+              </a:lnSpc>
+              <a:spcBef>
+                <a:spcPts val="0"/>
+              </a:spcBef>
+              <a:spcAft>
+                <a:spcPts val="0"/>
+              </a:spcAft>
+              <a:buClrTx/>
+              <a:buSzTx/>
+              <a:buFont typeface="Arial" panose="020B0604020202020204" pitchFamily="34" charset="0"/>
+              <a:buChar char="•"/>
+              <a:tabLst/>
+              <a:defRPr/>
+            </a:pPr>
+            <a:endParaRPr kumimoji="0" lang="en-US" altLang="ko-KR" b="0" i="0" u="none" strike="noStrike" kern="1200" cap="none" spc="0" normalizeH="0" noProof="0" dirty="0" smtClean="0">
+              <a:ln>
+                <a:noFill/>
+              </a:ln>
+              <a:solidFill>
+                <a:srgbClr val="292934"/>
+              </a:solidFill>
+              <a:effectLst/>
+              <a:uLnTx/>
+              <a:uFillTx/>
+              <a:latin typeface="Arial"/>
+              <a:ea typeface="돋움" panose="020B0600000101010101" pitchFamily="50" charset="-127"/>
+              <a:cs typeface="+mn-cs"/>
+            </a:endParaRPr>
+          </a:p>
+          <a:p>
+            <a:pPr marL="342900" marR="0" lvl="0" indent="-342900" algn="l" defTabSz="957838" rtl="0" eaLnBrk="1" fontAlgn="auto" latinLnBrk="1" hangingPunct="1">
+              <a:lnSpc>
+                <a:spcPct val="100000"/>
+              </a:lnSpc>
+              <a:spcBef>
+                <a:spcPts val="0"/>
+              </a:spcBef>
+              <a:spcAft>
+                <a:spcPts val="0"/>
+              </a:spcAft>
+              <a:buClrTx/>
+              <a:buSzTx/>
+              <a:buFont typeface="Arial" panose="020B0604020202020204" pitchFamily="34" charset="0"/>
+              <a:buChar char="•"/>
+              <a:tabLst/>
+              <a:defRPr/>
+            </a:pPr>
+            <a:endParaRPr lang="en-US" altLang="ko-KR" baseline="0" dirty="0">
+              <a:solidFill>
+                <a:srgbClr val="292934"/>
+              </a:solidFill>
+              <a:latin typeface="Arial"/>
+              <a:ea typeface="돋움" panose="020B0600000101010101" pitchFamily="50" charset="-127"/>
+            </a:endParaRPr>
+          </a:p>
+          <a:p>
+            <a:pPr marL="342900" marR="0" lvl="0" indent="-342900" algn="l" defTabSz="957838" rtl="0" eaLnBrk="1" fontAlgn="auto" latinLnBrk="1" hangingPunct="1">
+              <a:lnSpc>
+                <a:spcPct val="100000"/>
+              </a:lnSpc>
+              <a:spcBef>
+                <a:spcPts val="0"/>
+              </a:spcBef>
+              <a:spcAft>
+                <a:spcPts val="0"/>
+              </a:spcAft>
+              <a:buClrTx/>
+              <a:buSzTx/>
+              <a:buFont typeface="Arial" panose="020B0604020202020204" pitchFamily="34" charset="0"/>
+              <a:buChar char="•"/>
+              <a:tabLst/>
+              <a:defRPr/>
+            </a:pPr>
             <a:endParaRPr kumimoji="0" lang="en-US" altLang="ko-KR" b="0" i="0" u="none" strike="noStrike" kern="1200" cap="none" spc="0" normalizeH="0" baseline="0" noProof="0" dirty="0" smtClean="0">
               <a:ln>
                 <a:noFill/>
@@ -7254,7 +7327,31 @@
       </p:sp>
       <p:pic>
         <p:nvPicPr>
-          <p:cNvPr id="7" name="그림 6"/>
+          <p:cNvPr id="6" name="그림 5"/>
+          <p:cNvPicPr>
+            <a:picLocks noChangeAspect="1"/>
+          </p:cNvPicPr>
+          <p:nvPr/>
+        </p:nvPicPr>
+        <p:blipFill>
+          <a:blip r:embed="rId2"/>
+          <a:stretch>
+            <a:fillRect/>
+          </a:stretch>
+        </p:blipFill>
+        <p:spPr>
+          <a:xfrm>
+            <a:off x="1664415" y="3021851"/>
+            <a:ext cx="2966465" cy="1022455"/>
+          </a:xfrm>
+          <a:prstGeom prst="rect">
+            <a:avLst/>
+          </a:prstGeom>
+        </p:spPr>
+      </p:pic>
+      <p:pic>
+        <p:nvPicPr>
+          <p:cNvPr id="4" name="그림 3"/>
           <p:cNvPicPr>
             <a:picLocks noChangeAspect="1"/>
           </p:cNvPicPr>
@@ -7268,96 +7365,24 @@
         </p:blipFill>
         <p:spPr>
           <a:xfrm>
-            <a:off x="1604415" y="3917511"/>
-            <a:ext cx="5442930" cy="821799"/>
+            <a:off x="1756780" y="4513298"/>
+            <a:ext cx="3700112" cy="2224408"/>
           </a:xfrm>
           <a:prstGeom prst="rect">
             <a:avLst/>
           </a:prstGeom>
         </p:spPr>
       </p:pic>
-      <p:pic>
-        <p:nvPicPr>
-          <p:cNvPr id="8" name="그림 7"/>
-          <p:cNvPicPr>
-            <a:picLocks noChangeAspect="1"/>
-          </p:cNvPicPr>
-          <p:nvPr/>
-        </p:nvPicPr>
-        <p:blipFill>
-          <a:blip r:embed="rId4"/>
-          <a:stretch>
-            <a:fillRect/>
-          </a:stretch>
-        </p:blipFill>
-        <p:spPr>
-          <a:xfrm>
-            <a:off x="1604415" y="3120370"/>
-            <a:ext cx="2808835" cy="709026"/>
-          </a:xfrm>
-          <a:prstGeom prst="rect">
-            <a:avLst/>
-          </a:prstGeom>
-        </p:spPr>
-      </p:pic>
-      <p:pic>
-        <p:nvPicPr>
-          <p:cNvPr id="9" name="그림 8"/>
-          <p:cNvPicPr>
-            <a:picLocks noChangeAspect="1"/>
-          </p:cNvPicPr>
-          <p:nvPr/>
-        </p:nvPicPr>
-        <p:blipFill>
-          <a:blip r:embed="rId5"/>
-          <a:stretch>
-            <a:fillRect/>
-          </a:stretch>
-        </p:blipFill>
-        <p:spPr>
-          <a:xfrm>
-            <a:off x="1784073" y="4991862"/>
-            <a:ext cx="3962953" cy="409632"/>
-          </a:xfrm>
-          <a:prstGeom prst="rect">
-            <a:avLst/>
-          </a:prstGeom>
-        </p:spPr>
-      </p:pic>
-      <p:pic>
-        <p:nvPicPr>
-          <p:cNvPr id="10" name="그림 9"/>
-          <p:cNvPicPr>
-            <a:picLocks noChangeAspect="1"/>
-          </p:cNvPicPr>
-          <p:nvPr/>
-        </p:nvPicPr>
-        <p:blipFill>
-          <a:blip r:embed="rId6"/>
-          <a:stretch>
-            <a:fillRect/>
-          </a:stretch>
-        </p:blipFill>
-        <p:spPr>
-          <a:xfrm>
-            <a:off x="1747310" y="5438734"/>
-            <a:ext cx="3781953" cy="590632"/>
-          </a:xfrm>
-          <a:prstGeom prst="rect">
-            <a:avLst/>
-          </a:prstGeom>
-        </p:spPr>
-      </p:pic>
-      <p:sp>
-        <p:nvSpPr>
-          <p:cNvPr id="5" name="TextBox 4"/>
+      <p:sp>
+        <p:nvSpPr>
+          <p:cNvPr id="7" name="TextBox 6"/>
           <p:cNvSpPr txBox="1"/>
           <p:nvPr/>
         </p:nvSpPr>
         <p:spPr>
           <a:xfrm>
-            <a:off x="601182" y="6125731"/>
-            <a:ext cx="6074207" cy="672492"/>
+            <a:off x="760485" y="4134382"/>
+            <a:ext cx="8532812" cy="1542730"/>
           </a:xfrm>
           <a:prstGeom prst="rect">
             <a:avLst/>
@@ -7370,32 +7395,172 @@
           </a:bodyPr>
           <a:lstStyle/>
           <a:p>
-            <a:pPr marL="342900" indent="-342900">
+            <a:pPr marL="342900" marR="0" lvl="0" indent="-342900" algn="l" defTabSz="957838" rtl="0" eaLnBrk="1" fontAlgn="auto" latinLnBrk="1" hangingPunct="1">
+              <a:lnSpc>
+                <a:spcPct val="100000"/>
+              </a:lnSpc>
+              <a:spcBef>
+                <a:spcPts val="0"/>
+              </a:spcBef>
+              <a:spcAft>
+                <a:spcPts val="0"/>
+              </a:spcAft>
+              <a:buClrTx/>
+              <a:buSzTx/>
               <a:buFont typeface="Arial" panose="020B0604020202020204" pitchFamily="34" charset="0"/>
               <a:buChar char="•"/>
+              <a:tabLst/>
+              <a:defRPr/>
             </a:pPr>
             <a:r>
-              <a:rPr lang="en-US" dirty="0" smtClean="0"/>
-              <a:t>Same code can be used for scattering in free space.</a:t>
-            </a:r>
-          </a:p>
-          <a:p>
-            <a:pPr marL="821819" lvl="1" indent="-342900">
+              <a:rPr kumimoji="0" lang="en-US" altLang="ko-KR" b="0" i="0" u="none" strike="noStrike" kern="1200" cap="none" spc="0" normalizeH="0" noProof="0" dirty="0" smtClean="0">
+                <a:ln>
+                  <a:noFill/>
+                </a:ln>
+                <a:solidFill>
+                  <a:srgbClr val="292934"/>
+                </a:solidFill>
+                <a:effectLst/>
+                <a:uLnTx/>
+                <a:uFillTx/>
+                <a:latin typeface="Arial"/>
+                <a:ea typeface="돋움" panose="020B0600000101010101" pitchFamily="50" charset="-127"/>
+                <a:cs typeface="+mn-cs"/>
+              </a:rPr>
+              <a:t>Energy of nuclear matter can be obtained from U</a:t>
+            </a:r>
+            <a:endParaRPr lang="en-US" altLang="ko-KR" dirty="0" smtClean="0">
+              <a:solidFill>
+                <a:srgbClr val="292934"/>
+              </a:solidFill>
+              <a:latin typeface="Arial"/>
+              <a:ea typeface="돋움" panose="020B0600000101010101" pitchFamily="50" charset="-127"/>
+            </a:endParaRPr>
+          </a:p>
+          <a:p>
+            <a:pPr marL="342900" marR="0" lvl="0" indent="-342900" algn="l" defTabSz="957838" rtl="0" eaLnBrk="1" fontAlgn="auto" latinLnBrk="1" hangingPunct="1">
+              <a:lnSpc>
+                <a:spcPct val="100000"/>
+              </a:lnSpc>
+              <a:spcBef>
+                <a:spcPts val="0"/>
+              </a:spcBef>
+              <a:spcAft>
+                <a:spcPts val="0"/>
+              </a:spcAft>
+              <a:buClrTx/>
+              <a:buSzTx/>
               <a:buFont typeface="Arial" panose="020B0604020202020204" pitchFamily="34" charset="0"/>
               <a:buChar char="•"/>
+              <a:tabLst/>
+              <a:defRPr/>
             </a:pPr>
-            <a:r>
-              <a:rPr lang="en-US" dirty="0" smtClean="0"/>
-              <a:t>Set U=0. Q=1.</a:t>
-            </a:r>
-            <a:endParaRPr lang="en-US" dirty="0"/>
+            <a:endParaRPr lang="en-US" altLang="ko-KR" baseline="0" dirty="0">
+              <a:solidFill>
+                <a:srgbClr val="292934"/>
+              </a:solidFill>
+              <a:latin typeface="Arial"/>
+              <a:ea typeface="돋움" panose="020B0600000101010101" pitchFamily="50" charset="-127"/>
+            </a:endParaRPr>
+          </a:p>
+          <a:p>
+            <a:pPr marL="342900" marR="0" lvl="0" indent="-342900" algn="l" defTabSz="957838" rtl="0" eaLnBrk="1" fontAlgn="auto" latinLnBrk="1" hangingPunct="1">
+              <a:lnSpc>
+                <a:spcPct val="100000"/>
+              </a:lnSpc>
+              <a:spcBef>
+                <a:spcPts val="0"/>
+              </a:spcBef>
+              <a:spcAft>
+                <a:spcPts val="0"/>
+              </a:spcAft>
+              <a:buClrTx/>
+              <a:buSzTx/>
+              <a:buFont typeface="Arial" panose="020B0604020202020204" pitchFamily="34" charset="0"/>
+              <a:buChar char="•"/>
+              <a:tabLst/>
+              <a:defRPr/>
+            </a:pPr>
+            <a:endParaRPr kumimoji="0" lang="en-US" altLang="ko-KR" b="0" i="0" u="none" strike="noStrike" kern="1200" cap="none" spc="0" normalizeH="0" noProof="0" dirty="0" smtClean="0">
+              <a:ln>
+                <a:noFill/>
+              </a:ln>
+              <a:solidFill>
+                <a:srgbClr val="292934"/>
+              </a:solidFill>
+              <a:effectLst/>
+              <a:uLnTx/>
+              <a:uFillTx/>
+              <a:latin typeface="Arial"/>
+              <a:ea typeface="돋움" panose="020B0600000101010101" pitchFamily="50" charset="-127"/>
+              <a:cs typeface="+mn-cs"/>
+            </a:endParaRPr>
+          </a:p>
+          <a:p>
+            <a:pPr marL="342900" marR="0" lvl="0" indent="-342900" algn="l" defTabSz="957838" rtl="0" eaLnBrk="1" fontAlgn="auto" latinLnBrk="1" hangingPunct="1">
+              <a:lnSpc>
+                <a:spcPct val="100000"/>
+              </a:lnSpc>
+              <a:spcBef>
+                <a:spcPts val="0"/>
+              </a:spcBef>
+              <a:spcAft>
+                <a:spcPts val="0"/>
+              </a:spcAft>
+              <a:buClrTx/>
+              <a:buSzTx/>
+              <a:buFont typeface="Arial" panose="020B0604020202020204" pitchFamily="34" charset="0"/>
+              <a:buChar char="•"/>
+              <a:tabLst/>
+              <a:defRPr/>
+            </a:pPr>
+            <a:endParaRPr lang="en-US" altLang="ko-KR" baseline="0" dirty="0">
+              <a:solidFill>
+                <a:srgbClr val="292934"/>
+              </a:solidFill>
+              <a:latin typeface="Arial"/>
+              <a:ea typeface="돋움" panose="020B0600000101010101" pitchFamily="50" charset="-127"/>
+            </a:endParaRPr>
+          </a:p>
+          <a:p>
+            <a:pPr marL="342900" marR="0" lvl="0" indent="-342900" algn="l" defTabSz="957838" rtl="0" eaLnBrk="1" fontAlgn="auto" latinLnBrk="1" hangingPunct="1">
+              <a:lnSpc>
+                <a:spcPct val="100000"/>
+              </a:lnSpc>
+              <a:spcBef>
+                <a:spcPts val="0"/>
+              </a:spcBef>
+              <a:spcAft>
+                <a:spcPts val="0"/>
+              </a:spcAft>
+              <a:buClrTx/>
+              <a:buSzTx/>
+              <a:buFont typeface="Arial" panose="020B0604020202020204" pitchFamily="34" charset="0"/>
+              <a:buChar char="•"/>
+              <a:tabLst/>
+              <a:defRPr/>
+            </a:pPr>
+            <a:endParaRPr kumimoji="0" lang="en-US" altLang="ko-KR" b="0" i="0" u="none" strike="noStrike" kern="1200" cap="none" spc="0" normalizeH="0" baseline="0" noProof="0" dirty="0" smtClean="0">
+              <a:ln>
+                <a:noFill/>
+              </a:ln>
+              <a:solidFill>
+                <a:srgbClr val="292934"/>
+              </a:solidFill>
+              <a:effectLst/>
+              <a:uLnTx/>
+              <a:uFillTx/>
+              <a:latin typeface="Arial"/>
+              <a:ea typeface="돋움" panose="020B0600000101010101" pitchFamily="50" charset="-127"/>
+              <a:cs typeface="+mn-cs"/>
+            </a:endParaRPr>
           </a:p>
         </p:txBody>
       </p:sp>
     </p:spTree>
     <p:extLst>
       <p:ext uri="{BB962C8B-B14F-4D97-AF65-F5344CB8AC3E}">
-        <p14:creationId xmlns:p14="http://schemas.microsoft.com/office/powerpoint/2010/main" val="4034867247"/>
+        <p14:creationId xmlns:p14="http://schemas.microsoft.com/office/powerpoint/2010/main" val="2683557849"/>
       </p:ext>
     </p:extLst>
   </p:cSld>
@@ -7439,7 +7604,7 @@
           <a:p>
             <a:r>
               <a:rPr lang="en-US" dirty="0" smtClean="0"/>
-              <a:t>Angle average approximation of Q</a:t>
+              <a:t>G-matrix calculation</a:t>
             </a:r>
             <a:endParaRPr lang="en-US" dirty="0"/>
           </a:p>
@@ -7454,7 +7619,7 @@
         <p:spPr>
           <a:xfrm>
             <a:off x="668338" y="1699491"/>
-            <a:ext cx="8532812" cy="962571"/>
+            <a:ext cx="8532812" cy="382412"/>
           </a:xfrm>
           <a:prstGeom prst="rect">
             <a:avLst/>
@@ -7467,74 +7632,21 @@
           </a:bodyPr>
           <a:lstStyle/>
           <a:p>
-            <a:pPr marL="342900" indent="-342900">
+            <a:pPr marL="342900" marR="0" lvl="0" indent="-342900" algn="l" defTabSz="957838" rtl="0" eaLnBrk="1" fontAlgn="auto" latinLnBrk="1" hangingPunct="1">
+              <a:lnSpc>
+                <a:spcPct val="100000"/>
+              </a:lnSpc>
+              <a:spcBef>
+                <a:spcPts val="0"/>
+              </a:spcBef>
+              <a:spcAft>
+                <a:spcPts val="0"/>
+              </a:spcAft>
+              <a:buClrTx/>
+              <a:buSzTx/>
               <a:buFont typeface="Arial" panose="020B0604020202020204" pitchFamily="34" charset="0"/>
               <a:buChar char="•"/>
-              <a:defRPr/>
-            </a:pPr>
-            <a:r>
-              <a:rPr kumimoji="0" lang="en-US" altLang="ko-KR" b="0" i="0" u="none" strike="noStrike" kern="1200" cap="none" spc="0" normalizeH="0" baseline="0" noProof="0" dirty="0" smtClean="0">
-                <a:ln>
-                  <a:noFill/>
-                </a:ln>
-                <a:solidFill>
-                  <a:srgbClr val="292934"/>
-                </a:solidFill>
-                <a:effectLst/>
-                <a:uLnTx/>
-                <a:uFillTx/>
-                <a:latin typeface="Arial"/>
-                <a:ea typeface="돋움" panose="020B0600000101010101" pitchFamily="50" charset="-127"/>
-                <a:cs typeface="+mn-cs"/>
-              </a:rPr>
-              <a:t>Q depends on the angle between relative momentum and CM momentum.</a:t>
-            </a:r>
-          </a:p>
-          <a:p>
-            <a:pPr marL="342900" indent="-342900">
-              <a:buFont typeface="Arial" panose="020B0604020202020204" pitchFamily="34" charset="0"/>
-              <a:buChar char="•"/>
-              <a:defRPr/>
-            </a:pPr>
-            <a:r>
-              <a:rPr kumimoji="0" lang="en-US" altLang="ko-KR" b="0" i="0" u="none" strike="noStrike" kern="1200" cap="none" spc="0" normalizeH="0" baseline="0" noProof="0" dirty="0" smtClean="0">
-                <a:ln>
-                  <a:noFill/>
-                </a:ln>
-                <a:solidFill>
-                  <a:srgbClr val="292934"/>
-                </a:solidFill>
-                <a:effectLst/>
-                <a:uLnTx/>
-                <a:uFillTx/>
-                <a:latin typeface="Arial"/>
-                <a:ea typeface="돋움" panose="020B0600000101010101" pitchFamily="50" charset="-127"/>
-                <a:cs typeface="+mn-cs"/>
-              </a:rPr>
-              <a:t>In</a:t>
-            </a:r>
-            <a:r>
-              <a:rPr kumimoji="0" lang="en-US" altLang="ko-KR" b="0" i="0" u="none" strike="noStrike" kern="1200" cap="none" spc="0" normalizeH="0" noProof="0" dirty="0" smtClean="0">
-                <a:ln>
-                  <a:noFill/>
-                </a:ln>
-                <a:solidFill>
-                  <a:srgbClr val="292934"/>
-                </a:solidFill>
-                <a:effectLst/>
-                <a:uLnTx/>
-                <a:uFillTx/>
-                <a:latin typeface="Arial"/>
-                <a:ea typeface="돋움" panose="020B0600000101010101" pitchFamily="50" charset="-127"/>
-                <a:cs typeface="+mn-cs"/>
-              </a:rPr>
-              <a:t> general, Q can couple different relative angular momentum states</a:t>
-            </a:r>
-          </a:p>
-          <a:p>
-            <a:pPr marL="342900" indent="-342900">
-              <a:buFont typeface="Arial" panose="020B0604020202020204" pitchFamily="34" charset="0"/>
-              <a:buChar char="•"/>
+              <a:tabLst/>
               <a:defRPr/>
             </a:pPr>
             <a:r>
@@ -7544,26 +7656,8 @@
                 </a:solidFill>
                 <a:latin typeface="Arial"/>
                 <a:ea typeface="돋움" panose="020B0600000101010101" pitchFamily="50" charset="-127"/>
-                <a:sym typeface="Wingdings" panose="05000000000000000000" pitchFamily="2" charset="2"/>
               </a:rPr>
-              <a:t> Simplification : angle average (no mixing between partial waves)</a:t>
-            </a:r>
-            <a:r>
-              <a:rPr kumimoji="0" lang="en-US" altLang="ko-KR" b="0" i="0" u="none" strike="noStrike" kern="1200" cap="none" spc="0" normalizeH="0" noProof="0" dirty="0" smtClean="0">
-                <a:ln>
-                  <a:noFill/>
-                </a:ln>
-                <a:solidFill>
-                  <a:srgbClr val="292934"/>
-                </a:solidFill>
-                <a:effectLst/>
-                <a:uLnTx/>
-                <a:uFillTx/>
-                <a:latin typeface="Arial"/>
-                <a:ea typeface="돋움" panose="020B0600000101010101" pitchFamily="50" charset="-127"/>
-                <a:cs typeface="+mn-cs"/>
-              </a:rPr>
-              <a:t> </a:t>
+              <a:t>CM momentum and relative momentum of two nucleons</a:t>
             </a:r>
             <a:endParaRPr kumimoji="0" lang="en-US" altLang="ko-KR" b="0" i="0" u="none" strike="noStrike" kern="1200" cap="none" spc="0" normalizeH="0" baseline="0" noProof="0" dirty="0" smtClean="0">
               <a:ln>
@@ -7584,7 +7678,7 @@
       </p:sp>
       <p:pic>
         <p:nvPicPr>
-          <p:cNvPr id="7" name="그림 6"/>
+          <p:cNvPr id="4" name="그림 3"/>
           <p:cNvPicPr>
             <a:picLocks noChangeAspect="1"/>
           </p:cNvPicPr>
@@ -7598,17 +7692,94 @@
         </p:blipFill>
         <p:spPr>
           <a:xfrm>
-            <a:off x="4413250" y="5936285"/>
-            <a:ext cx="4611657" cy="696290"/>
+            <a:off x="1669157" y="2140067"/>
+            <a:ext cx="2448267" cy="581106"/>
           </a:xfrm>
           <a:prstGeom prst="rect">
             <a:avLst/>
           </a:prstGeom>
         </p:spPr>
       </p:pic>
+      <p:sp>
+        <p:nvSpPr>
+          <p:cNvPr id="6" name="TextBox 5"/>
+          <p:cNvSpPr txBox="1"/>
+          <p:nvPr/>
+        </p:nvSpPr>
+        <p:spPr>
+          <a:xfrm>
+            <a:off x="672958" y="2747822"/>
+            <a:ext cx="8532812" cy="382412"/>
+          </a:xfrm>
+          <a:prstGeom prst="rect">
+            <a:avLst/>
+          </a:prstGeom>
+          <a:noFill/>
+        </p:spPr>
+        <p:txBody>
+          <a:bodyPr wrap="square" rtlCol="0">
+            <a:spAutoFit/>
+          </a:bodyPr>
+          <a:lstStyle/>
+          <a:p>
+            <a:pPr marL="342900" marR="0" lvl="0" indent="-342900" algn="l" defTabSz="957838" rtl="0" eaLnBrk="1" fontAlgn="auto" latinLnBrk="1" hangingPunct="1">
+              <a:lnSpc>
+                <a:spcPct val="100000"/>
+              </a:lnSpc>
+              <a:spcBef>
+                <a:spcPts val="0"/>
+              </a:spcBef>
+              <a:spcAft>
+                <a:spcPts val="0"/>
+              </a:spcAft>
+              <a:buClrTx/>
+              <a:buSzTx/>
+              <a:buFont typeface="Arial" panose="020B0604020202020204" pitchFamily="34" charset="0"/>
+              <a:buChar char="•"/>
+              <a:tabLst/>
+              <a:defRPr/>
+            </a:pPr>
+            <a:r>
+              <a:rPr lang="en-US" altLang="ko-KR" noProof="0" dirty="0" smtClean="0">
+                <a:solidFill>
+                  <a:srgbClr val="292934"/>
+                </a:solidFill>
+                <a:latin typeface="Arial"/>
+                <a:ea typeface="돋움" panose="020B0600000101010101" pitchFamily="50" charset="-127"/>
+              </a:rPr>
+              <a:t>G-matrix equation </a:t>
+            </a:r>
+            <a:r>
+              <a:rPr lang="en-US" altLang="ko-KR" noProof="0" dirty="0" smtClean="0">
+                <a:solidFill>
+                  <a:srgbClr val="292934"/>
+                </a:solidFill>
+                <a:latin typeface="Arial"/>
+                <a:ea typeface="돋움" panose="020B0600000101010101" pitchFamily="50" charset="-127"/>
+                <a:sym typeface="Wingdings" panose="05000000000000000000" pitchFamily="2" charset="2"/>
+              </a:rPr>
+              <a:t> integral equation</a:t>
+            </a:r>
+            <a:endParaRPr kumimoji="0" lang="en-US" altLang="ko-KR" b="0" i="0" u="none" strike="noStrike" kern="1200" cap="none" spc="0" normalizeH="0" baseline="0" noProof="0" dirty="0" smtClean="0">
+              <a:ln>
+                <a:noFill/>
+              </a:ln>
+              <a:solidFill>
+                <a:srgbClr val="292934"/>
+              </a:solidFill>
+              <a:effectLst/>
+              <a:uLnTx/>
+              <a:uFillTx/>
+              <a:latin typeface="Arial"/>
+              <a:ea typeface="돋움" panose="020B0600000101010101" pitchFamily="50" charset="-127"/>
+              <a:cs typeface="+mn-cs"/>
+            </a:endParaRPr>
+          </a:p>
+        </p:txBody>
+      </p:sp>
       <p:pic>
         <p:nvPicPr>
-          <p:cNvPr id="9" name="그림 8"/>
+          <p:cNvPr id="7" name="그림 6"/>
           <p:cNvPicPr>
             <a:picLocks noChangeAspect="1"/>
           </p:cNvPicPr>
@@ -7622,8 +7793,8 @@
         </p:blipFill>
         <p:spPr>
           <a:xfrm>
-            <a:off x="668338" y="2871022"/>
-            <a:ext cx="3962953" cy="409632"/>
+            <a:off x="1604415" y="3917511"/>
+            <a:ext cx="5442930" cy="821799"/>
           </a:xfrm>
           <a:prstGeom prst="rect">
             <a:avLst/>
@@ -7632,7 +7803,7 @@
       </p:pic>
       <p:pic>
         <p:nvPicPr>
-          <p:cNvPr id="5" name="그림 4"/>
+          <p:cNvPr id="8" name="그림 7"/>
           <p:cNvPicPr>
             <a:picLocks noChangeAspect="1"/>
           </p:cNvPicPr>
@@ -7646,8 +7817,8 @@
         </p:blipFill>
         <p:spPr>
           <a:xfrm>
-            <a:off x="860619" y="3574887"/>
-            <a:ext cx="2206036" cy="427419"/>
+            <a:off x="1604415" y="3120370"/>
+            <a:ext cx="2808835" cy="709026"/>
           </a:xfrm>
           <a:prstGeom prst="rect">
             <a:avLst/>
@@ -7656,7 +7827,7 @@
       </p:pic>
       <p:pic>
         <p:nvPicPr>
-          <p:cNvPr id="11" name="그림 10"/>
+          <p:cNvPr id="9" name="그림 8"/>
           <p:cNvPicPr>
             <a:picLocks noChangeAspect="1"/>
           </p:cNvPicPr>
@@ -7670,8 +7841,8 @@
         </p:blipFill>
         <p:spPr>
           <a:xfrm>
-            <a:off x="860619" y="4422765"/>
-            <a:ext cx="4315078" cy="1182380"/>
+            <a:off x="1784073" y="4991862"/>
+            <a:ext cx="3962953" cy="409632"/>
           </a:xfrm>
           <a:prstGeom prst="rect">
             <a:avLst/>
@@ -7680,7 +7851,7 @@
       </p:pic>
       <p:pic>
         <p:nvPicPr>
-          <p:cNvPr id="12" name="그림 11"/>
+          <p:cNvPr id="10" name="그림 9"/>
           <p:cNvPicPr>
             <a:picLocks noChangeAspect="1"/>
           </p:cNvPicPr>
@@ -7694,18 +7865,80 @@
         </p:blipFill>
         <p:spPr>
           <a:xfrm>
-            <a:off x="6282918" y="5166934"/>
-            <a:ext cx="1905266" cy="438211"/>
+            <a:off x="1747310" y="5438734"/>
+            <a:ext cx="3781953" cy="590632"/>
           </a:xfrm>
           <a:prstGeom prst="rect">
             <a:avLst/>
           </a:prstGeom>
         </p:spPr>
       </p:pic>
+      <p:sp>
+        <p:nvSpPr>
+          <p:cNvPr id="5" name="TextBox 4"/>
+          <p:cNvSpPr txBox="1"/>
+          <p:nvPr/>
+        </p:nvSpPr>
+        <p:spPr>
+          <a:xfrm>
+            <a:off x="601182" y="6125731"/>
+            <a:ext cx="6074207" cy="672492"/>
+          </a:xfrm>
+          <a:prstGeom prst="rect">
+            <a:avLst/>
+          </a:prstGeom>
+          <a:noFill/>
+        </p:spPr>
+        <p:txBody>
+          <a:bodyPr wrap="square" rtlCol="0">
+            <a:spAutoFit/>
+          </a:bodyPr>
+          <a:lstStyle/>
+          <a:p>
+            <a:pPr marL="342900" indent="-342900">
+              <a:buFont typeface="Arial" panose="020B0604020202020204" pitchFamily="34" charset="0"/>
+              <a:buChar char="•"/>
+            </a:pPr>
+            <a:r>
+              <a:rPr lang="en-US" dirty="0" smtClean="0"/>
+              <a:t>Same code can be used for scattering in free space.</a:t>
+            </a:r>
+          </a:p>
+          <a:p>
+            <a:pPr marL="821819" lvl="1" indent="-342900">
+              <a:buFont typeface="Arial" panose="020B0604020202020204" pitchFamily="34" charset="0"/>
+              <a:buChar char="•"/>
+            </a:pPr>
+            <a:r>
+              <a:rPr lang="en-US" dirty="0" smtClean="0"/>
+              <a:t>Set U=0. Q=1</a:t>
+            </a:r>
+            <a:r>
+              <a:rPr lang="en-US" dirty="0" smtClean="0"/>
+              <a:t>. </a:t>
+            </a:r>
+            <a:r>
+              <a:rPr lang="en-US" dirty="0"/>
+              <a:t> </a:t>
+            </a:r>
+            <a:r>
+              <a:rPr lang="en-US" dirty="0" smtClean="0"/>
+              <a:t>G matrix</a:t>
+            </a:r>
+            <a:r>
+              <a:rPr lang="en-US" dirty="0" smtClean="0">
+                <a:sym typeface="Wingdings" panose="05000000000000000000" pitchFamily="2" charset="2"/>
+              </a:rPr>
+              <a:t> T matrix</a:t>
+            </a:r>
+            <a:endParaRPr lang="en-US" dirty="0"/>
+          </a:p>
+        </p:txBody>
+      </p:sp>
     </p:spTree>
     <p:extLst>
       <p:ext uri="{BB962C8B-B14F-4D97-AF65-F5344CB8AC3E}">
-        <p14:creationId xmlns:p14="http://schemas.microsoft.com/office/powerpoint/2010/main" val="1264762923"/>
+        <p14:creationId xmlns:p14="http://schemas.microsoft.com/office/powerpoint/2010/main" val="4034867247"/>
       </p:ext>
     </p:extLst>
   </p:cSld>
@@ -7744,14 +7977,12 @@
         </p:nvSpPr>
         <p:spPr/>
         <p:txBody>
-          <a:bodyPr>
-            <a:normAutofit fontScale="90000"/>
-          </a:bodyPr>
+          <a:bodyPr/>
           <a:lstStyle/>
           <a:p>
             <a:r>
               <a:rPr lang="en-US" dirty="0" smtClean="0"/>
-              <a:t>Angle average approximation of denominator</a:t>
+              <a:t>Angle average approximation of Q</a:t>
             </a:r>
             <a:endParaRPr lang="en-US" dirty="0"/>
           </a:p>
@@ -7766,7 +7997,7 @@
         <p:spPr>
           <a:xfrm>
             <a:off x="668338" y="1699491"/>
-            <a:ext cx="8532812" cy="672492"/>
+            <a:ext cx="8532812" cy="962571"/>
           </a:xfrm>
           <a:prstGeom prst="rect">
             <a:avLst/>
@@ -7778,6 +8009,71 @@
             <a:spAutoFit/>
           </a:bodyPr>
           <a:lstStyle/>
+          <a:p>
+            <a:pPr marL="342900" indent="-342900">
+              <a:buFont typeface="Arial" panose="020B0604020202020204" pitchFamily="34" charset="0"/>
+              <a:buChar char="•"/>
+              <a:defRPr/>
+            </a:pPr>
+            <a:r>
+              <a:rPr kumimoji="0" lang="en-US" altLang="ko-KR" b="0" i="0" u="none" strike="noStrike" kern="1200" cap="none" spc="0" normalizeH="0" baseline="0" noProof="0" dirty="0" smtClean="0">
+                <a:ln>
+                  <a:noFill/>
+                </a:ln>
+                <a:solidFill>
+                  <a:srgbClr val="292934"/>
+                </a:solidFill>
+                <a:effectLst/>
+                <a:uLnTx/>
+                <a:uFillTx/>
+                <a:latin typeface="Arial"/>
+                <a:ea typeface="돋움" panose="020B0600000101010101" pitchFamily="50" charset="-127"/>
+                <a:cs typeface="+mn-cs"/>
+              </a:rPr>
+              <a:t>Q depends on the angle between relative momentum and CM momentum.</a:t>
+            </a:r>
+          </a:p>
+          <a:p>
+            <a:pPr marL="342900" indent="-342900">
+              <a:buFont typeface="Arial" panose="020B0604020202020204" pitchFamily="34" charset="0"/>
+              <a:buChar char="•"/>
+              <a:defRPr/>
+            </a:pPr>
+            <a:r>
+              <a:rPr kumimoji="0" lang="en-US" altLang="ko-KR" b="0" i="0" u="none" strike="noStrike" kern="1200" cap="none" spc="0" normalizeH="0" baseline="0" noProof="0" dirty="0" smtClean="0">
+                <a:ln>
+                  <a:noFill/>
+                </a:ln>
+                <a:solidFill>
+                  <a:srgbClr val="292934"/>
+                </a:solidFill>
+                <a:effectLst/>
+                <a:uLnTx/>
+                <a:uFillTx/>
+                <a:latin typeface="Arial"/>
+                <a:ea typeface="돋움" panose="020B0600000101010101" pitchFamily="50" charset="-127"/>
+                <a:cs typeface="+mn-cs"/>
+              </a:rPr>
+              <a:t>In</a:t>
+            </a:r>
+            <a:r>
+              <a:rPr kumimoji="0" lang="en-US" altLang="ko-KR" b="0" i="0" u="none" strike="noStrike" kern="1200" cap="none" spc="0" normalizeH="0" noProof="0" dirty="0" smtClean="0">
+                <a:ln>
+                  <a:noFill/>
+                </a:ln>
+                <a:solidFill>
+                  <a:srgbClr val="292934"/>
+                </a:solidFill>
+                <a:effectLst/>
+                <a:uLnTx/>
+                <a:uFillTx/>
+                <a:latin typeface="Arial"/>
+                <a:ea typeface="돋움" panose="020B0600000101010101" pitchFamily="50" charset="-127"/>
+                <a:cs typeface="+mn-cs"/>
+              </a:rPr>
+              <a:t> general, Q can couple different relative angular momentum states</a:t>
+            </a:r>
+          </a:p>
           <a:p>
             <a:pPr marL="342900" indent="-342900">
               <a:buFont typeface="Arial" panose="020B0604020202020204" pitchFamily="34" charset="0"/>
@@ -7791,45 +8087,26 @@
                 </a:solidFill>
                 <a:latin typeface="Arial"/>
                 <a:ea typeface="돋움" panose="020B0600000101010101" pitchFamily="50" charset="-127"/>
+                <a:sym typeface="Wingdings" panose="05000000000000000000" pitchFamily="2" charset="2"/>
               </a:rPr>
-              <a:t>Denominator energy depends on the angle between momentum</a:t>
-            </a:r>
-          </a:p>
-          <a:p>
-            <a:pPr marL="342900" indent="-342900">
-              <a:buFont typeface="Arial" panose="020B0604020202020204" pitchFamily="34" charset="0"/>
-              <a:buChar char="•"/>
-              <a:defRPr/>
-            </a:pPr>
-            <a:r>
-              <a:rPr lang="en-US" altLang="ko-KR" dirty="0" smtClean="0">
+              <a:t> Simplification : angle average (no mixing between partial waves)</a:t>
+            </a:r>
+            <a:r>
+              <a:rPr kumimoji="0" lang="en-US" altLang="ko-KR" b="0" i="0" u="none" strike="noStrike" kern="1200" cap="none" spc="0" normalizeH="0" noProof="0" dirty="0" smtClean="0">
+                <a:ln>
+                  <a:noFill/>
+                </a:ln>
                 <a:solidFill>
                   <a:srgbClr val="292934"/>
                 </a:solidFill>
+                <a:effectLst/>
+                <a:uLnTx/>
+                <a:uFillTx/>
                 <a:latin typeface="Arial"/>
                 <a:ea typeface="돋움" panose="020B0600000101010101" pitchFamily="50" charset="-127"/>
+                <a:cs typeface="+mn-cs"/>
               </a:rPr>
-              <a:t>Simplification: angle-averaged </a:t>
-            </a:r>
-            <a:r>
-              <a:rPr lang="en-US" altLang="ko-KR" dirty="0" err="1" smtClean="0">
-                <a:solidFill>
-                  <a:srgbClr val="292934"/>
-                </a:solidFill>
-                <a:latin typeface="Arial"/>
-                <a:ea typeface="돋움" panose="020B0600000101010101" pitchFamily="50" charset="-127"/>
-              </a:rPr>
-              <a:t>c.m</a:t>
-            </a:r>
-            <a:r>
-              <a:rPr lang="en-US" altLang="ko-KR" dirty="0" smtClean="0">
-                <a:solidFill>
-                  <a:srgbClr val="292934"/>
-                </a:solidFill>
-                <a:latin typeface="Arial"/>
-                <a:ea typeface="돋움" panose="020B0600000101010101" pitchFamily="50" charset="-127"/>
-              </a:rPr>
-              <a:t>. momentum prescription</a:t>
+              <a:t> </a:t>
             </a:r>
             <a:endParaRPr kumimoji="0" lang="en-US" altLang="ko-KR" b="0" i="0" u="none" strike="noStrike" kern="1200" cap="none" spc="0" normalizeH="0" baseline="0" noProof="0" dirty="0" smtClean="0">
               <a:ln>
@@ -7850,7 +8127,7 @@
       </p:sp>
       <p:pic>
         <p:nvPicPr>
-          <p:cNvPr id="4" name="그림 3"/>
+          <p:cNvPr id="7" name="그림 6"/>
           <p:cNvPicPr>
             <a:picLocks noChangeAspect="1"/>
           </p:cNvPicPr>
@@ -7864,8 +8141,8 @@
         </p:blipFill>
         <p:spPr>
           <a:xfrm>
-            <a:off x="1163114" y="2568689"/>
-            <a:ext cx="3753374" cy="552527"/>
+            <a:off x="583798" y="5517816"/>
+            <a:ext cx="3609512" cy="544981"/>
           </a:xfrm>
           <a:prstGeom prst="rect">
             <a:avLst/>
@@ -7874,7 +8151,7 @@
       </p:pic>
       <p:pic>
         <p:nvPicPr>
-          <p:cNvPr id="6" name="그림 5"/>
+          <p:cNvPr id="9" name="그림 8"/>
           <p:cNvPicPr>
             <a:picLocks noChangeAspect="1"/>
           </p:cNvPicPr>
@@ -7888,8 +8165,8 @@
         </p:blipFill>
         <p:spPr>
           <a:xfrm>
-            <a:off x="1220272" y="3392488"/>
-            <a:ext cx="3639058" cy="724001"/>
+            <a:off x="668338" y="2871022"/>
+            <a:ext cx="3962953" cy="409632"/>
           </a:xfrm>
           <a:prstGeom prst="rect">
             <a:avLst/>
@@ -7898,7 +8175,7 @@
       </p:pic>
       <p:pic>
         <p:nvPicPr>
-          <p:cNvPr id="8" name="그림 7"/>
+          <p:cNvPr id="11" name="그림 10"/>
           <p:cNvPicPr>
             <a:picLocks noChangeAspect="1"/>
           </p:cNvPicPr>
@@ -7912,129 +8189,17 @@
         </p:blipFill>
         <p:spPr>
           <a:xfrm>
-            <a:off x="1163114" y="4297283"/>
-            <a:ext cx="4353533" cy="571580"/>
+            <a:off x="668338" y="3554985"/>
+            <a:ext cx="4315078" cy="1182380"/>
           </a:xfrm>
           <a:prstGeom prst="rect">
             <a:avLst/>
           </a:prstGeom>
         </p:spPr>
       </p:pic>
-      <p:sp>
-        <p:nvSpPr>
-          <p:cNvPr id="13" name="TextBox 12"/>
-          <p:cNvSpPr txBox="1"/>
-          <p:nvPr/>
-        </p:nvSpPr>
-        <p:spPr>
-          <a:xfrm>
-            <a:off x="682197" y="4798302"/>
-            <a:ext cx="8532812" cy="962571"/>
-          </a:xfrm>
-          <a:prstGeom prst="rect">
-            <a:avLst/>
-          </a:prstGeom>
-          <a:noFill/>
-        </p:spPr>
-        <p:txBody>
-          <a:bodyPr wrap="square" rtlCol="0">
-            <a:spAutoFit/>
-          </a:bodyPr>
-          <a:lstStyle/>
-          <a:p>
-            <a:pPr marL="342900" indent="-342900">
-              <a:buFont typeface="Arial" panose="020B0604020202020204" pitchFamily="34" charset="0"/>
-              <a:buChar char="•"/>
-              <a:defRPr/>
-            </a:pPr>
-            <a:r>
-              <a:rPr lang="en-US" altLang="ko-KR" dirty="0" smtClean="0">
-                <a:solidFill>
-                  <a:srgbClr val="292934"/>
-                </a:solidFill>
-                <a:latin typeface="Arial"/>
-                <a:ea typeface="돋움" panose="020B0600000101010101" pitchFamily="50" charset="-127"/>
-              </a:rPr>
-              <a:t>When argument in potential is larger than Fermi momentum?</a:t>
-            </a:r>
-          </a:p>
-          <a:p>
-            <a:pPr marL="821819" lvl="1" indent="-342900">
-              <a:buFont typeface="Arial" panose="020B0604020202020204" pitchFamily="34" charset="0"/>
-              <a:buChar char="•"/>
-              <a:defRPr/>
-            </a:pPr>
-            <a:r>
-              <a:rPr kumimoji="0" lang="en-US" altLang="ko-KR" b="0" i="0" u="none" strike="noStrike" kern="1200" cap="none" spc="0" normalizeH="0" baseline="0" noProof="0" dirty="0" smtClean="0">
-                <a:ln>
-                  <a:noFill/>
-                </a:ln>
-                <a:solidFill>
-                  <a:srgbClr val="292934"/>
-                </a:solidFill>
-                <a:effectLst/>
-                <a:uLnTx/>
-                <a:uFillTx/>
-                <a:latin typeface="Arial"/>
-                <a:ea typeface="돋움" panose="020B0600000101010101" pitchFamily="50" charset="-127"/>
-                <a:cs typeface="+mn-cs"/>
-              </a:rPr>
-              <a:t>Standard</a:t>
-            </a:r>
-            <a:r>
-              <a:rPr kumimoji="0" lang="en-US" altLang="ko-KR" b="0" i="0" u="none" strike="noStrike" kern="1200" cap="none" spc="0" normalizeH="0" noProof="0" dirty="0" smtClean="0">
-                <a:ln>
-                  <a:noFill/>
-                </a:ln>
-                <a:solidFill>
-                  <a:srgbClr val="292934"/>
-                </a:solidFill>
-                <a:effectLst/>
-                <a:uLnTx/>
-                <a:uFillTx/>
-                <a:latin typeface="Arial"/>
-                <a:ea typeface="돋움" panose="020B0600000101010101" pitchFamily="50" charset="-127"/>
-                <a:cs typeface="+mn-cs"/>
-              </a:rPr>
-              <a:t> choice</a:t>
-            </a:r>
-          </a:p>
-          <a:p>
-            <a:pPr marL="821819" lvl="1" indent="-342900">
-              <a:buFont typeface="Arial" panose="020B0604020202020204" pitchFamily="34" charset="0"/>
-              <a:buChar char="•"/>
-              <a:defRPr/>
-            </a:pPr>
-            <a:r>
-              <a:rPr lang="en-US" altLang="ko-KR" baseline="0" dirty="0" smtClean="0">
-                <a:solidFill>
-                  <a:srgbClr val="292934"/>
-                </a:solidFill>
-                <a:latin typeface="Arial"/>
-                <a:ea typeface="돋움" panose="020B0600000101010101" pitchFamily="50" charset="-127"/>
-              </a:rPr>
-              <a:t>Continuous choice</a:t>
-            </a:r>
-            <a:endParaRPr kumimoji="0" lang="en-US" altLang="ko-KR" b="0" i="0" u="none" strike="noStrike" kern="1200" cap="none" spc="0" normalizeH="0" baseline="0" noProof="0" dirty="0" smtClean="0">
-              <a:ln>
-                <a:noFill/>
-              </a:ln>
-              <a:solidFill>
-                <a:srgbClr val="292934"/>
-              </a:solidFill>
-              <a:effectLst/>
-              <a:uLnTx/>
-              <a:uFillTx/>
-              <a:latin typeface="Arial"/>
-              <a:ea typeface="돋움" panose="020B0600000101010101" pitchFamily="50" charset="-127"/>
-              <a:cs typeface="+mn-cs"/>
-            </a:endParaRPr>
-          </a:p>
-        </p:txBody>
-      </p:sp>
       <p:pic>
         <p:nvPicPr>
-          <p:cNvPr id="10" name="그림 9"/>
+          <p:cNvPr id="12" name="그림 11"/>
           <p:cNvPicPr>
             <a:picLocks noChangeAspect="1"/>
           </p:cNvPicPr>
@@ -8048,8 +8213,8 @@
         </p:blipFill>
         <p:spPr>
           <a:xfrm>
-            <a:off x="1352963" y="5802937"/>
-            <a:ext cx="4410691" cy="685896"/>
+            <a:off x="6213475" y="4261256"/>
+            <a:ext cx="1905266" cy="438211"/>
           </a:xfrm>
           <a:prstGeom prst="rect">
             <a:avLst/>
@@ -8058,7 +8223,7 @@
       </p:pic>
       <p:pic>
         <p:nvPicPr>
-          <p:cNvPr id="14" name="그림 13"/>
+          <p:cNvPr id="4" name="그림 3"/>
           <p:cNvPicPr>
             <a:picLocks noChangeAspect="1"/>
           </p:cNvPicPr>
@@ -8072,8 +8237,8 @@
         </p:blipFill>
         <p:spPr>
           <a:xfrm>
-            <a:off x="5763654" y="4366792"/>
-            <a:ext cx="2029108" cy="362001"/>
+            <a:off x="4529472" y="5132197"/>
+            <a:ext cx="5139256" cy="1591876"/>
           </a:xfrm>
           <a:prstGeom prst="rect">
             <a:avLst/>
@@ -8083,7 +8248,7 @@
     </p:spTree>
     <p:extLst>
       <p:ext uri="{BB962C8B-B14F-4D97-AF65-F5344CB8AC3E}">
-        <p14:creationId xmlns:p14="http://schemas.microsoft.com/office/powerpoint/2010/main" val="2050458800"/>
+        <p14:creationId xmlns:p14="http://schemas.microsoft.com/office/powerpoint/2010/main" val="1264762923"/>
       </p:ext>
     </p:extLst>
   </p:cSld>
@@ -8122,12 +8287,14 @@
         </p:nvSpPr>
         <p:spPr/>
         <p:txBody>
-          <a:bodyPr/>
+          <a:bodyPr>
+            <a:normAutofit fontScale="90000"/>
+          </a:bodyPr>
           <a:lstStyle/>
           <a:p>
             <a:r>
               <a:rPr lang="en-US" dirty="0" smtClean="0"/>
-              <a:t>Dispersion relation </a:t>
+              <a:t>Angle average approximation of denominator</a:t>
             </a:r>
             <a:endParaRPr lang="en-US" dirty="0"/>
           </a:p>
@@ -8135,14 +8302,14 @@
       </p:sp>
       <p:sp>
         <p:nvSpPr>
-          <p:cNvPr id="4" name="TextBox 3"/>
+          <p:cNvPr id="3" name="TextBox 2"/>
           <p:cNvSpPr txBox="1"/>
           <p:nvPr/>
         </p:nvSpPr>
         <p:spPr>
           <a:xfrm>
             <a:off x="668338" y="1699491"/>
-            <a:ext cx="8532812" cy="962571"/>
+            <a:ext cx="8532812" cy="672492"/>
           </a:xfrm>
           <a:prstGeom prst="rect">
             <a:avLst/>
@@ -8168,7 +8335,7 @@
                 <a:latin typeface="Arial"/>
                 <a:ea typeface="돋움" panose="020B0600000101010101" pitchFamily="50" charset="-127"/>
               </a:rPr>
-              <a:t>Typical two choices</a:t>
+              <a:t>Denominator energy depends on the angle between momentum</a:t>
             </a:r>
           </a:p>
           <a:p>
@@ -8178,60 +8345,55 @@
               <a:defRPr/>
             </a:pPr>
             <a:r>
-              <a:rPr kumimoji="0" lang="en-US" altLang="ko-KR" b="0" i="0" u="none" strike="noStrike" kern="1200" cap="none" spc="0" normalizeH="0" baseline="0" noProof="0" dirty="0" smtClean="0">
-                <a:ln>
-                  <a:noFill/>
-                </a:ln>
+              <a:rPr lang="en-US" altLang="ko-KR" dirty="0" smtClean="0">
                 <a:solidFill>
                   <a:srgbClr val="292934"/>
                 </a:solidFill>
-                <a:effectLst/>
-                <a:uLnTx/>
-                <a:uFillTx/>
                 <a:latin typeface="Arial"/>
                 <a:ea typeface="돋움" panose="020B0600000101010101" pitchFamily="50" charset="-127"/>
-                <a:cs typeface="+mn-cs"/>
               </a:rPr>
-              <a:t>(1) </a:t>
-            </a:r>
-            <a:r>
-              <a:rPr lang="en-US" altLang="ko-KR" dirty="0">
+              <a:t>Simplification: angle-averaged </a:t>
+            </a:r>
+            <a:r>
+              <a:rPr lang="en-US" altLang="ko-KR" dirty="0" err="1" smtClean="0">
                 <a:solidFill>
                   <a:srgbClr val="292934"/>
                 </a:solidFill>
+                <a:latin typeface="Arial"/>
+                <a:ea typeface="돋움" panose="020B0600000101010101" pitchFamily="50" charset="-127"/>
               </a:rPr>
-              <a:t>parametrize with effective mass</a:t>
-            </a:r>
-          </a:p>
-          <a:p>
-            <a:pPr marL="342900" indent="-342900">
-              <a:buFont typeface="Arial" panose="020B0604020202020204" pitchFamily="34" charset="0"/>
-              <a:buChar char="•"/>
-              <a:defRPr/>
-            </a:pPr>
-            <a:r>
-              <a:rPr kumimoji="0" lang="en-US" altLang="ko-KR" b="0" i="0" u="none" strike="noStrike" kern="1200" cap="none" spc="0" normalizeH="0" baseline="0" noProof="0" dirty="0" smtClean="0">
-                <a:ln>
-                  <a:noFill/>
-                </a:ln>
+              <a:t>c.m</a:t>
+            </a:r>
+            <a:r>
+              <a:rPr lang="en-US" altLang="ko-KR" dirty="0" smtClean="0">
                 <a:solidFill>
                   <a:srgbClr val="292934"/>
                 </a:solidFill>
-                <a:effectLst/>
-                <a:uLnTx/>
-                <a:uFillTx/>
                 <a:latin typeface="Arial"/>
                 <a:ea typeface="돋움" panose="020B0600000101010101" pitchFamily="50" charset="-127"/>
-                <a:cs typeface="+mn-cs"/>
               </a:rPr>
-              <a:t>(2) momentum dependence of U(p)</a:t>
-            </a:r>
+              <a:t>. momentum prescription</a:t>
+            </a:r>
+            <a:endParaRPr kumimoji="0" lang="en-US" altLang="ko-KR" b="0" i="0" u="none" strike="noStrike" kern="1200" cap="none" spc="0" normalizeH="0" baseline="0" noProof="0" dirty="0" smtClean="0">
+              <a:ln>
+                <a:noFill/>
+              </a:ln>
+              <a:solidFill>
+                <a:srgbClr val="292934"/>
+              </a:solidFill>
+              <a:effectLst/>
+              <a:uLnTx/>
+              <a:uFillTx/>
+              <a:latin typeface="Arial"/>
+              <a:ea typeface="돋움" panose="020B0600000101010101" pitchFamily="50" charset="-127"/>
+              <a:cs typeface="+mn-cs"/>
+            </a:endParaRPr>
           </a:p>
         </p:txBody>
       </p:sp>
       <p:pic>
         <p:nvPicPr>
-          <p:cNvPr id="6" name="그림 5"/>
+          <p:cNvPr id="4" name="그림 3"/>
           <p:cNvPicPr>
             <a:picLocks noChangeAspect="1"/>
           </p:cNvPicPr>
@@ -8245,8 +8407,8 @@
         </p:blipFill>
         <p:spPr>
           <a:xfrm>
-            <a:off x="1351221" y="2725726"/>
-            <a:ext cx="2583470" cy="1505794"/>
+            <a:off x="1163114" y="2568689"/>
+            <a:ext cx="3753374" cy="552527"/>
           </a:xfrm>
           <a:prstGeom prst="rect">
             <a:avLst/>
@@ -8255,7 +8417,7 @@
       </p:pic>
       <p:pic>
         <p:nvPicPr>
-          <p:cNvPr id="7" name="그림 6"/>
+          <p:cNvPr id="6" name="그림 5"/>
           <p:cNvPicPr>
             <a:picLocks noChangeAspect="1"/>
           </p:cNvPicPr>
@@ -8269,8 +8431,8 @@
         </p:blipFill>
         <p:spPr>
           <a:xfrm>
-            <a:off x="1416586" y="4335389"/>
-            <a:ext cx="2657846" cy="533474"/>
+            <a:off x="5903108" y="3385580"/>
+            <a:ext cx="3639058" cy="724001"/>
           </a:xfrm>
           <a:prstGeom prst="rect">
             <a:avLst/>
@@ -8293,8 +8455,144 @@
         </p:blipFill>
         <p:spPr>
           <a:xfrm>
-            <a:off x="1499713" y="5149748"/>
-            <a:ext cx="2657846" cy="571580"/>
+            <a:off x="1352963" y="3461791"/>
+            <a:ext cx="4353533" cy="571580"/>
+          </a:xfrm>
+          <a:prstGeom prst="rect">
+            <a:avLst/>
+          </a:prstGeom>
+        </p:spPr>
+      </p:pic>
+      <p:sp>
+        <p:nvSpPr>
+          <p:cNvPr id="13" name="TextBox 12"/>
+          <p:cNvSpPr txBox="1"/>
+          <p:nvPr/>
+        </p:nvSpPr>
+        <p:spPr>
+          <a:xfrm>
+            <a:off x="715958" y="4338092"/>
+            <a:ext cx="8532812" cy="962571"/>
+          </a:xfrm>
+          <a:prstGeom prst="rect">
+            <a:avLst/>
+          </a:prstGeom>
+          <a:noFill/>
+        </p:spPr>
+        <p:txBody>
+          <a:bodyPr wrap="square" rtlCol="0">
+            <a:spAutoFit/>
+          </a:bodyPr>
+          <a:lstStyle/>
+          <a:p>
+            <a:pPr marL="342900" indent="-342900">
+              <a:buFont typeface="Arial" panose="020B0604020202020204" pitchFamily="34" charset="0"/>
+              <a:buChar char="•"/>
+              <a:defRPr/>
+            </a:pPr>
+            <a:r>
+              <a:rPr lang="en-US" altLang="ko-KR" dirty="0" smtClean="0">
+                <a:solidFill>
+                  <a:srgbClr val="292934"/>
+                </a:solidFill>
+                <a:latin typeface="Arial"/>
+                <a:ea typeface="돋움" panose="020B0600000101010101" pitchFamily="50" charset="-127"/>
+              </a:rPr>
+              <a:t>When argument in potential is larger than Fermi momentum?</a:t>
+            </a:r>
+          </a:p>
+          <a:p>
+            <a:pPr marL="821819" lvl="1" indent="-342900">
+              <a:buFont typeface="Arial" panose="020B0604020202020204" pitchFamily="34" charset="0"/>
+              <a:buChar char="•"/>
+              <a:defRPr/>
+            </a:pPr>
+            <a:r>
+              <a:rPr kumimoji="0" lang="en-US" altLang="ko-KR" b="0" i="0" u="none" strike="noStrike" kern="1200" cap="none" spc="0" normalizeH="0" baseline="0" noProof="0" dirty="0" smtClean="0">
+                <a:ln>
+                  <a:noFill/>
+                </a:ln>
+                <a:solidFill>
+                  <a:srgbClr val="292934"/>
+                </a:solidFill>
+                <a:effectLst/>
+                <a:uLnTx/>
+                <a:uFillTx/>
+                <a:latin typeface="Arial"/>
+                <a:ea typeface="돋움" panose="020B0600000101010101" pitchFamily="50" charset="-127"/>
+                <a:cs typeface="+mn-cs"/>
+              </a:rPr>
+              <a:t>Standard</a:t>
+            </a:r>
+            <a:r>
+              <a:rPr kumimoji="0" lang="en-US" altLang="ko-KR" b="0" i="0" u="none" strike="noStrike" kern="1200" cap="none" spc="0" normalizeH="0" noProof="0" dirty="0" smtClean="0">
+                <a:ln>
+                  <a:noFill/>
+                </a:ln>
+                <a:solidFill>
+                  <a:srgbClr val="292934"/>
+                </a:solidFill>
+                <a:effectLst/>
+                <a:uLnTx/>
+                <a:uFillTx/>
+                <a:latin typeface="Arial"/>
+                <a:ea typeface="돋움" panose="020B0600000101010101" pitchFamily="50" charset="-127"/>
+                <a:cs typeface="+mn-cs"/>
+              </a:rPr>
+              <a:t> choice</a:t>
+            </a:r>
+          </a:p>
+          <a:p>
+            <a:pPr marL="821819" lvl="1" indent="-342900">
+              <a:buFont typeface="Arial" panose="020B0604020202020204" pitchFamily="34" charset="0"/>
+              <a:buChar char="•"/>
+              <a:defRPr/>
+            </a:pPr>
+            <a:r>
+              <a:rPr lang="en-US" altLang="ko-KR" baseline="0" dirty="0" smtClean="0">
+                <a:solidFill>
+                  <a:srgbClr val="292934"/>
+                </a:solidFill>
+                <a:latin typeface="Arial"/>
+                <a:ea typeface="돋움" panose="020B0600000101010101" pitchFamily="50" charset="-127"/>
+              </a:rPr>
+              <a:t>Continuous choice</a:t>
+            </a:r>
+            <a:endParaRPr kumimoji="0" lang="en-US" altLang="ko-KR" b="0" i="0" u="none" strike="noStrike" kern="1200" cap="none" spc="0" normalizeH="0" baseline="0" noProof="0" dirty="0" smtClean="0">
+              <a:ln>
+                <a:noFill/>
+              </a:ln>
+              <a:solidFill>
+                <a:srgbClr val="292934"/>
+              </a:solidFill>
+              <a:effectLst/>
+              <a:uLnTx/>
+              <a:uFillTx/>
+              <a:latin typeface="Arial"/>
+              <a:ea typeface="돋움" panose="020B0600000101010101" pitchFamily="50" charset="-127"/>
+              <a:cs typeface="+mn-cs"/>
+            </a:endParaRPr>
+          </a:p>
+        </p:txBody>
+      </p:sp>
+      <p:pic>
+        <p:nvPicPr>
+          <p:cNvPr id="10" name="그림 9"/>
+          <p:cNvPicPr>
+            <a:picLocks noChangeAspect="1"/>
+          </p:cNvPicPr>
+          <p:nvPr/>
+        </p:nvPicPr>
+        <p:blipFill>
+          <a:blip r:embed="rId5"/>
+          <a:stretch>
+            <a:fillRect/>
+          </a:stretch>
+        </p:blipFill>
+        <p:spPr>
+          <a:xfrm>
+            <a:off x="1324383" y="5496699"/>
+            <a:ext cx="4410691" cy="685896"/>
           </a:xfrm>
           <a:prstGeom prst="rect">
             <a:avLst/>
@@ -8304,7 +8602,7 @@
     </p:spTree>
     <p:extLst>
       <p:ext uri="{BB962C8B-B14F-4D97-AF65-F5344CB8AC3E}">
-        <p14:creationId xmlns:p14="http://schemas.microsoft.com/office/powerpoint/2010/main" val="954363152"/>
+        <p14:creationId xmlns:p14="http://schemas.microsoft.com/office/powerpoint/2010/main" val="2050458800"/>
       </p:ext>
     </p:extLst>
   </p:cSld>
@@ -8348,7 +8646,7 @@
           <a:p>
             <a:r>
               <a:rPr lang="en-US" dirty="0" smtClean="0"/>
-              <a:t>Partial wave expansion of G-matrix</a:t>
+              <a:t>Dispersion relation </a:t>
             </a:r>
             <a:endParaRPr lang="en-US" dirty="0"/>
           </a:p>
@@ -8363,7 +8661,7 @@
         <p:spPr>
           <a:xfrm>
             <a:off x="668338" y="1699491"/>
-            <a:ext cx="8532812" cy="672492"/>
+            <a:ext cx="8532812" cy="962571"/>
           </a:xfrm>
           <a:prstGeom prst="rect">
             <a:avLst/>
@@ -8389,7 +8687,7 @@
                 <a:latin typeface="Arial"/>
                 <a:ea typeface="돋움" panose="020B0600000101010101" pitchFamily="50" charset="-127"/>
               </a:rPr>
-              <a:t>angular momentum conservation</a:t>
+              <a:t>Typical two choices</a:t>
             </a:r>
           </a:p>
           <a:p>
@@ -8412,30 +8710,47 @@
                 <a:latin typeface="Arial"/>
                 <a:ea typeface="돋움" panose="020B0600000101010101" pitchFamily="50" charset="-127"/>
                 <a:cs typeface="+mn-cs"/>
-                <a:sym typeface="Wingdings" panose="05000000000000000000" pitchFamily="2" charset="2"/>
               </a:rPr>
-              <a:t> better to use partial wave expansion.</a:t>
-            </a:r>
-            <a:endParaRPr kumimoji="0" lang="en-US" altLang="ko-KR" b="0" i="0" u="none" strike="noStrike" kern="1200" cap="none" spc="0" normalizeH="0" baseline="0" noProof="0" dirty="0" smtClean="0">
-              <a:ln>
-                <a:noFill/>
-              </a:ln>
-              <a:solidFill>
-                <a:srgbClr val="292934"/>
-              </a:solidFill>
-              <a:effectLst/>
-              <a:uLnTx/>
-              <a:uFillTx/>
-              <a:latin typeface="Arial"/>
-              <a:ea typeface="돋움" panose="020B0600000101010101" pitchFamily="50" charset="-127"/>
-              <a:cs typeface="+mn-cs"/>
-            </a:endParaRPr>
+              <a:t>(1) </a:t>
+            </a:r>
+            <a:r>
+              <a:rPr lang="en-US" altLang="ko-KR" dirty="0">
+                <a:solidFill>
+                  <a:srgbClr val="292934"/>
+                </a:solidFill>
+              </a:rPr>
+              <a:t>parametrize with effective mass</a:t>
+            </a:r>
+          </a:p>
+          <a:p>
+            <a:pPr marL="342900" indent="-342900">
+              <a:buFont typeface="Arial" panose="020B0604020202020204" pitchFamily="34" charset="0"/>
+              <a:buChar char="•"/>
+              <a:defRPr/>
+            </a:pPr>
+            <a:r>
+              <a:rPr kumimoji="0" lang="en-US" altLang="ko-KR" b="0" i="0" u="none" strike="noStrike" kern="1200" cap="none" spc="0" normalizeH="0" baseline="0" noProof="0" dirty="0" smtClean="0">
+                <a:ln>
+                  <a:noFill/>
+                </a:ln>
+                <a:solidFill>
+                  <a:srgbClr val="292934"/>
+                </a:solidFill>
+                <a:effectLst/>
+                <a:uLnTx/>
+                <a:uFillTx/>
+                <a:latin typeface="Arial"/>
+                <a:ea typeface="돋움" panose="020B0600000101010101" pitchFamily="50" charset="-127"/>
+                <a:cs typeface="+mn-cs"/>
+              </a:rPr>
+              <a:t>(2) momentum dependence of U(p)</a:t>
+            </a:r>
           </a:p>
         </p:txBody>
       </p:sp>
       <p:pic>
         <p:nvPicPr>
-          <p:cNvPr id="3" name="그림 2"/>
+          <p:cNvPr id="6" name="그림 5"/>
           <p:cNvPicPr>
             <a:picLocks noChangeAspect="1"/>
           </p:cNvPicPr>
@@ -8449,84 +8764,14 @@
         </p:blipFill>
         <p:spPr>
           <a:xfrm>
-            <a:off x="936352" y="2547474"/>
-            <a:ext cx="5658396" cy="832117"/>
+            <a:off x="1351221" y="2725726"/>
+            <a:ext cx="2583470" cy="1505794"/>
           </a:xfrm>
           <a:prstGeom prst="rect">
             <a:avLst/>
           </a:prstGeom>
         </p:spPr>
       </p:pic>
-      <p:sp>
-        <p:nvSpPr>
-          <p:cNvPr id="9" name="TextBox 8"/>
-          <p:cNvSpPr txBox="1"/>
-          <p:nvPr/>
-        </p:nvSpPr>
-        <p:spPr>
-          <a:xfrm>
-            <a:off x="668338" y="4868863"/>
-            <a:ext cx="8198571" cy="1252651"/>
-          </a:xfrm>
-          <a:prstGeom prst="rect">
-            <a:avLst/>
-          </a:prstGeom>
-          <a:noFill/>
-        </p:spPr>
-        <p:txBody>
-          <a:bodyPr wrap="square" rtlCol="0">
-            <a:spAutoFit/>
-          </a:bodyPr>
-          <a:lstStyle/>
-          <a:p>
-            <a:pPr marL="342900" indent="-342900">
-              <a:buFont typeface="Arial" panose="020B0604020202020204" pitchFamily="34" charset="0"/>
-              <a:buChar char="•"/>
-            </a:pPr>
-            <a:r>
-              <a:rPr lang="en-US" dirty="0" smtClean="0"/>
-              <a:t>When k0 is below Fermi momentum, the denominator never have  pole.</a:t>
-            </a:r>
-          </a:p>
-          <a:p>
-            <a:pPr marL="342900" indent="-342900">
-              <a:buFont typeface="Arial" panose="020B0604020202020204" pitchFamily="34" charset="0"/>
-              <a:buChar char="•"/>
-            </a:pPr>
-            <a:r>
-              <a:rPr lang="en-US" dirty="0" smtClean="0">
-                <a:sym typeface="Wingdings" panose="05000000000000000000" pitchFamily="2" charset="2"/>
-              </a:rPr>
-              <a:t> G-matrix is real </a:t>
-            </a:r>
-          </a:p>
-          <a:p>
-            <a:pPr marL="342900" indent="-342900">
-              <a:buFont typeface="Arial" panose="020B0604020202020204" pitchFamily="34" charset="0"/>
-              <a:buChar char="•"/>
-            </a:pPr>
-            <a:r>
-              <a:rPr lang="en-US" dirty="0" smtClean="0">
-                <a:sym typeface="Wingdings" panose="05000000000000000000" pitchFamily="2" charset="2"/>
-              </a:rPr>
-              <a:t>When k0 is above Fermi momentum, the denominator can have pole</a:t>
-            </a:r>
-          </a:p>
-          <a:p>
-            <a:pPr marL="342900" indent="-342900">
-              <a:buFont typeface="Arial" panose="020B0604020202020204" pitchFamily="34" charset="0"/>
-              <a:buChar char="•"/>
-            </a:pPr>
-            <a:r>
-              <a:rPr lang="en-US" dirty="0" smtClean="0">
-                <a:sym typeface="Wingdings" panose="05000000000000000000" pitchFamily="2" charset="2"/>
-              </a:rPr>
-              <a:t> G-matrix becomes complex.   </a:t>
-            </a:r>
-            <a:endParaRPr lang="en-US" dirty="0"/>
-          </a:p>
-        </p:txBody>
-      </p:sp>
       <p:pic>
         <p:nvPicPr>
           <p:cNvPr id="7" name="그림 6"/>
@@ -8543,18 +8788,78 @@
         </p:blipFill>
         <p:spPr>
           <a:xfrm>
-            <a:off x="817363" y="3567380"/>
-            <a:ext cx="6656065" cy="745566"/>
+            <a:off x="1416586" y="4335389"/>
+            <a:ext cx="2657846" cy="533474"/>
           </a:xfrm>
           <a:prstGeom prst="rect">
             <a:avLst/>
           </a:prstGeom>
         </p:spPr>
       </p:pic>
+      <p:pic>
+        <p:nvPicPr>
+          <p:cNvPr id="8" name="그림 7"/>
+          <p:cNvPicPr>
+            <a:picLocks noChangeAspect="1"/>
+          </p:cNvPicPr>
+          <p:nvPr/>
+        </p:nvPicPr>
+        <p:blipFill>
+          <a:blip r:embed="rId4"/>
+          <a:stretch>
+            <a:fillRect/>
+          </a:stretch>
+        </p:blipFill>
+        <p:spPr>
+          <a:xfrm>
+            <a:off x="1499713" y="5149748"/>
+            <a:ext cx="2657846" cy="571580"/>
+          </a:xfrm>
+          <a:prstGeom prst="rect">
+            <a:avLst/>
+          </a:prstGeom>
+        </p:spPr>
+      </p:pic>
+      <p:sp>
+        <p:nvSpPr>
+          <p:cNvPr id="3" name="TextBox 2"/>
+          <p:cNvSpPr txBox="1"/>
+          <p:nvPr/>
+        </p:nvSpPr>
+        <p:spPr>
+          <a:xfrm>
+            <a:off x="1052945" y="6203636"/>
+            <a:ext cx="6968837" cy="584775"/>
+          </a:xfrm>
+          <a:prstGeom prst="rect">
+            <a:avLst/>
+          </a:prstGeom>
+          <a:noFill/>
+        </p:spPr>
+        <p:txBody>
+          <a:bodyPr wrap="square" rtlCol="0">
+            <a:spAutoFit/>
+          </a:bodyPr>
+          <a:lstStyle/>
+          <a:p>
+            <a:r>
+              <a:rPr lang="en-US" sz="1600" dirty="0" smtClean="0"/>
+              <a:t>In the code, different definition of effective mass is used.</a:t>
+            </a:r>
+          </a:p>
+          <a:p>
+            <a:r>
+              <a:rPr lang="en-US" sz="1600" dirty="0" smtClean="0"/>
+              <a:t>( defined as an overall fit of U(p) ) </a:t>
+            </a:r>
+            <a:endParaRPr lang="en-US" sz="1600" dirty="0"/>
+          </a:p>
+        </p:txBody>
+      </p:sp>
     </p:spTree>
     <p:extLst>
       <p:ext uri="{BB962C8B-B14F-4D97-AF65-F5344CB8AC3E}">
-        <p14:creationId xmlns:p14="http://schemas.microsoft.com/office/powerpoint/2010/main" val="2398352902"/>
+        <p14:creationId xmlns:p14="http://schemas.microsoft.com/office/powerpoint/2010/main" val="954363152"/>
       </p:ext>
     </p:extLst>
   </p:cSld>
@@ -8598,7 +8903,7 @@
           <a:p>
             <a:r>
               <a:rPr lang="en-US" dirty="0" smtClean="0"/>
-              <a:t>Integral equation</a:t>
+              <a:t>Partial wave expansion of G-matrix</a:t>
             </a:r>
             <a:endParaRPr lang="en-US" dirty="0"/>
           </a:p>
@@ -8613,7 +8918,7 @@
         <p:spPr>
           <a:xfrm>
             <a:off x="668338" y="1699491"/>
-            <a:ext cx="8532812" cy="382412"/>
+            <a:ext cx="8532812" cy="672492"/>
           </a:xfrm>
           <a:prstGeom prst="rect">
             <a:avLst/>
@@ -8632,22 +8937,22 @@
               <a:defRPr/>
             </a:pPr>
             <a:r>
-              <a:rPr kumimoji="0" lang="en-US" altLang="ko-KR" b="0" i="0" u="none" strike="noStrike" kern="1200" cap="none" spc="0" normalizeH="0" baseline="0" noProof="0" dirty="0" smtClean="0">
-                <a:ln>
-                  <a:noFill/>
-                </a:ln>
+              <a:rPr lang="en-US" altLang="ko-KR" dirty="0" smtClean="0">
                 <a:solidFill>
                   <a:srgbClr val="292934"/>
                 </a:solidFill>
-                <a:effectLst/>
-                <a:uLnTx/>
-                <a:uFillTx/>
                 <a:latin typeface="Arial"/>
                 <a:ea typeface="돋움" panose="020B0600000101010101" pitchFamily="50" charset="-127"/>
-                <a:cs typeface="+mn-cs"/>
               </a:rPr>
-              <a:t>Discretize integral equation</a:t>
-            </a:r>
+              <a:t>angular momentum conservation</a:t>
+            </a:r>
+          </a:p>
+          <a:p>
+            <a:pPr marL="342900" indent="-342900">
+              <a:buFont typeface="Arial" panose="020B0604020202020204" pitchFamily="34" charset="0"/>
+              <a:buChar char="•"/>
+              <a:defRPr/>
+            </a:pPr>
             <a:r>
               <a:rPr kumimoji="0" lang="en-US" altLang="ko-KR" b="0" i="0" u="none" strike="noStrike" kern="1200" cap="none" spc="0" normalizeH="0" baseline="0" noProof="0" dirty="0" smtClean="0">
                 <a:ln>
@@ -8664,7 +8969,7 @@
                 <a:cs typeface="+mn-cs"/>
                 <a:sym typeface="Wingdings" panose="05000000000000000000" pitchFamily="2" charset="2"/>
               </a:rPr>
-              <a:t> quadrature method</a:t>
+              <a:t> better to use partial wave expansion.</a:t>
             </a:r>
             <a:endParaRPr kumimoji="0" lang="en-US" altLang="ko-KR" b="0" i="0" u="none" strike="noStrike" kern="1200" cap="none" spc="0" normalizeH="0" baseline="0" noProof="0" dirty="0" smtClean="0">
               <a:ln>
@@ -8685,7 +8990,7 @@
       </p:sp>
       <p:pic>
         <p:nvPicPr>
-          <p:cNvPr id="6" name="그림 5"/>
+          <p:cNvPr id="3" name="그림 2"/>
           <p:cNvPicPr>
             <a:picLocks noChangeAspect="1"/>
           </p:cNvPicPr>
@@ -8699,17 +9004,87 @@
         </p:blipFill>
         <p:spPr>
           <a:xfrm>
-            <a:off x="1268348" y="2157942"/>
-            <a:ext cx="4070270" cy="920347"/>
+            <a:off x="936352" y="2547474"/>
+            <a:ext cx="5658396" cy="832117"/>
           </a:xfrm>
           <a:prstGeom prst="rect">
             <a:avLst/>
           </a:prstGeom>
         </p:spPr>
       </p:pic>
+      <p:sp>
+        <p:nvSpPr>
+          <p:cNvPr id="9" name="TextBox 8"/>
+          <p:cNvSpPr txBox="1"/>
+          <p:nvPr/>
+        </p:nvSpPr>
+        <p:spPr>
+          <a:xfrm>
+            <a:off x="668338" y="4868863"/>
+            <a:ext cx="8198571" cy="1252651"/>
+          </a:xfrm>
+          <a:prstGeom prst="rect">
+            <a:avLst/>
+          </a:prstGeom>
+          <a:noFill/>
+        </p:spPr>
+        <p:txBody>
+          <a:bodyPr wrap="square" rtlCol="0">
+            <a:spAutoFit/>
+          </a:bodyPr>
+          <a:lstStyle/>
+          <a:p>
+            <a:pPr marL="342900" indent="-342900">
+              <a:buFont typeface="Arial" panose="020B0604020202020204" pitchFamily="34" charset="0"/>
+              <a:buChar char="•"/>
+            </a:pPr>
+            <a:r>
+              <a:rPr lang="en-US" dirty="0" smtClean="0"/>
+              <a:t>When k0 is below Fermi momentum, the denominator never have  pole.</a:t>
+            </a:r>
+          </a:p>
+          <a:p>
+            <a:pPr marL="342900" indent="-342900">
+              <a:buFont typeface="Arial" panose="020B0604020202020204" pitchFamily="34" charset="0"/>
+              <a:buChar char="•"/>
+            </a:pPr>
+            <a:r>
+              <a:rPr lang="en-US" dirty="0" smtClean="0">
+                <a:sym typeface="Wingdings" panose="05000000000000000000" pitchFamily="2" charset="2"/>
+              </a:rPr>
+              <a:t> G-matrix is real </a:t>
+            </a:r>
+          </a:p>
+          <a:p>
+            <a:pPr marL="342900" indent="-342900">
+              <a:buFont typeface="Arial" panose="020B0604020202020204" pitchFamily="34" charset="0"/>
+              <a:buChar char="•"/>
+            </a:pPr>
+            <a:r>
+              <a:rPr lang="en-US" dirty="0" smtClean="0">
+                <a:sym typeface="Wingdings" panose="05000000000000000000" pitchFamily="2" charset="2"/>
+              </a:rPr>
+              <a:t>When k0 is above Fermi momentum, the denominator can have pole</a:t>
+            </a:r>
+          </a:p>
+          <a:p>
+            <a:pPr marL="342900" indent="-342900">
+              <a:buFont typeface="Arial" panose="020B0604020202020204" pitchFamily="34" charset="0"/>
+              <a:buChar char="•"/>
+            </a:pPr>
+            <a:r>
+              <a:rPr lang="en-US" dirty="0" smtClean="0">
+                <a:sym typeface="Wingdings" panose="05000000000000000000" pitchFamily="2" charset="2"/>
+              </a:rPr>
+              <a:t> G-matrix becomes complex.   </a:t>
+            </a:r>
+            <a:endParaRPr lang="en-US" dirty="0"/>
+          </a:p>
+        </p:txBody>
+      </p:sp>
       <p:pic>
         <p:nvPicPr>
-          <p:cNvPr id="10" name="그림 9"/>
+          <p:cNvPr id="7" name="그림 6"/>
           <p:cNvPicPr>
             <a:picLocks noChangeAspect="1"/>
           </p:cNvPicPr>
@@ -8723,7 +9098,7 @@
         </p:blipFill>
         <p:spPr>
           <a:xfrm>
-            <a:off x="1268348" y="3078289"/>
+            <a:off x="817363" y="3567380"/>
             <a:ext cx="6656065" cy="745566"/>
           </a:xfrm>
           <a:prstGeom prst="rect">
@@ -8731,131 +9106,10 @@
           </a:prstGeom>
         </p:spPr>
       </p:pic>
-      <p:pic>
-        <p:nvPicPr>
-          <p:cNvPr id="11" name="그림 10"/>
-          <p:cNvPicPr>
-            <a:picLocks noChangeAspect="1"/>
-          </p:cNvPicPr>
-          <p:nvPr/>
-        </p:nvPicPr>
-        <p:blipFill>
-          <a:blip r:embed="rId4"/>
-          <a:stretch>
-            <a:fillRect/>
-          </a:stretch>
-        </p:blipFill>
-        <p:spPr>
-          <a:xfrm>
-            <a:off x="1476165" y="4576871"/>
-            <a:ext cx="4308203" cy="790602"/>
-          </a:xfrm>
-          <a:prstGeom prst="rect">
-            <a:avLst/>
-          </a:prstGeom>
-        </p:spPr>
-      </p:pic>
-      <p:sp>
-        <p:nvSpPr>
-          <p:cNvPr id="12" name="TextBox 11"/>
-          <p:cNvSpPr txBox="1"/>
-          <p:nvPr/>
-        </p:nvSpPr>
-        <p:spPr>
-          <a:xfrm>
-            <a:off x="636012" y="4031675"/>
-            <a:ext cx="8532812" cy="382412"/>
-          </a:xfrm>
-          <a:prstGeom prst="rect">
-            <a:avLst/>
-          </a:prstGeom>
-          <a:noFill/>
-        </p:spPr>
-        <p:txBody>
-          <a:bodyPr wrap="square" rtlCol="0">
-            <a:spAutoFit/>
-          </a:bodyPr>
-          <a:lstStyle/>
-          <a:p>
-            <a:pPr marL="342900" indent="-342900">
-              <a:buFont typeface="Arial" panose="020B0604020202020204" pitchFamily="34" charset="0"/>
-              <a:buChar char="•"/>
-              <a:defRPr/>
-            </a:pPr>
-            <a:r>
-              <a:rPr kumimoji="0" lang="en-US" altLang="ko-KR" b="0" i="0" u="none" strike="noStrike" kern="1200" cap="none" spc="0" normalizeH="0" baseline="0" noProof="0" dirty="0" smtClean="0">
-                <a:ln>
-                  <a:noFill/>
-                </a:ln>
-                <a:solidFill>
-                  <a:srgbClr val="292934"/>
-                </a:solidFill>
-                <a:effectLst/>
-                <a:uLnTx/>
-                <a:uFillTx/>
-                <a:latin typeface="Arial"/>
-                <a:ea typeface="돋움" panose="020B0600000101010101" pitchFamily="50" charset="-127"/>
-                <a:cs typeface="+mn-cs"/>
-              </a:rPr>
-              <a:t>Pole of denominator</a:t>
-            </a:r>
-            <a:r>
-              <a:rPr kumimoji="0" lang="en-US" altLang="ko-KR" b="0" i="0" u="none" strike="noStrike" kern="1200" cap="none" spc="0" normalizeH="0" baseline="0" noProof="0" dirty="0" smtClean="0">
-                <a:ln>
-                  <a:noFill/>
-                </a:ln>
-                <a:solidFill>
-                  <a:srgbClr val="292934"/>
-                </a:solidFill>
-                <a:effectLst/>
-                <a:uLnTx/>
-                <a:uFillTx/>
-                <a:latin typeface="Arial"/>
-                <a:ea typeface="돋움" panose="020B0600000101010101" pitchFamily="50" charset="-127"/>
-                <a:cs typeface="+mn-cs"/>
-                <a:sym typeface="Wingdings" panose="05000000000000000000" pitchFamily="2" charset="2"/>
-              </a:rPr>
-              <a:t> Principal</a:t>
-            </a:r>
-            <a:r>
-              <a:rPr kumimoji="0" lang="en-US" altLang="ko-KR" b="0" i="0" u="none" strike="noStrike" kern="1200" cap="none" spc="0" normalizeH="0" noProof="0" dirty="0" smtClean="0">
-                <a:ln>
-                  <a:noFill/>
-                </a:ln>
-                <a:solidFill>
-                  <a:srgbClr val="292934"/>
-                </a:solidFill>
-                <a:effectLst/>
-                <a:uLnTx/>
-                <a:uFillTx/>
-                <a:latin typeface="Arial"/>
-                <a:ea typeface="돋움" panose="020B0600000101010101" pitchFamily="50" charset="-127"/>
-                <a:cs typeface="+mn-cs"/>
-                <a:sym typeface="Wingdings" panose="05000000000000000000" pitchFamily="2" charset="2"/>
-              </a:rPr>
-              <a:t> value integral </a:t>
-            </a:r>
-            <a:endParaRPr kumimoji="0" lang="en-US" altLang="ko-KR" b="0" i="0" u="none" strike="noStrike" kern="1200" cap="none" spc="0" normalizeH="0" baseline="0" noProof="0" dirty="0" smtClean="0">
-              <a:ln>
-                <a:noFill/>
-              </a:ln>
-              <a:solidFill>
-                <a:srgbClr val="292934"/>
-              </a:solidFill>
-              <a:effectLst/>
-              <a:uLnTx/>
-              <a:uFillTx/>
-              <a:latin typeface="Arial"/>
-              <a:ea typeface="돋움" panose="020B0600000101010101" pitchFamily="50" charset="-127"/>
-              <a:cs typeface="+mn-cs"/>
-            </a:endParaRPr>
-          </a:p>
-        </p:txBody>
-      </p:sp>
     </p:spTree>
     <p:extLst>
       <p:ext uri="{BB962C8B-B14F-4D97-AF65-F5344CB8AC3E}">
-        <p14:creationId xmlns:p14="http://schemas.microsoft.com/office/powerpoint/2010/main" val="340627166"/>
+        <p14:creationId xmlns:p14="http://schemas.microsoft.com/office/powerpoint/2010/main" val="2398352902"/>
       </p:ext>
     </p:extLst>
   </p:cSld>
@@ -8933,14 +9187,39 @@
               <a:defRPr/>
             </a:pPr>
             <a:r>
-              <a:rPr lang="en-US" altLang="ko-KR" dirty="0" smtClean="0">
+              <a:rPr kumimoji="0" lang="en-US" altLang="ko-KR" b="0" i="0" u="none" strike="noStrike" kern="1200" cap="none" spc="0" normalizeH="0" baseline="0" noProof="0" dirty="0" smtClean="0">
+                <a:ln>
+                  <a:noFill/>
+                </a:ln>
                 <a:solidFill>
                   <a:srgbClr val="292934"/>
                 </a:solidFill>
+                <a:effectLst/>
+                <a:uLnTx/>
+                <a:uFillTx/>
                 <a:latin typeface="Arial"/>
                 <a:ea typeface="돋움" panose="020B0600000101010101" pitchFamily="50" charset="-127"/>
+                <a:cs typeface="+mn-cs"/>
               </a:rPr>
-              <a:t>G-matrix equation</a:t>
+              <a:t>Discretize integral equation</a:t>
+            </a:r>
+            <a:r>
+              <a:rPr kumimoji="0" lang="en-US" altLang="ko-KR" b="0" i="0" u="none" strike="noStrike" kern="1200" cap="none" spc="0" normalizeH="0" baseline="0" noProof="0" dirty="0" smtClean="0">
+                <a:ln>
+                  <a:noFill/>
+                </a:ln>
+                <a:solidFill>
+                  <a:srgbClr val="292934"/>
+                </a:solidFill>
+                <a:effectLst/>
+                <a:uLnTx/>
+                <a:uFillTx/>
+                <a:latin typeface="Arial"/>
+                <a:ea typeface="돋움" panose="020B0600000101010101" pitchFamily="50" charset="-127"/>
+                <a:cs typeface="+mn-cs"/>
+                <a:sym typeface="Wingdings" panose="05000000000000000000" pitchFamily="2" charset="2"/>
+              </a:rPr>
+              <a:t> quadrature method</a:t>
             </a:r>
             <a:endParaRPr kumimoji="0" lang="en-US" altLang="ko-KR" b="0" i="0" u="none" strike="noStrike" kern="1200" cap="none" spc="0" normalizeH="0" baseline="0" noProof="0" dirty="0" smtClean="0">
               <a:ln>
@@ -8961,7 +9240,7 @@
       </p:sp>
       <p:pic>
         <p:nvPicPr>
-          <p:cNvPr id="3" name="그림 2"/>
+          <p:cNvPr id="6" name="그림 5"/>
           <p:cNvPicPr>
             <a:picLocks noChangeAspect="1"/>
           </p:cNvPicPr>
@@ -8975,8 +9254,8 @@
         </p:blipFill>
         <p:spPr>
           <a:xfrm>
-            <a:off x="1126952" y="2081903"/>
-            <a:ext cx="5985048" cy="3926361"/>
+            <a:off x="1268348" y="2157942"/>
+            <a:ext cx="4070270" cy="920347"/>
           </a:xfrm>
           <a:prstGeom prst="rect">
             <a:avLst/>
@@ -8985,7 +9264,7 @@
       </p:pic>
       <p:pic>
         <p:nvPicPr>
-          <p:cNvPr id="5" name="그림 4"/>
+          <p:cNvPr id="10" name="그림 9"/>
           <p:cNvPicPr>
             <a:picLocks noChangeAspect="1"/>
           </p:cNvPicPr>
@@ -8999,18 +9278,139 @@
         </p:blipFill>
         <p:spPr>
           <a:xfrm>
-            <a:off x="6944737" y="6251522"/>
-            <a:ext cx="2038635" cy="381053"/>
+            <a:off x="1268348" y="3078289"/>
+            <a:ext cx="6656065" cy="745566"/>
           </a:xfrm>
           <a:prstGeom prst="rect">
             <a:avLst/>
           </a:prstGeom>
         </p:spPr>
       </p:pic>
+      <p:pic>
+        <p:nvPicPr>
+          <p:cNvPr id="11" name="그림 10"/>
+          <p:cNvPicPr>
+            <a:picLocks noChangeAspect="1"/>
+          </p:cNvPicPr>
+          <p:nvPr/>
+        </p:nvPicPr>
+        <p:blipFill>
+          <a:blip r:embed="rId4"/>
+          <a:stretch>
+            <a:fillRect/>
+          </a:stretch>
+        </p:blipFill>
+        <p:spPr>
+          <a:xfrm>
+            <a:off x="1476165" y="4576871"/>
+            <a:ext cx="4308203" cy="790602"/>
+          </a:xfrm>
+          <a:prstGeom prst="rect">
+            <a:avLst/>
+          </a:prstGeom>
+        </p:spPr>
+      </p:pic>
+      <p:sp>
+        <p:nvSpPr>
+          <p:cNvPr id="12" name="TextBox 11"/>
+          <p:cNvSpPr txBox="1"/>
+          <p:nvPr/>
+        </p:nvSpPr>
+        <p:spPr>
+          <a:xfrm>
+            <a:off x="636012" y="4031675"/>
+            <a:ext cx="8532812" cy="382412"/>
+          </a:xfrm>
+          <a:prstGeom prst="rect">
+            <a:avLst/>
+          </a:prstGeom>
+          <a:noFill/>
+        </p:spPr>
+        <p:txBody>
+          <a:bodyPr wrap="square" rtlCol="0">
+            <a:spAutoFit/>
+          </a:bodyPr>
+          <a:lstStyle/>
+          <a:p>
+            <a:pPr marL="342900" indent="-342900">
+              <a:buFont typeface="Arial" panose="020B0604020202020204" pitchFamily="34" charset="0"/>
+              <a:buChar char="•"/>
+              <a:defRPr/>
+            </a:pPr>
+            <a:r>
+              <a:rPr kumimoji="0" lang="en-US" altLang="ko-KR" b="0" i="0" u="none" strike="noStrike" kern="1200" cap="none" spc="0" normalizeH="0" baseline="0" noProof="0" dirty="0" smtClean="0">
+                <a:ln>
+                  <a:noFill/>
+                </a:ln>
+                <a:solidFill>
+                  <a:srgbClr val="292934"/>
+                </a:solidFill>
+                <a:effectLst/>
+                <a:uLnTx/>
+                <a:uFillTx/>
+                <a:latin typeface="Arial"/>
+                <a:ea typeface="돋움" panose="020B0600000101010101" pitchFamily="50" charset="-127"/>
+                <a:cs typeface="+mn-cs"/>
+              </a:rPr>
+              <a:t>Pole of denominator</a:t>
+            </a:r>
+            <a:r>
+              <a:rPr kumimoji="0" lang="en-US" altLang="ko-KR" b="0" i="0" u="none" strike="noStrike" kern="1200" cap="none" spc="0" normalizeH="0" baseline="0" noProof="0" dirty="0" smtClean="0">
+                <a:ln>
+                  <a:noFill/>
+                </a:ln>
+                <a:solidFill>
+                  <a:srgbClr val="292934"/>
+                </a:solidFill>
+                <a:effectLst/>
+                <a:uLnTx/>
+                <a:uFillTx/>
+                <a:latin typeface="Arial"/>
+                <a:ea typeface="돋움" panose="020B0600000101010101" pitchFamily="50" charset="-127"/>
+                <a:cs typeface="+mn-cs"/>
+                <a:sym typeface="Wingdings" panose="05000000000000000000" pitchFamily="2" charset="2"/>
+              </a:rPr>
+              <a:t> Principal</a:t>
+            </a:r>
+            <a:r>
+              <a:rPr kumimoji="0" lang="en-US" altLang="ko-KR" b="0" i="0" u="none" strike="noStrike" kern="1200" cap="none" spc="0" normalizeH="0" noProof="0" dirty="0" smtClean="0">
+                <a:ln>
+                  <a:noFill/>
+                </a:ln>
+                <a:solidFill>
+                  <a:srgbClr val="292934"/>
+                </a:solidFill>
+                <a:effectLst/>
+                <a:uLnTx/>
+                <a:uFillTx/>
+                <a:latin typeface="Arial"/>
+                <a:ea typeface="돋움" panose="020B0600000101010101" pitchFamily="50" charset="-127"/>
+                <a:cs typeface="+mn-cs"/>
+                <a:sym typeface="Wingdings" panose="05000000000000000000" pitchFamily="2" charset="2"/>
+              </a:rPr>
+              <a:t> value integral </a:t>
+            </a:r>
+            <a:endParaRPr kumimoji="0" lang="en-US" altLang="ko-KR" b="0" i="0" u="none" strike="noStrike" kern="1200" cap="none" spc="0" normalizeH="0" baseline="0" noProof="0" dirty="0" smtClean="0">
+              <a:ln>
+                <a:noFill/>
+              </a:ln>
+              <a:solidFill>
+                <a:srgbClr val="292934"/>
+              </a:solidFill>
+              <a:effectLst/>
+              <a:uLnTx/>
+              <a:uFillTx/>
+              <a:latin typeface="Arial"/>
+              <a:ea typeface="돋움" panose="020B0600000101010101" pitchFamily="50" charset="-127"/>
+              <a:cs typeface="+mn-cs"/>
+            </a:endParaRPr>
+          </a:p>
+        </p:txBody>
+      </p:sp>
     </p:spTree>
     <p:extLst>
       <p:ext uri="{BB962C8B-B14F-4D97-AF65-F5344CB8AC3E}">
-        <p14:creationId xmlns:p14="http://schemas.microsoft.com/office/powerpoint/2010/main" val="2490859239"/>
+        <p14:creationId xmlns:p14="http://schemas.microsoft.com/office/powerpoint/2010/main" val="340627166"/>
       </p:ext>
     </p:extLst>
   </p:cSld>
@@ -9116,7 +9516,7 @@
       </p:sp>
       <p:pic>
         <p:nvPicPr>
-          <p:cNvPr id="7" name="그림 6"/>
+          <p:cNvPr id="3" name="그림 2"/>
           <p:cNvPicPr>
             <a:picLocks noChangeAspect="1"/>
           </p:cNvPicPr>
@@ -9130,8 +9530,8 @@
         </p:blipFill>
         <p:spPr>
           <a:xfrm>
-            <a:off x="1842614" y="4565085"/>
-            <a:ext cx="5363323" cy="1352739"/>
+            <a:off x="1126952" y="2081903"/>
+            <a:ext cx="5985048" cy="3926361"/>
           </a:xfrm>
           <a:prstGeom prst="rect">
             <a:avLst/>
@@ -9140,7 +9540,7 @@
       </p:pic>
       <p:pic>
         <p:nvPicPr>
-          <p:cNvPr id="8" name="그림 7"/>
+          <p:cNvPr id="5" name="그림 4"/>
           <p:cNvPicPr>
             <a:picLocks noChangeAspect="1"/>
           </p:cNvPicPr>
@@ -9154,172 +9554,8 @@
         </p:blipFill>
         <p:spPr>
           <a:xfrm>
-            <a:off x="1185298" y="2175260"/>
-            <a:ext cx="6020640" cy="1286054"/>
-          </a:xfrm>
-          <a:prstGeom prst="rect">
-            <a:avLst/>
-          </a:prstGeom>
-        </p:spPr>
-      </p:pic>
-      <p:sp>
-        <p:nvSpPr>
-          <p:cNvPr id="9" name="오른쪽 화살표 8"/>
-          <p:cNvSpPr/>
-          <p:nvPr/>
-        </p:nvSpPr>
-        <p:spPr>
-          <a:xfrm>
-            <a:off x="1108364" y="4959927"/>
-            <a:ext cx="341745" cy="350982"/>
-          </a:xfrm>
-          <a:prstGeom prst="rightArrow">
-            <a:avLst/>
-          </a:prstGeom>
-        </p:spPr>
-        <p:style>
-          <a:lnRef idx="2">
-            <a:schemeClr val="accent1">
-              <a:shade val="50000"/>
-            </a:schemeClr>
-          </a:lnRef>
-          <a:fillRef idx="1">
-            <a:schemeClr val="accent1"/>
-          </a:fillRef>
-          <a:effectRef idx="0">
-            <a:schemeClr val="accent1"/>
-          </a:effectRef>
-          <a:fontRef idx="minor">
-            <a:schemeClr val="lt1"/>
-          </a:fontRef>
-        </p:style>
-        <p:txBody>
-          <a:bodyPr rtlCol="0" anchor="ctr"/>
-          <a:lstStyle/>
-          <a:p>
-            <a:pPr algn="ctr"/>
-            <a:endParaRPr lang="en-US"/>
-          </a:p>
-        </p:txBody>
-      </p:sp>
-      <p:pic>
-        <p:nvPicPr>
-          <p:cNvPr id="10" name="그림 9"/>
-          <p:cNvPicPr>
-            <a:picLocks noChangeAspect="1"/>
-          </p:cNvPicPr>
-          <p:nvPr/>
-        </p:nvPicPr>
-        <p:blipFill>
-          <a:blip r:embed="rId4"/>
-          <a:stretch>
-            <a:fillRect/>
-          </a:stretch>
-        </p:blipFill>
-        <p:spPr>
-          <a:xfrm>
-            <a:off x="332581" y="3750268"/>
-            <a:ext cx="3020067" cy="682881"/>
-          </a:xfrm>
-          <a:prstGeom prst="rect">
-            <a:avLst/>
-          </a:prstGeom>
-        </p:spPr>
-      </p:pic>
-      <p:sp>
-        <p:nvSpPr>
-          <p:cNvPr id="12" name="TextBox 11"/>
-          <p:cNvSpPr txBox="1"/>
-          <p:nvPr/>
-        </p:nvSpPr>
-        <p:spPr>
-          <a:xfrm>
-            <a:off x="7484053" y="4799172"/>
-            <a:ext cx="2198254" cy="672492"/>
-          </a:xfrm>
-          <a:prstGeom prst="rect">
-            <a:avLst/>
-          </a:prstGeom>
-          <a:noFill/>
-        </p:spPr>
-        <p:txBody>
-          <a:bodyPr wrap="square" rtlCol="0">
-            <a:spAutoFit/>
-          </a:bodyPr>
-          <a:lstStyle/>
-          <a:p>
-            <a:r>
-              <a:rPr lang="en-US" dirty="0" smtClean="0"/>
-              <a:t>Trick for principal </a:t>
-            </a:r>
-          </a:p>
-          <a:p>
-            <a:r>
-              <a:rPr lang="en-US" dirty="0" smtClean="0"/>
-              <a:t>value integration</a:t>
-            </a:r>
-            <a:endParaRPr lang="en-US" dirty="0"/>
-          </a:p>
-        </p:txBody>
-      </p:sp>
-      <p:sp>
-        <p:nvSpPr>
-          <p:cNvPr id="13" name="오른쪽 화살표 12"/>
-          <p:cNvSpPr/>
-          <p:nvPr/>
-        </p:nvSpPr>
-        <p:spPr>
-          <a:xfrm rot="10800000" flipV="1">
-            <a:off x="7205937" y="5047490"/>
-            <a:ext cx="267854" cy="193964"/>
-          </a:xfrm>
-          <a:prstGeom prst="rightArrow">
-            <a:avLst/>
-          </a:prstGeom>
-        </p:spPr>
-        <p:style>
-          <a:lnRef idx="2">
-            <a:schemeClr val="accent1">
-              <a:shade val="50000"/>
-            </a:schemeClr>
-          </a:lnRef>
-          <a:fillRef idx="1">
-            <a:schemeClr val="accent1"/>
-          </a:fillRef>
-          <a:effectRef idx="0">
-            <a:schemeClr val="accent1"/>
-          </a:effectRef>
-          <a:fontRef idx="minor">
-            <a:schemeClr val="lt1"/>
-          </a:fontRef>
-        </p:style>
-        <p:txBody>
-          <a:bodyPr rtlCol="0" anchor="ctr"/>
-          <a:lstStyle/>
-          <a:p>
-            <a:pPr algn="ctr"/>
-            <a:endParaRPr lang="en-US"/>
-          </a:p>
-        </p:txBody>
-      </p:sp>
-      <p:pic>
-        <p:nvPicPr>
-          <p:cNvPr id="3" name="그림 2"/>
-          <p:cNvPicPr>
-            <a:picLocks noChangeAspect="1"/>
-          </p:cNvPicPr>
-          <p:nvPr/>
-        </p:nvPicPr>
-        <p:blipFill>
-          <a:blip r:embed="rId5"/>
-          <a:stretch>
-            <a:fillRect/>
-          </a:stretch>
-        </p:blipFill>
-        <p:spPr>
-          <a:xfrm>
-            <a:off x="7598442" y="5405337"/>
-            <a:ext cx="1467055" cy="724001"/>
+            <a:off x="6944737" y="6251522"/>
+            <a:ext cx="2038635" cy="381053"/>
           </a:xfrm>
           <a:prstGeom prst="rect">
             <a:avLst/>
@@ -9329,7 +9565,7 @@
     </p:spTree>
     <p:extLst>
       <p:ext uri="{BB962C8B-B14F-4D97-AF65-F5344CB8AC3E}">
-        <p14:creationId xmlns:p14="http://schemas.microsoft.com/office/powerpoint/2010/main" val="3921706645"/>
+        <p14:creationId xmlns:p14="http://schemas.microsoft.com/office/powerpoint/2010/main" val="2490859239"/>
       </p:ext>
     </p:extLst>
   </p:cSld>
@@ -9414,7 +9650,7 @@
                 <a:latin typeface="Arial"/>
                 <a:ea typeface="돋움" panose="020B0600000101010101" pitchFamily="50" charset="-127"/>
               </a:rPr>
-              <a:t>G-matrix equation( assume U(p), i.e. E(p) is already given)</a:t>
+              <a:t>G-matrix equation</a:t>
             </a:r>
             <a:endParaRPr kumimoji="0" lang="en-US" altLang="ko-KR" b="0" i="0" u="none" strike="noStrike" kern="1200" cap="none" spc="0" normalizeH="0" baseline="0" noProof="0" dirty="0" smtClean="0">
               <a:ln>
@@ -9435,7 +9671,7 @@
       </p:sp>
       <p:pic>
         <p:nvPicPr>
-          <p:cNvPr id="3" name="그림 2"/>
+          <p:cNvPr id="7" name="그림 6"/>
           <p:cNvPicPr>
             <a:picLocks noChangeAspect="1"/>
           </p:cNvPicPr>
@@ -9449,8 +9685,8 @@
         </p:blipFill>
         <p:spPr>
           <a:xfrm>
-            <a:off x="954941" y="2177549"/>
-            <a:ext cx="5258534" cy="3591426"/>
+            <a:off x="1842614" y="4565085"/>
+            <a:ext cx="5363323" cy="1352739"/>
           </a:xfrm>
           <a:prstGeom prst="rect">
             <a:avLst/>
@@ -9459,7 +9695,7 @@
       </p:pic>
       <p:pic>
         <p:nvPicPr>
-          <p:cNvPr id="5" name="그림 4"/>
+          <p:cNvPr id="8" name="그림 7"/>
           <p:cNvPicPr>
             <a:picLocks noChangeAspect="1"/>
           </p:cNvPicPr>
@@ -9473,8 +9709,172 @@
         </p:blipFill>
         <p:spPr>
           <a:xfrm>
-            <a:off x="3428865" y="5650992"/>
-            <a:ext cx="6077798" cy="1086002"/>
+            <a:off x="1185298" y="2175260"/>
+            <a:ext cx="6020640" cy="1286054"/>
+          </a:xfrm>
+          <a:prstGeom prst="rect">
+            <a:avLst/>
+          </a:prstGeom>
+        </p:spPr>
+      </p:pic>
+      <p:sp>
+        <p:nvSpPr>
+          <p:cNvPr id="9" name="오른쪽 화살표 8"/>
+          <p:cNvSpPr/>
+          <p:nvPr/>
+        </p:nvSpPr>
+        <p:spPr>
+          <a:xfrm>
+            <a:off x="1108364" y="4959927"/>
+            <a:ext cx="341745" cy="350982"/>
+          </a:xfrm>
+          <a:prstGeom prst="rightArrow">
+            <a:avLst/>
+          </a:prstGeom>
+        </p:spPr>
+        <p:style>
+          <a:lnRef idx="2">
+            <a:schemeClr val="accent1">
+              <a:shade val="50000"/>
+            </a:schemeClr>
+          </a:lnRef>
+          <a:fillRef idx="1">
+            <a:schemeClr val="accent1"/>
+          </a:fillRef>
+          <a:effectRef idx="0">
+            <a:schemeClr val="accent1"/>
+          </a:effectRef>
+          <a:fontRef idx="minor">
+            <a:schemeClr val="lt1"/>
+          </a:fontRef>
+        </p:style>
+        <p:txBody>
+          <a:bodyPr rtlCol="0" anchor="ctr"/>
+          <a:lstStyle/>
+          <a:p>
+            <a:pPr algn="ctr"/>
+            <a:endParaRPr lang="en-US"/>
+          </a:p>
+        </p:txBody>
+      </p:sp>
+      <p:pic>
+        <p:nvPicPr>
+          <p:cNvPr id="10" name="그림 9"/>
+          <p:cNvPicPr>
+            <a:picLocks noChangeAspect="1"/>
+          </p:cNvPicPr>
+          <p:nvPr/>
+        </p:nvPicPr>
+        <p:blipFill>
+          <a:blip r:embed="rId4"/>
+          <a:stretch>
+            <a:fillRect/>
+          </a:stretch>
+        </p:blipFill>
+        <p:spPr>
+          <a:xfrm>
+            <a:off x="332581" y="3750268"/>
+            <a:ext cx="3020067" cy="682881"/>
+          </a:xfrm>
+          <a:prstGeom prst="rect">
+            <a:avLst/>
+          </a:prstGeom>
+        </p:spPr>
+      </p:pic>
+      <p:sp>
+        <p:nvSpPr>
+          <p:cNvPr id="12" name="TextBox 11"/>
+          <p:cNvSpPr txBox="1"/>
+          <p:nvPr/>
+        </p:nvSpPr>
+        <p:spPr>
+          <a:xfrm>
+            <a:off x="7484053" y="4799172"/>
+            <a:ext cx="2198254" cy="672492"/>
+          </a:xfrm>
+          <a:prstGeom prst="rect">
+            <a:avLst/>
+          </a:prstGeom>
+          <a:noFill/>
+        </p:spPr>
+        <p:txBody>
+          <a:bodyPr wrap="square" rtlCol="0">
+            <a:spAutoFit/>
+          </a:bodyPr>
+          <a:lstStyle/>
+          <a:p>
+            <a:r>
+              <a:rPr lang="en-US" dirty="0" smtClean="0"/>
+              <a:t>Trick for principal </a:t>
+            </a:r>
+          </a:p>
+          <a:p>
+            <a:r>
+              <a:rPr lang="en-US" dirty="0" smtClean="0"/>
+              <a:t>value integration</a:t>
+            </a:r>
+            <a:endParaRPr lang="en-US" dirty="0"/>
+          </a:p>
+        </p:txBody>
+      </p:sp>
+      <p:sp>
+        <p:nvSpPr>
+          <p:cNvPr id="13" name="오른쪽 화살표 12"/>
+          <p:cNvSpPr/>
+          <p:nvPr/>
+        </p:nvSpPr>
+        <p:spPr>
+          <a:xfrm rot="10800000" flipV="1">
+            <a:off x="7205937" y="5047490"/>
+            <a:ext cx="267854" cy="193964"/>
+          </a:xfrm>
+          <a:prstGeom prst="rightArrow">
+            <a:avLst/>
+          </a:prstGeom>
+        </p:spPr>
+        <p:style>
+          <a:lnRef idx="2">
+            <a:schemeClr val="accent1">
+              <a:shade val="50000"/>
+            </a:schemeClr>
+          </a:lnRef>
+          <a:fillRef idx="1">
+            <a:schemeClr val="accent1"/>
+          </a:fillRef>
+          <a:effectRef idx="0">
+            <a:schemeClr val="accent1"/>
+          </a:effectRef>
+          <a:fontRef idx="minor">
+            <a:schemeClr val="lt1"/>
+          </a:fontRef>
+        </p:style>
+        <p:txBody>
+          <a:bodyPr rtlCol="0" anchor="ctr"/>
+          <a:lstStyle/>
+          <a:p>
+            <a:pPr algn="ctr"/>
+            <a:endParaRPr lang="en-US"/>
+          </a:p>
+        </p:txBody>
+      </p:sp>
+      <p:pic>
+        <p:nvPicPr>
+          <p:cNvPr id="3" name="그림 2"/>
+          <p:cNvPicPr>
+            <a:picLocks noChangeAspect="1"/>
+          </p:cNvPicPr>
+          <p:nvPr/>
+        </p:nvPicPr>
+        <p:blipFill>
+          <a:blip r:embed="rId5"/>
+          <a:stretch>
+            <a:fillRect/>
+          </a:stretch>
+        </p:blipFill>
+        <p:spPr>
+          <a:xfrm>
+            <a:off x="7598442" y="5405337"/>
+            <a:ext cx="1467055" cy="724001"/>
           </a:xfrm>
           <a:prstGeom prst="rect">
             <a:avLst/>
@@ -9484,7 +9884,7 @@
     </p:spTree>
     <p:extLst>
       <p:ext uri="{BB962C8B-B14F-4D97-AF65-F5344CB8AC3E}">
-        <p14:creationId xmlns:p14="http://schemas.microsoft.com/office/powerpoint/2010/main" val="834510718"/>
+        <p14:creationId xmlns:p14="http://schemas.microsoft.com/office/powerpoint/2010/main" val="3921706645"/>
       </p:ext>
     </p:extLst>
   </p:cSld>
@@ -9528,7 +9928,7 @@
           <a:p>
             <a:r>
               <a:rPr lang="en-US" dirty="0" smtClean="0"/>
-              <a:t>Solve g-matrix</a:t>
+              <a:t>Integral equation</a:t>
             </a:r>
             <a:endParaRPr lang="en-US" dirty="0"/>
           </a:p>
@@ -9569,7 +9969,7 @@
                 <a:latin typeface="Arial"/>
                 <a:ea typeface="돋움" panose="020B0600000101010101" pitchFamily="50" charset="-127"/>
               </a:rPr>
-              <a:t>G-matrix equation (with out tensor interaction)</a:t>
+              <a:t>G-matrix equation( assume U(p), i.e. E(p) is already given)</a:t>
             </a:r>
             <a:endParaRPr kumimoji="0" lang="en-US" altLang="ko-KR" b="0" i="0" u="none" strike="noStrike" kern="1200" cap="none" spc="0" normalizeH="0" baseline="0" noProof="0" dirty="0" smtClean="0">
               <a:ln>
@@ -9590,7 +9990,7 @@
       </p:sp>
       <p:pic>
         <p:nvPicPr>
-          <p:cNvPr id="6" name="그림 5"/>
+          <p:cNvPr id="3" name="그림 2"/>
           <p:cNvPicPr>
             <a:picLocks noChangeAspect="1"/>
           </p:cNvPicPr>
@@ -9604,71 +10004,17 @@
         </p:blipFill>
         <p:spPr>
           <a:xfrm>
-            <a:off x="1782176" y="2257394"/>
-            <a:ext cx="2766442" cy="778062"/>
+            <a:off x="954941" y="2177549"/>
+            <a:ext cx="5258534" cy="3591426"/>
           </a:xfrm>
           <a:prstGeom prst="rect">
             <a:avLst/>
           </a:prstGeom>
         </p:spPr>
       </p:pic>
-      <p:sp>
-        <p:nvSpPr>
-          <p:cNvPr id="7" name="TextBox 6"/>
-          <p:cNvSpPr txBox="1"/>
-          <p:nvPr/>
-        </p:nvSpPr>
-        <p:spPr>
-          <a:xfrm>
-            <a:off x="668338" y="3086861"/>
-            <a:ext cx="8532812" cy="382412"/>
-          </a:xfrm>
-          <a:prstGeom prst="rect">
-            <a:avLst/>
-          </a:prstGeom>
-          <a:noFill/>
-        </p:spPr>
-        <p:txBody>
-          <a:bodyPr wrap="square" rtlCol="0">
-            <a:spAutoFit/>
-          </a:bodyPr>
-          <a:lstStyle/>
-          <a:p>
-            <a:pPr marL="342900" indent="-342900">
-              <a:buFont typeface="Arial" panose="020B0604020202020204" pitchFamily="34" charset="0"/>
-              <a:buChar char="•"/>
-              <a:defRPr/>
-            </a:pPr>
-            <a:r>
-              <a:rPr lang="en-US" altLang="ko-KR" dirty="0" smtClean="0">
-                <a:solidFill>
-                  <a:srgbClr val="292934"/>
-                </a:solidFill>
-                <a:latin typeface="Arial"/>
-                <a:ea typeface="돋움" panose="020B0600000101010101" pitchFamily="50" charset="-127"/>
-              </a:rPr>
-              <a:t>G-matrix equation (with tensor interaction for S=1)</a:t>
-            </a:r>
-            <a:endParaRPr kumimoji="0" lang="en-US" altLang="ko-KR" b="0" i="0" u="none" strike="noStrike" kern="1200" cap="none" spc="0" normalizeH="0" baseline="0" noProof="0" dirty="0" smtClean="0">
-              <a:ln>
-                <a:noFill/>
-              </a:ln>
-              <a:solidFill>
-                <a:srgbClr val="292934"/>
-              </a:solidFill>
-              <a:effectLst/>
-              <a:uLnTx/>
-              <a:uFillTx/>
-              <a:latin typeface="Arial"/>
-              <a:ea typeface="돋움" panose="020B0600000101010101" pitchFamily="50" charset="-127"/>
-              <a:cs typeface="+mn-cs"/>
-            </a:endParaRPr>
-          </a:p>
-        </p:txBody>
-      </p:sp>
       <p:pic>
         <p:nvPicPr>
-          <p:cNvPr id="8" name="그림 7"/>
+          <p:cNvPr id="5" name="그림 4"/>
           <p:cNvPicPr>
             <a:picLocks noChangeAspect="1"/>
           </p:cNvPicPr>
@@ -9682,103 +10028,8 @@
         </p:blipFill>
         <p:spPr>
           <a:xfrm>
-            <a:off x="1928877" y="3520678"/>
-            <a:ext cx="2619741" cy="1076475"/>
-          </a:xfrm>
-          <a:prstGeom prst="rect">
-            <a:avLst/>
-          </a:prstGeom>
-        </p:spPr>
-      </p:pic>
-      <p:pic>
-        <p:nvPicPr>
-          <p:cNvPr id="9" name="그림 8"/>
-          <p:cNvPicPr>
-            <a:picLocks noChangeAspect="1"/>
-          </p:cNvPicPr>
-          <p:nvPr/>
-        </p:nvPicPr>
-        <p:blipFill>
-          <a:blip r:embed="rId4"/>
-          <a:stretch>
-            <a:fillRect/>
-          </a:stretch>
-        </p:blipFill>
-        <p:spPr>
-          <a:xfrm>
-            <a:off x="1629430" y="4834865"/>
-            <a:ext cx="3305314" cy="934110"/>
-          </a:xfrm>
-          <a:prstGeom prst="rect">
-            <a:avLst/>
-          </a:prstGeom>
-        </p:spPr>
-      </p:pic>
-      <p:sp>
-        <p:nvSpPr>
-          <p:cNvPr id="10" name="TextBox 9"/>
-          <p:cNvSpPr txBox="1"/>
-          <p:nvPr/>
-        </p:nvSpPr>
-        <p:spPr>
-          <a:xfrm>
-            <a:off x="672958" y="5779268"/>
-            <a:ext cx="8532812" cy="382412"/>
-          </a:xfrm>
-          <a:prstGeom prst="rect">
-            <a:avLst/>
-          </a:prstGeom>
-          <a:noFill/>
-        </p:spPr>
-        <p:txBody>
-          <a:bodyPr wrap="square" rtlCol="0">
-            <a:spAutoFit/>
-          </a:bodyPr>
-          <a:lstStyle/>
-          <a:p>
-            <a:pPr marL="342900" indent="-342900">
-              <a:buFont typeface="Arial" panose="020B0604020202020204" pitchFamily="34" charset="0"/>
-              <a:buChar char="•"/>
-              <a:defRPr/>
-            </a:pPr>
-            <a:r>
-              <a:rPr kumimoji="0" lang="en-US" altLang="ko-KR" b="0" i="0" u="none" strike="noStrike" kern="1200" cap="none" spc="0" normalizeH="0" baseline="0" noProof="0" dirty="0" smtClean="0">
-                <a:ln>
-                  <a:noFill/>
-                </a:ln>
-                <a:solidFill>
-                  <a:srgbClr val="292934"/>
-                </a:solidFill>
-                <a:effectLst/>
-                <a:uLnTx/>
-                <a:uFillTx/>
-                <a:latin typeface="Arial"/>
-                <a:ea typeface="돋움" panose="020B0600000101010101" pitchFamily="50" charset="-127"/>
-                <a:cs typeface="+mn-cs"/>
-              </a:rPr>
-              <a:t>G-matrix can be obtained by matrix inversion</a:t>
-            </a:r>
-          </a:p>
-        </p:txBody>
-      </p:sp>
-      <p:pic>
-        <p:nvPicPr>
-          <p:cNvPr id="11" name="그림 10"/>
-          <p:cNvPicPr>
-            <a:picLocks noChangeAspect="1"/>
-          </p:cNvPicPr>
-          <p:nvPr/>
-        </p:nvPicPr>
-        <p:blipFill>
-          <a:blip r:embed="rId5"/>
-          <a:stretch>
-            <a:fillRect/>
-          </a:stretch>
-        </p:blipFill>
-        <p:spPr>
-          <a:xfrm>
-            <a:off x="2145099" y="6207532"/>
-            <a:ext cx="2734057" cy="409632"/>
+            <a:off x="3428865" y="5650992"/>
+            <a:ext cx="6077798" cy="1086002"/>
           </a:xfrm>
           <a:prstGeom prst="rect">
             <a:avLst/>
@@ -9788,7 +10039,7 @@
     </p:spTree>
     <p:extLst>
       <p:ext uri="{BB962C8B-B14F-4D97-AF65-F5344CB8AC3E}">
-        <p14:creationId xmlns:p14="http://schemas.microsoft.com/office/powerpoint/2010/main" val="3281846272"/>
+        <p14:creationId xmlns:p14="http://schemas.microsoft.com/office/powerpoint/2010/main" val="834510718"/>
       </p:ext>
     </p:extLst>
   </p:cSld>
@@ -9847,7 +10098,7 @@
         <p:spPr>
           <a:xfrm>
             <a:off x="668338" y="1560948"/>
-            <a:ext cx="8532812" cy="5313762"/>
+            <a:ext cx="8532812" cy="4935967"/>
           </a:xfrm>
           <a:prstGeom prst="rect">
             <a:avLst/>
@@ -9995,26 +10246,6 @@
               </a:rPr>
               <a:t>Many-body perturbation theory does not converge well.</a:t>
             </a:r>
-            <a:endParaRPr kumimoji="0" lang="en-US" altLang="ko-KR" b="0" i="0" u="none" strike="noStrike" kern="1200" cap="none" spc="0" normalizeH="0" baseline="0" noProof="0" dirty="0" smtClean="0">
-              <a:ln>
-                <a:noFill/>
-              </a:ln>
-              <a:solidFill>
-                <a:srgbClr val="292934"/>
-              </a:solidFill>
-              <a:effectLst/>
-              <a:uLnTx/>
-              <a:uFillTx/>
-              <a:latin typeface="Arial"/>
-              <a:ea typeface="돋움" panose="020B0600000101010101" pitchFamily="50" charset="-127"/>
-              <a:cs typeface="+mn-cs"/>
-            </a:endParaRPr>
-          </a:p>
-          <a:p>
-            <a:pPr marL="821819" lvl="1" indent="-342900">
-              <a:buFont typeface="Arial" panose="020B0604020202020204" pitchFamily="34" charset="0"/>
-              <a:buChar char="•"/>
-            </a:pPr>
             <a:endParaRPr lang="en-US" altLang="ko-KR" dirty="0">
               <a:solidFill>
                 <a:srgbClr val="292934"/>
@@ -10206,7 +10437,7 @@
                 <a:latin typeface="Arial"/>
                 <a:ea typeface="돋움" panose="020B0600000101010101" pitchFamily="50" charset="-127"/>
               </a:rPr>
-              <a:t>Most likely, some code may be already available. (But, I could not find.)</a:t>
+              <a:t>Most likely, some code to solve BHF in nuclear matter may be available. </a:t>
             </a:r>
           </a:p>
           <a:p>
@@ -10219,7 +10450,7 @@
                 <a:latin typeface="Arial"/>
                 <a:ea typeface="돋움" panose="020B0600000101010101" pitchFamily="50" charset="-127"/>
               </a:rPr>
-              <a:t>I determined to write </a:t>
+              <a:t>I decided to write </a:t>
             </a:r>
             <a:r>
               <a:rPr lang="en-US" altLang="ko-KR" dirty="0" smtClean="0">
@@ -10229,14 +10460,7 @@
                 <a:latin typeface="Arial"/>
                 <a:ea typeface="돋움" panose="020B0600000101010101" pitchFamily="50" charset="-127"/>
               </a:rPr>
-              <a:t>my own code </a:t>
-            </a:r>
-            <a:r>
-              <a:rPr lang="en-US" altLang="ko-KR" dirty="0" smtClean="0">
-                <a:latin typeface="Arial"/>
-                <a:ea typeface="돋움" panose="020B0600000101010101" pitchFamily="50" charset="-127"/>
-              </a:rPr>
-              <a:t>to solve BHF in nuclear matter.</a:t>
+              <a:t>my own code which is easy to understand. </a:t>
             </a:r>
           </a:p>
           <a:p>
@@ -10426,15 +10650,69 @@
           <a:p>
             <a:r>
               <a:rPr lang="en-US" dirty="0" smtClean="0"/>
-              <a:t>U(p) from g-matrix</a:t>
+              <a:t>Solve g-matrix</a:t>
             </a:r>
             <a:endParaRPr lang="en-US" dirty="0"/>
+          </a:p>
+        </p:txBody>
+      </p:sp>
+      <p:sp>
+        <p:nvSpPr>
+          <p:cNvPr id="4" name="TextBox 3"/>
+          <p:cNvSpPr txBox="1"/>
+          <p:nvPr/>
+        </p:nvSpPr>
+        <p:spPr>
+          <a:xfrm>
+            <a:off x="668338" y="1699491"/>
+            <a:ext cx="8532812" cy="382412"/>
+          </a:xfrm>
+          <a:prstGeom prst="rect">
+            <a:avLst/>
+          </a:prstGeom>
+          <a:noFill/>
+        </p:spPr>
+        <p:txBody>
+          <a:bodyPr wrap="square" rtlCol="0">
+            <a:spAutoFit/>
+          </a:bodyPr>
+          <a:lstStyle/>
+          <a:p>
+            <a:pPr marL="342900" indent="-342900">
+              <a:buFont typeface="Arial" panose="020B0604020202020204" pitchFamily="34" charset="0"/>
+              <a:buChar char="•"/>
+              <a:defRPr/>
+            </a:pPr>
+            <a:r>
+              <a:rPr lang="en-US" altLang="ko-KR" dirty="0" smtClean="0">
+                <a:solidFill>
+                  <a:srgbClr val="292934"/>
+                </a:solidFill>
+                <a:latin typeface="Arial"/>
+                <a:ea typeface="돋움" panose="020B0600000101010101" pitchFamily="50" charset="-127"/>
+              </a:rPr>
+              <a:t>G-matrix equation (with out tensor interaction)</a:t>
+            </a:r>
+            <a:endParaRPr kumimoji="0" lang="en-US" altLang="ko-KR" b="0" i="0" u="none" strike="noStrike" kern="1200" cap="none" spc="0" normalizeH="0" baseline="0" noProof="0" dirty="0" smtClean="0">
+              <a:ln>
+                <a:noFill/>
+              </a:ln>
+              <a:solidFill>
+                <a:srgbClr val="292934"/>
+              </a:solidFill>
+              <a:effectLst/>
+              <a:uLnTx/>
+              <a:uFillTx/>
+              <a:latin typeface="Arial"/>
+              <a:ea typeface="돋움" panose="020B0600000101010101" pitchFamily="50" charset="-127"/>
+              <a:cs typeface="+mn-cs"/>
+            </a:endParaRPr>
           </a:p>
         </p:txBody>
       </p:sp>
       <p:pic>
         <p:nvPicPr>
-          <p:cNvPr id="3" name="그림 2"/>
+          <p:cNvPr id="6" name="그림 5"/>
           <p:cNvPicPr>
             <a:picLocks noChangeAspect="1"/>
           </p:cNvPicPr>
@@ -10448,17 +10726,71 @@
         </p:blipFill>
         <p:spPr>
           <a:xfrm>
-            <a:off x="611188" y="2340724"/>
-            <a:ext cx="4140041" cy="699407"/>
+            <a:off x="1782176" y="2257394"/>
+            <a:ext cx="2766442" cy="778062"/>
           </a:xfrm>
           <a:prstGeom prst="rect">
             <a:avLst/>
           </a:prstGeom>
         </p:spPr>
       </p:pic>
+      <p:sp>
+        <p:nvSpPr>
+          <p:cNvPr id="7" name="TextBox 6"/>
+          <p:cNvSpPr txBox="1"/>
+          <p:nvPr/>
+        </p:nvSpPr>
+        <p:spPr>
+          <a:xfrm>
+            <a:off x="668338" y="3086861"/>
+            <a:ext cx="8532812" cy="382412"/>
+          </a:xfrm>
+          <a:prstGeom prst="rect">
+            <a:avLst/>
+          </a:prstGeom>
+          <a:noFill/>
+        </p:spPr>
+        <p:txBody>
+          <a:bodyPr wrap="square" rtlCol="0">
+            <a:spAutoFit/>
+          </a:bodyPr>
+          <a:lstStyle/>
+          <a:p>
+            <a:pPr marL="342900" indent="-342900">
+              <a:buFont typeface="Arial" panose="020B0604020202020204" pitchFamily="34" charset="0"/>
+              <a:buChar char="•"/>
+              <a:defRPr/>
+            </a:pPr>
+            <a:r>
+              <a:rPr lang="en-US" altLang="ko-KR" dirty="0" smtClean="0">
+                <a:solidFill>
+                  <a:srgbClr val="292934"/>
+                </a:solidFill>
+                <a:latin typeface="Arial"/>
+                <a:ea typeface="돋움" panose="020B0600000101010101" pitchFamily="50" charset="-127"/>
+              </a:rPr>
+              <a:t>G-matrix equation (with tensor interaction for S=1)</a:t>
+            </a:r>
+            <a:endParaRPr kumimoji="0" lang="en-US" altLang="ko-KR" b="0" i="0" u="none" strike="noStrike" kern="1200" cap="none" spc="0" normalizeH="0" baseline="0" noProof="0" dirty="0" smtClean="0">
+              <a:ln>
+                <a:noFill/>
+              </a:ln>
+              <a:solidFill>
+                <a:srgbClr val="292934"/>
+              </a:solidFill>
+              <a:effectLst/>
+              <a:uLnTx/>
+              <a:uFillTx/>
+              <a:latin typeface="Arial"/>
+              <a:ea typeface="돋움" panose="020B0600000101010101" pitchFamily="50" charset="-127"/>
+              <a:cs typeface="+mn-cs"/>
+            </a:endParaRPr>
+          </a:p>
+        </p:txBody>
+      </p:sp>
       <p:pic>
         <p:nvPicPr>
-          <p:cNvPr id="5" name="그림 4"/>
+          <p:cNvPr id="8" name="그림 7"/>
           <p:cNvPicPr>
             <a:picLocks noChangeAspect="1"/>
           </p:cNvPicPr>
@@ -10472,8 +10804,8 @@
         </p:blipFill>
         <p:spPr>
           <a:xfrm>
-            <a:off x="5723545" y="2403447"/>
-            <a:ext cx="2886478" cy="352474"/>
+            <a:off x="1928877" y="3520678"/>
+            <a:ext cx="2619741" cy="1076475"/>
           </a:xfrm>
           <a:prstGeom prst="rect">
             <a:avLst/>
@@ -10482,7 +10814,7 @@
       </p:pic>
       <p:pic>
         <p:nvPicPr>
-          <p:cNvPr id="12" name="그림 11"/>
+          <p:cNvPr id="9" name="그림 8"/>
           <p:cNvPicPr>
             <a:picLocks noChangeAspect="1"/>
           </p:cNvPicPr>
@@ -10496,8 +10828,8 @@
         </p:blipFill>
         <p:spPr>
           <a:xfrm>
-            <a:off x="5129186" y="2848484"/>
-            <a:ext cx="4505954" cy="495369"/>
+            <a:off x="1629430" y="4834865"/>
+            <a:ext cx="3305314" cy="934110"/>
           </a:xfrm>
           <a:prstGeom prst="rect">
             <a:avLst/>
@@ -10506,14 +10838,14 @@
       </p:pic>
       <p:sp>
         <p:nvSpPr>
-          <p:cNvPr id="13" name="TextBox 12"/>
+          <p:cNvPr id="10" name="TextBox 9"/>
           <p:cNvSpPr txBox="1"/>
           <p:nvPr/>
         </p:nvSpPr>
         <p:spPr>
           <a:xfrm>
-            <a:off x="668338" y="1671782"/>
-            <a:ext cx="7191807" cy="382412"/>
+            <a:off x="672958" y="5779268"/>
+            <a:ext cx="8532812" cy="382412"/>
           </a:xfrm>
           <a:prstGeom prst="rect">
             <a:avLst/>
@@ -10526,25 +10858,34 @@
           </a:bodyPr>
           <a:lstStyle/>
           <a:p>
-            <a:r>
-              <a:rPr lang="en-US" dirty="0" smtClean="0"/>
-              <a:t>For particular </a:t>
-            </a:r>
-            <a:r>
-              <a:rPr lang="en-US" dirty="0" err="1" smtClean="0"/>
-              <a:t>s.p</a:t>
-            </a:r>
-            <a:r>
-              <a:rPr lang="en-US" dirty="0" smtClean="0"/>
-              <a:t>. momentum  </a:t>
-            </a:r>
-            <a:endParaRPr lang="en-US" dirty="0"/>
+            <a:pPr marL="342900" indent="-342900">
+              <a:buFont typeface="Arial" panose="020B0604020202020204" pitchFamily="34" charset="0"/>
+              <a:buChar char="•"/>
+              <a:defRPr/>
+            </a:pPr>
+            <a:r>
+              <a:rPr kumimoji="0" lang="en-US" altLang="ko-KR" b="0" i="0" u="none" strike="noStrike" kern="1200" cap="none" spc="0" normalizeH="0" baseline="0" noProof="0" dirty="0" smtClean="0">
+                <a:ln>
+                  <a:noFill/>
+                </a:ln>
+                <a:solidFill>
+                  <a:srgbClr val="292934"/>
+                </a:solidFill>
+                <a:effectLst/>
+                <a:uLnTx/>
+                <a:uFillTx/>
+                <a:latin typeface="Arial"/>
+                <a:ea typeface="돋움" panose="020B0600000101010101" pitchFamily="50" charset="-127"/>
+                <a:cs typeface="+mn-cs"/>
+              </a:rPr>
+              <a:t>G-matrix can be obtained by matrix inversion</a:t>
+            </a:r>
           </a:p>
         </p:txBody>
       </p:sp>
       <p:pic>
         <p:nvPicPr>
-          <p:cNvPr id="14" name="그림 13"/>
+          <p:cNvPr id="11" name="그림 10"/>
           <p:cNvPicPr>
             <a:picLocks noChangeAspect="1"/>
           </p:cNvPicPr>
@@ -10558,96 +10899,18 @@
         </p:blipFill>
         <p:spPr>
           <a:xfrm>
-            <a:off x="4953000" y="3495714"/>
-            <a:ext cx="4112379" cy="899583"/>
+            <a:off x="2145099" y="6207532"/>
+            <a:ext cx="2734057" cy="409632"/>
           </a:xfrm>
           <a:prstGeom prst="rect">
             <a:avLst/>
           </a:prstGeom>
         </p:spPr>
       </p:pic>
-      <p:pic>
-        <p:nvPicPr>
-          <p:cNvPr id="15" name="그림 14"/>
-          <p:cNvPicPr>
-            <a:picLocks noChangeAspect="1"/>
-          </p:cNvPicPr>
-          <p:nvPr/>
-        </p:nvPicPr>
-        <p:blipFill>
-          <a:blip r:embed="rId6"/>
-          <a:stretch>
-            <a:fillRect/>
-          </a:stretch>
-        </p:blipFill>
-        <p:spPr>
-          <a:xfrm>
-            <a:off x="800142" y="4577497"/>
-            <a:ext cx="5077534" cy="609685"/>
-          </a:xfrm>
-          <a:prstGeom prst="rect">
-            <a:avLst/>
-          </a:prstGeom>
-        </p:spPr>
-      </p:pic>
-      <p:pic>
-        <p:nvPicPr>
-          <p:cNvPr id="16" name="그림 15"/>
-          <p:cNvPicPr>
-            <a:picLocks noChangeAspect="1"/>
-          </p:cNvPicPr>
-          <p:nvPr/>
-        </p:nvPicPr>
-        <p:blipFill>
-          <a:blip r:embed="rId7"/>
-          <a:stretch>
-            <a:fillRect/>
-          </a:stretch>
-        </p:blipFill>
-        <p:spPr>
-          <a:xfrm>
-            <a:off x="2681208" y="5369382"/>
-            <a:ext cx="6877004" cy="1094846"/>
-          </a:xfrm>
-          <a:prstGeom prst="rect">
-            <a:avLst/>
-          </a:prstGeom>
-        </p:spPr>
-      </p:pic>
-      <p:sp>
-        <p:nvSpPr>
-          <p:cNvPr id="17" name="TextBox 16"/>
-          <p:cNvSpPr txBox="1"/>
-          <p:nvPr/>
-        </p:nvSpPr>
-        <p:spPr>
-          <a:xfrm>
-            <a:off x="83127" y="5563434"/>
-            <a:ext cx="2503055" cy="672492"/>
-          </a:xfrm>
-          <a:prstGeom prst="rect">
-            <a:avLst/>
-          </a:prstGeom>
-          <a:noFill/>
-        </p:spPr>
-        <p:txBody>
-          <a:bodyPr wrap="square" rtlCol="0">
-            <a:spAutoFit/>
-          </a:bodyPr>
-          <a:lstStyle/>
-          <a:p>
-            <a:r>
-              <a:rPr lang="en-US" dirty="0" smtClean="0"/>
-              <a:t>Range of integration are constrained.</a:t>
-            </a:r>
-            <a:endParaRPr lang="en-US" dirty="0"/>
-          </a:p>
-        </p:txBody>
-      </p:sp>
     </p:spTree>
     <p:extLst>
       <p:ext uri="{BB962C8B-B14F-4D97-AF65-F5344CB8AC3E}">
-        <p14:creationId xmlns:p14="http://schemas.microsoft.com/office/powerpoint/2010/main" val="3916167049"/>
+        <p14:creationId xmlns:p14="http://schemas.microsoft.com/office/powerpoint/2010/main" val="3281846272"/>
       </p:ext>
     </p:extLst>
   </p:cSld>
@@ -10697,47 +10960,9 @@
           </a:p>
         </p:txBody>
       </p:sp>
-      <p:sp>
-        <p:nvSpPr>
-          <p:cNvPr id="13" name="TextBox 12"/>
-          <p:cNvSpPr txBox="1"/>
-          <p:nvPr/>
-        </p:nvSpPr>
-        <p:spPr>
-          <a:xfrm>
-            <a:off x="668338" y="1671782"/>
-            <a:ext cx="7191807" cy="382412"/>
-          </a:xfrm>
-          <a:prstGeom prst="rect">
-            <a:avLst/>
-          </a:prstGeom>
-          <a:noFill/>
-        </p:spPr>
-        <p:txBody>
-          <a:bodyPr wrap="square" rtlCol="0">
-            <a:spAutoFit/>
-          </a:bodyPr>
-          <a:lstStyle/>
-          <a:p>
-            <a:r>
-              <a:rPr lang="en-US" dirty="0" smtClean="0"/>
-              <a:t>For particular </a:t>
-            </a:r>
-            <a:r>
-              <a:rPr lang="en-US" dirty="0" err="1" smtClean="0"/>
-              <a:t>s.p</a:t>
-            </a:r>
-            <a:r>
-              <a:rPr lang="en-US" dirty="0" smtClean="0"/>
-              <a:t>. momentum  </a:t>
-            </a:r>
-            <a:endParaRPr lang="en-US" dirty="0"/>
-          </a:p>
-        </p:txBody>
-      </p:sp>
       <p:pic>
         <p:nvPicPr>
-          <p:cNvPr id="15" name="그림 14"/>
+          <p:cNvPr id="3" name="그림 2"/>
           <p:cNvPicPr>
             <a:picLocks noChangeAspect="1"/>
           </p:cNvPicPr>
@@ -10751,47 +10976,17 @@
         </p:blipFill>
         <p:spPr>
           <a:xfrm>
-            <a:off x="781669" y="2201976"/>
-            <a:ext cx="5077534" cy="609685"/>
+            <a:off x="611188" y="2340724"/>
+            <a:ext cx="4140041" cy="699407"/>
           </a:xfrm>
           <a:prstGeom prst="rect">
             <a:avLst/>
           </a:prstGeom>
         </p:spPr>
       </p:pic>
-      <p:sp>
-        <p:nvSpPr>
-          <p:cNvPr id="6" name="TextBox 5"/>
-          <p:cNvSpPr txBox="1"/>
-          <p:nvPr/>
-        </p:nvSpPr>
-        <p:spPr>
-          <a:xfrm>
-            <a:off x="668338" y="3038764"/>
-            <a:ext cx="7117917" cy="382412"/>
-          </a:xfrm>
-          <a:prstGeom prst="rect">
-            <a:avLst/>
-          </a:prstGeom>
-          <a:noFill/>
-        </p:spPr>
-        <p:txBody>
-          <a:bodyPr wrap="square" rtlCol="0">
-            <a:spAutoFit/>
-          </a:bodyPr>
-          <a:lstStyle/>
-          <a:p>
-            <a:r>
-              <a:rPr lang="en-US" dirty="0" smtClean="0"/>
-              <a:t>average CM momentum approximation</a:t>
-            </a:r>
-            <a:endParaRPr lang="en-US" dirty="0"/>
-          </a:p>
-        </p:txBody>
-      </p:sp>
       <p:pic>
         <p:nvPicPr>
-          <p:cNvPr id="7" name="그림 6"/>
+          <p:cNvPr id="5" name="그림 4"/>
           <p:cNvPicPr>
             <a:picLocks noChangeAspect="1"/>
           </p:cNvPicPr>
@@ -10805,8 +11000,8 @@
         </p:blipFill>
         <p:spPr>
           <a:xfrm>
-            <a:off x="888988" y="3496047"/>
-            <a:ext cx="6373114" cy="838317"/>
+            <a:off x="5723545" y="2403447"/>
+            <a:ext cx="2886478" cy="352474"/>
           </a:xfrm>
           <a:prstGeom prst="rect">
             <a:avLst/>
@@ -10815,7 +11010,7 @@
       </p:pic>
       <p:pic>
         <p:nvPicPr>
-          <p:cNvPr id="8" name="그림 7"/>
+          <p:cNvPr id="12" name="그림 11"/>
           <p:cNvPicPr>
             <a:picLocks noChangeAspect="1"/>
           </p:cNvPicPr>
@@ -10829,17 +11024,55 @@
         </p:blipFill>
         <p:spPr>
           <a:xfrm>
-            <a:off x="888988" y="4405746"/>
-            <a:ext cx="5839640" cy="1162212"/>
+            <a:off x="5129186" y="2848484"/>
+            <a:ext cx="4505954" cy="495369"/>
           </a:xfrm>
           <a:prstGeom prst="rect">
             <a:avLst/>
           </a:prstGeom>
         </p:spPr>
       </p:pic>
+      <p:sp>
+        <p:nvSpPr>
+          <p:cNvPr id="13" name="TextBox 12"/>
+          <p:cNvSpPr txBox="1"/>
+          <p:nvPr/>
+        </p:nvSpPr>
+        <p:spPr>
+          <a:xfrm>
+            <a:off x="668338" y="1671782"/>
+            <a:ext cx="7191807" cy="382412"/>
+          </a:xfrm>
+          <a:prstGeom prst="rect">
+            <a:avLst/>
+          </a:prstGeom>
+          <a:noFill/>
+        </p:spPr>
+        <p:txBody>
+          <a:bodyPr wrap="square" rtlCol="0">
+            <a:spAutoFit/>
+          </a:bodyPr>
+          <a:lstStyle/>
+          <a:p>
+            <a:r>
+              <a:rPr lang="en-US" dirty="0" smtClean="0"/>
+              <a:t>For particular </a:t>
+            </a:r>
+            <a:r>
+              <a:rPr lang="en-US" dirty="0" err="1" smtClean="0"/>
+              <a:t>s.p</a:t>
+            </a:r>
+            <a:r>
+              <a:rPr lang="en-US" dirty="0" smtClean="0"/>
+              <a:t>. momentum  </a:t>
+            </a:r>
+            <a:endParaRPr lang="en-US" dirty="0"/>
+          </a:p>
+        </p:txBody>
+      </p:sp>
       <p:pic>
         <p:nvPicPr>
-          <p:cNvPr id="9" name="그림 8"/>
+          <p:cNvPr id="14" name="그림 13"/>
           <p:cNvPicPr>
             <a:picLocks noChangeAspect="1"/>
           </p:cNvPicPr>
@@ -10853,18 +11086,96 @@
         </p:blipFill>
         <p:spPr>
           <a:xfrm>
-            <a:off x="1517725" y="5639340"/>
-            <a:ext cx="5115639" cy="905001"/>
+            <a:off x="4953000" y="3495714"/>
+            <a:ext cx="4112379" cy="899583"/>
           </a:xfrm>
           <a:prstGeom prst="rect">
             <a:avLst/>
           </a:prstGeom>
         </p:spPr>
       </p:pic>
+      <p:pic>
+        <p:nvPicPr>
+          <p:cNvPr id="15" name="그림 14"/>
+          <p:cNvPicPr>
+            <a:picLocks noChangeAspect="1"/>
+          </p:cNvPicPr>
+          <p:nvPr/>
+        </p:nvPicPr>
+        <p:blipFill>
+          <a:blip r:embed="rId6"/>
+          <a:stretch>
+            <a:fillRect/>
+          </a:stretch>
+        </p:blipFill>
+        <p:spPr>
+          <a:xfrm>
+            <a:off x="800142" y="4577497"/>
+            <a:ext cx="5077534" cy="609685"/>
+          </a:xfrm>
+          <a:prstGeom prst="rect">
+            <a:avLst/>
+          </a:prstGeom>
+        </p:spPr>
+      </p:pic>
+      <p:pic>
+        <p:nvPicPr>
+          <p:cNvPr id="16" name="그림 15"/>
+          <p:cNvPicPr>
+            <a:picLocks noChangeAspect="1"/>
+          </p:cNvPicPr>
+          <p:nvPr/>
+        </p:nvPicPr>
+        <p:blipFill>
+          <a:blip r:embed="rId7"/>
+          <a:stretch>
+            <a:fillRect/>
+          </a:stretch>
+        </p:blipFill>
+        <p:spPr>
+          <a:xfrm>
+            <a:off x="2681208" y="5369382"/>
+            <a:ext cx="6877004" cy="1094846"/>
+          </a:xfrm>
+          <a:prstGeom prst="rect">
+            <a:avLst/>
+          </a:prstGeom>
+        </p:spPr>
+      </p:pic>
+      <p:sp>
+        <p:nvSpPr>
+          <p:cNvPr id="17" name="TextBox 16"/>
+          <p:cNvSpPr txBox="1"/>
+          <p:nvPr/>
+        </p:nvSpPr>
+        <p:spPr>
+          <a:xfrm>
+            <a:off x="83127" y="5563434"/>
+            <a:ext cx="2503055" cy="672492"/>
+          </a:xfrm>
+          <a:prstGeom prst="rect">
+            <a:avLst/>
+          </a:prstGeom>
+          <a:noFill/>
+        </p:spPr>
+        <p:txBody>
+          <a:bodyPr wrap="square" rtlCol="0">
+            <a:spAutoFit/>
+          </a:bodyPr>
+          <a:lstStyle/>
+          <a:p>
+            <a:r>
+              <a:rPr lang="en-US" dirty="0" smtClean="0"/>
+              <a:t>Range of integration are constrained.</a:t>
+            </a:r>
+            <a:endParaRPr lang="en-US" dirty="0"/>
+          </a:p>
+        </p:txBody>
+      </p:sp>
     </p:spTree>
     <p:extLst>
       <p:ext uri="{BB962C8B-B14F-4D97-AF65-F5344CB8AC3E}">
-        <p14:creationId xmlns:p14="http://schemas.microsoft.com/office/powerpoint/2010/main" val="3150360148"/>
+        <p14:creationId xmlns:p14="http://schemas.microsoft.com/office/powerpoint/2010/main" val="3916167049"/>
       </p:ext>
     </p:extLst>
   </p:cSld>
@@ -10908,7 +11219,45 @@
           <a:p>
             <a:r>
               <a:rPr lang="en-US" dirty="0" smtClean="0"/>
-              <a:t>Algorithm</a:t>
+              <a:t>U(p) from g-matrix</a:t>
+            </a:r>
+            <a:endParaRPr lang="en-US" dirty="0"/>
+          </a:p>
+        </p:txBody>
+      </p:sp>
+      <p:sp>
+        <p:nvSpPr>
+          <p:cNvPr id="13" name="TextBox 12"/>
+          <p:cNvSpPr txBox="1"/>
+          <p:nvPr/>
+        </p:nvSpPr>
+        <p:spPr>
+          <a:xfrm>
+            <a:off x="668338" y="1671782"/>
+            <a:ext cx="7191807" cy="382412"/>
+          </a:xfrm>
+          <a:prstGeom prst="rect">
+            <a:avLst/>
+          </a:prstGeom>
+          <a:noFill/>
+        </p:spPr>
+        <p:txBody>
+          <a:bodyPr wrap="square" rtlCol="0">
+            <a:spAutoFit/>
+          </a:bodyPr>
+          <a:lstStyle/>
+          <a:p>
+            <a:r>
+              <a:rPr lang="en-US" dirty="0" smtClean="0"/>
+              <a:t>For particular </a:t>
+            </a:r>
+            <a:r>
+              <a:rPr lang="en-US" dirty="0" err="1" smtClean="0"/>
+              <a:t>s.p</a:t>
+            </a:r>
+            <a:r>
+              <a:rPr lang="en-US" dirty="0" smtClean="0"/>
+              <a:t>. momentum  </a:t>
             </a:r>
             <a:endParaRPr lang="en-US" dirty="0"/>
           </a:p>
@@ -10916,7 +11265,7 @@
       </p:sp>
       <p:pic>
         <p:nvPicPr>
-          <p:cNvPr id="8" name="그림 7"/>
+          <p:cNvPr id="15" name="그림 14"/>
           <p:cNvPicPr>
             <a:picLocks noChangeAspect="1"/>
           </p:cNvPicPr>
@@ -10930,8 +11279,8 @@
         </p:blipFill>
         <p:spPr>
           <a:xfrm>
-            <a:off x="990588" y="3849102"/>
-            <a:ext cx="5123884" cy="1019761"/>
+            <a:off x="781669" y="2201976"/>
+            <a:ext cx="5077534" cy="609685"/>
           </a:xfrm>
           <a:prstGeom prst="rect">
             <a:avLst/>
@@ -10940,14 +11289,14 @@
       </p:pic>
       <p:sp>
         <p:nvSpPr>
-          <p:cNvPr id="3" name="TextBox 2"/>
+          <p:cNvPr id="6" name="TextBox 5"/>
           <p:cNvSpPr txBox="1"/>
           <p:nvPr/>
         </p:nvSpPr>
         <p:spPr>
           <a:xfrm>
-            <a:off x="668338" y="1592263"/>
-            <a:ext cx="8466426" cy="2122889"/>
+            <a:off x="668338" y="3038764"/>
+            <a:ext cx="7117917" cy="382412"/>
           </a:xfrm>
           <a:prstGeom prst="rect">
             <a:avLst/>
@@ -10960,106 +11309,9 @@
           </a:bodyPr>
           <a:lstStyle/>
           <a:p>
-            <a:pPr marL="457200" indent="-457200">
-              <a:buAutoNum type="arabicParenBoth"/>
-            </a:pPr>
             <a:r>
               <a:rPr lang="en-US" dirty="0" smtClean="0"/>
-              <a:t>Choose interested values of U(</a:t>
-            </a:r>
-            <a:r>
-              <a:rPr lang="en-US" dirty="0" err="1" smtClean="0"/>
-              <a:t>p_i</a:t>
-            </a:r>
-            <a:r>
-              <a:rPr lang="en-US" dirty="0" smtClean="0"/>
-              <a:t>) </a:t>
-            </a:r>
-          </a:p>
-          <a:p>
-            <a:pPr marL="457200" indent="-457200">
-              <a:buAutoNum type="arabicParenBoth"/>
-            </a:pPr>
-            <a:r>
-              <a:rPr lang="en-US" dirty="0" smtClean="0"/>
-              <a:t>Start with initial U(</a:t>
-            </a:r>
-            <a:r>
-              <a:rPr lang="en-US" dirty="0" err="1" smtClean="0"/>
-              <a:t>p_i</a:t>
-            </a:r>
-            <a:r>
-              <a:rPr lang="en-US" dirty="0" smtClean="0"/>
-              <a:t>) </a:t>
-            </a:r>
-            <a:r>
-              <a:rPr lang="en-US" dirty="0" smtClean="0">
-                <a:sym typeface="Wingdings" panose="05000000000000000000" pitchFamily="2" charset="2"/>
-              </a:rPr>
-              <a:t> compute </a:t>
-            </a:r>
-            <a:r>
-              <a:rPr lang="en-US" dirty="0" err="1" smtClean="0">
-                <a:sym typeface="Wingdings" panose="05000000000000000000" pitchFamily="2" charset="2"/>
-              </a:rPr>
-              <a:t>e_i</a:t>
-            </a:r>
-            <a:endParaRPr lang="en-US" dirty="0" smtClean="0">
-              <a:sym typeface="Wingdings" panose="05000000000000000000" pitchFamily="2" charset="2"/>
-            </a:endParaRPr>
-          </a:p>
-          <a:p>
-            <a:r>
-              <a:rPr lang="en-US" dirty="0">
-                <a:sym typeface="Wingdings" panose="05000000000000000000" pitchFamily="2" charset="2"/>
-              </a:rPr>
-              <a:t> </a:t>
-            </a:r>
-            <a:r>
-              <a:rPr lang="en-US" dirty="0" smtClean="0">
-                <a:sym typeface="Wingdings" panose="05000000000000000000" pitchFamily="2" charset="2"/>
-              </a:rPr>
-              <a:t>      (effective mass method, start with initial two parameters)</a:t>
-            </a:r>
-          </a:p>
-          <a:p>
-            <a:pPr marL="457200" indent="-457200">
-              <a:buAutoNum type="arabicParenBoth" startAt="3"/>
-            </a:pPr>
-            <a:r>
-              <a:rPr lang="en-US" dirty="0" smtClean="0">
-                <a:sym typeface="Wingdings" panose="05000000000000000000" pitchFamily="2" charset="2"/>
-              </a:rPr>
-              <a:t>Compute g-matrix</a:t>
-            </a:r>
-          </a:p>
-          <a:p>
-            <a:pPr marL="457200" indent="-457200">
-              <a:buAutoNum type="arabicParenBoth" startAt="3"/>
-            </a:pPr>
-            <a:r>
-              <a:rPr lang="en-US" dirty="0" smtClean="0">
-                <a:sym typeface="Wingdings" panose="05000000000000000000" pitchFamily="2" charset="2"/>
-              </a:rPr>
-              <a:t>calculate U(p) from obtained g-matrix</a:t>
-            </a:r>
-          </a:p>
-          <a:p>
-            <a:pPr marL="457200" indent="-457200">
-              <a:buAutoNum type="arabicParenBoth" startAt="3"/>
-            </a:pPr>
-            <a:r>
-              <a:rPr lang="en-US" dirty="0" smtClean="0"/>
-              <a:t>Check convergence of U(p) or e(p) </a:t>
-            </a:r>
-          </a:p>
-          <a:p>
-            <a:pPr marL="457200" indent="-457200">
-              <a:buAutoNum type="arabicParenBoth" startAt="3"/>
-            </a:pPr>
-            <a:r>
-              <a:rPr lang="en-US" dirty="0" smtClean="0"/>
-              <a:t>If not converged, repeat from (3)  </a:t>
+              <a:t>average CM momentum approximation</a:t>
             </a:r>
             <a:endParaRPr lang="en-US" dirty="0"/>
           </a:p>
@@ -11067,7 +11319,7 @@
       </p:sp>
       <p:pic>
         <p:nvPicPr>
-          <p:cNvPr id="5" name="그림 4"/>
+          <p:cNvPr id="7" name="그림 6"/>
           <p:cNvPicPr>
             <a:picLocks noChangeAspect="1"/>
           </p:cNvPicPr>
@@ -11081,8 +11333,56 @@
         </p:blipFill>
         <p:spPr>
           <a:xfrm>
-            <a:off x="862302" y="5002813"/>
-            <a:ext cx="6620799" cy="800212"/>
+            <a:off x="888988" y="3496047"/>
+            <a:ext cx="6373114" cy="838317"/>
+          </a:xfrm>
+          <a:prstGeom prst="rect">
+            <a:avLst/>
+          </a:prstGeom>
+        </p:spPr>
+      </p:pic>
+      <p:pic>
+        <p:nvPicPr>
+          <p:cNvPr id="8" name="그림 7"/>
+          <p:cNvPicPr>
+            <a:picLocks noChangeAspect="1"/>
+          </p:cNvPicPr>
+          <p:nvPr/>
+        </p:nvPicPr>
+        <p:blipFill>
+          <a:blip r:embed="rId4"/>
+          <a:stretch>
+            <a:fillRect/>
+          </a:stretch>
+        </p:blipFill>
+        <p:spPr>
+          <a:xfrm>
+            <a:off x="888988" y="4405746"/>
+            <a:ext cx="5839640" cy="1162212"/>
+          </a:xfrm>
+          <a:prstGeom prst="rect">
+            <a:avLst/>
+          </a:prstGeom>
+        </p:spPr>
+      </p:pic>
+      <p:pic>
+        <p:nvPicPr>
+          <p:cNvPr id="9" name="그림 8"/>
+          <p:cNvPicPr>
+            <a:picLocks noChangeAspect="1"/>
+          </p:cNvPicPr>
+          <p:nvPr/>
+        </p:nvPicPr>
+        <p:blipFill>
+          <a:blip r:embed="rId5"/>
+          <a:stretch>
+            <a:fillRect/>
+          </a:stretch>
+        </p:blipFill>
+        <p:spPr>
+          <a:xfrm>
+            <a:off x="1517725" y="5639340"/>
+            <a:ext cx="5115639" cy="905001"/>
           </a:xfrm>
           <a:prstGeom prst="rect">
             <a:avLst/>
@@ -11092,7 +11392,7 @@
     </p:spTree>
     <p:extLst>
       <p:ext uri="{BB962C8B-B14F-4D97-AF65-F5344CB8AC3E}">
-        <p14:creationId xmlns:p14="http://schemas.microsoft.com/office/powerpoint/2010/main" val="2177846798"/>
+        <p14:creationId xmlns:p14="http://schemas.microsoft.com/office/powerpoint/2010/main" val="3150360148"/>
       </p:ext>
     </p:extLst>
   </p:cSld>
@@ -11136,7 +11436,7 @@
           <a:p>
             <a:r>
               <a:rPr lang="en-US" dirty="0" smtClean="0"/>
-              <a:t>Code</a:t>
+              <a:t>Algorithm</a:t>
             </a:r>
             <a:endParaRPr lang="en-US" dirty="0"/>
           </a:p>
@@ -11144,7 +11444,7 @@
       </p:sp>
       <p:pic>
         <p:nvPicPr>
-          <p:cNvPr id="3" name="그림 2"/>
+          <p:cNvPr id="8" name="그림 7"/>
           <p:cNvPicPr>
             <a:picLocks noChangeAspect="1"/>
           </p:cNvPicPr>
@@ -11158,17 +11458,119 @@
         </p:blipFill>
         <p:spPr>
           <a:xfrm>
-            <a:off x="861991" y="1592263"/>
-            <a:ext cx="2381582" cy="190527"/>
+            <a:off x="951046" y="4012258"/>
+            <a:ext cx="5123884" cy="1019761"/>
           </a:xfrm>
           <a:prstGeom prst="rect">
             <a:avLst/>
           </a:prstGeom>
         </p:spPr>
       </p:pic>
+      <p:sp>
+        <p:nvSpPr>
+          <p:cNvPr id="3" name="TextBox 2"/>
+          <p:cNvSpPr txBox="1"/>
+          <p:nvPr/>
+        </p:nvSpPr>
+        <p:spPr>
+          <a:xfrm>
+            <a:off x="668338" y="1592263"/>
+            <a:ext cx="8466426" cy="2122889"/>
+          </a:xfrm>
+          <a:prstGeom prst="rect">
+            <a:avLst/>
+          </a:prstGeom>
+          <a:noFill/>
+        </p:spPr>
+        <p:txBody>
+          <a:bodyPr wrap="square" rtlCol="0">
+            <a:spAutoFit/>
+          </a:bodyPr>
+          <a:lstStyle/>
+          <a:p>
+            <a:pPr marL="457200" indent="-457200">
+              <a:buAutoNum type="arabicParenBoth"/>
+            </a:pPr>
+            <a:r>
+              <a:rPr lang="en-US" dirty="0" smtClean="0"/>
+              <a:t>Choose interested values of U(p) </a:t>
+            </a:r>
+          </a:p>
+          <a:p>
+            <a:pPr marL="457200" indent="-457200">
+              <a:buAutoNum type="arabicParenBoth"/>
+            </a:pPr>
+            <a:r>
+              <a:rPr lang="en-US" dirty="0" smtClean="0"/>
+              <a:t>Start with initial U(p) </a:t>
+            </a:r>
+            <a:r>
+              <a:rPr lang="en-US" dirty="0" smtClean="0">
+                <a:sym typeface="Wingdings" panose="05000000000000000000" pitchFamily="2" charset="2"/>
+              </a:rPr>
+              <a:t> compute e(p)</a:t>
+            </a:r>
+          </a:p>
+          <a:p>
+            <a:r>
+              <a:rPr lang="en-US" dirty="0">
+                <a:sym typeface="Wingdings" panose="05000000000000000000" pitchFamily="2" charset="2"/>
+              </a:rPr>
+              <a:t> </a:t>
+            </a:r>
+            <a:r>
+              <a:rPr lang="en-US" dirty="0" smtClean="0">
+                <a:sym typeface="Wingdings" panose="05000000000000000000" pitchFamily="2" charset="2"/>
+              </a:rPr>
+              <a:t>      (effective mass method, start with initial two parameters)</a:t>
+            </a:r>
+          </a:p>
+          <a:p>
+            <a:pPr marL="457200" indent="-457200">
+              <a:buAutoNum type="arabicParenBoth" startAt="3"/>
+            </a:pPr>
+            <a:r>
+              <a:rPr lang="en-US" dirty="0" smtClean="0">
+                <a:sym typeface="Wingdings" panose="05000000000000000000" pitchFamily="2" charset="2"/>
+              </a:rPr>
+              <a:t>Compute g-matrix</a:t>
+            </a:r>
+          </a:p>
+          <a:p>
+            <a:pPr marL="457200" indent="-457200">
+              <a:buAutoNum type="arabicParenBoth" startAt="3"/>
+            </a:pPr>
+            <a:r>
+              <a:rPr lang="en-US" dirty="0" smtClean="0">
+                <a:sym typeface="Wingdings" panose="05000000000000000000" pitchFamily="2" charset="2"/>
+              </a:rPr>
+              <a:t>calculate U(p) from obtained g-matrix</a:t>
+            </a:r>
+          </a:p>
+          <a:p>
+            <a:pPr marL="457200" indent="-457200">
+              <a:buAutoNum type="arabicParenBoth" startAt="3"/>
+            </a:pPr>
+            <a:r>
+              <a:rPr lang="en-US" dirty="0" smtClean="0"/>
+              <a:t>Check convergence of U(p) or e(p) </a:t>
+            </a:r>
+          </a:p>
+          <a:p>
+            <a:pPr marL="457200" indent="-457200">
+              <a:buAutoNum type="arabicParenBoth" startAt="3"/>
+            </a:pPr>
+            <a:r>
+              <a:rPr lang="en-US" dirty="0" smtClean="0"/>
+              <a:t>If not converged, repeat from (3) updating U(p)  or effective mass</a:t>
+            </a:r>
+            <a:endParaRPr lang="en-US" dirty="0"/>
+          </a:p>
+        </p:txBody>
+      </p:sp>
       <p:pic>
         <p:nvPicPr>
-          <p:cNvPr id="4" name="그림 3"/>
+          <p:cNvPr id="5" name="그림 4"/>
           <p:cNvPicPr>
             <a:picLocks noChangeAspect="1"/>
           </p:cNvPicPr>
@@ -11182,96 +11584,18 @@
         </p:blipFill>
         <p:spPr>
           <a:xfrm>
-            <a:off x="861991" y="1851053"/>
-            <a:ext cx="3391373" cy="181000"/>
+            <a:off x="951046" y="5329126"/>
+            <a:ext cx="6620799" cy="800212"/>
           </a:xfrm>
           <a:prstGeom prst="rect">
             <a:avLst/>
           </a:prstGeom>
         </p:spPr>
       </p:pic>
-      <p:pic>
-        <p:nvPicPr>
-          <p:cNvPr id="5" name="그림 4"/>
-          <p:cNvPicPr>
-            <a:picLocks noChangeAspect="1"/>
-          </p:cNvPicPr>
-          <p:nvPr/>
-        </p:nvPicPr>
-        <p:blipFill>
-          <a:blip r:embed="rId4"/>
-          <a:stretch>
-            <a:fillRect/>
-          </a:stretch>
-        </p:blipFill>
-        <p:spPr>
-          <a:xfrm>
-            <a:off x="861991" y="2109843"/>
-            <a:ext cx="5477639" cy="4058216"/>
-          </a:xfrm>
-          <a:prstGeom prst="rect">
-            <a:avLst/>
-          </a:prstGeom>
-        </p:spPr>
-      </p:pic>
-      <p:pic>
-        <p:nvPicPr>
-          <p:cNvPr id="6" name="그림 5"/>
-          <p:cNvPicPr>
-            <a:picLocks noChangeAspect="1"/>
-          </p:cNvPicPr>
-          <p:nvPr/>
-        </p:nvPicPr>
-        <p:blipFill>
-          <a:blip r:embed="rId5"/>
-          <a:stretch>
-            <a:fillRect/>
-          </a:stretch>
-        </p:blipFill>
-        <p:spPr>
-          <a:xfrm>
-            <a:off x="6505184" y="3086100"/>
-            <a:ext cx="3260002" cy="2209800"/>
-          </a:xfrm>
-          <a:prstGeom prst="rect">
-            <a:avLst/>
-          </a:prstGeom>
-        </p:spPr>
-      </p:pic>
-      <p:sp>
-        <p:nvSpPr>
-          <p:cNvPr id="7" name="TextBox 6"/>
-          <p:cNvSpPr txBox="1"/>
-          <p:nvPr/>
-        </p:nvSpPr>
-        <p:spPr>
-          <a:xfrm>
-            <a:off x="6920747" y="2651356"/>
-            <a:ext cx="2428875" cy="382412"/>
-          </a:xfrm>
-          <a:prstGeom prst="rect">
-            <a:avLst/>
-          </a:prstGeom>
-          <a:noFill/>
-        </p:spPr>
-        <p:txBody>
-          <a:bodyPr wrap="square" rtlCol="0">
-            <a:spAutoFit/>
-          </a:bodyPr>
-          <a:lstStyle/>
-          <a:p>
-            <a:r>
-              <a:rPr lang="en-US" dirty="0" smtClean="0"/>
-              <a:t>Bonn potential result</a:t>
-            </a:r>
-            <a:endParaRPr lang="en-US" dirty="0"/>
-          </a:p>
-        </p:txBody>
-      </p:sp>
     </p:spTree>
     <p:extLst>
       <p:ext uri="{BB962C8B-B14F-4D97-AF65-F5344CB8AC3E}">
-        <p14:creationId xmlns:p14="http://schemas.microsoft.com/office/powerpoint/2010/main" val="555224237"/>
+        <p14:creationId xmlns:p14="http://schemas.microsoft.com/office/powerpoint/2010/main" val="2177846798"/>
       </p:ext>
     </p:extLst>
   </p:cSld>
@@ -11361,8 +11685,8 @@
         </p:blipFill>
         <p:spPr>
           <a:xfrm>
-            <a:off x="3060245" y="2021898"/>
-            <a:ext cx="4382112" cy="2286319"/>
+            <a:off x="861991" y="1851053"/>
+            <a:ext cx="3391373" cy="181000"/>
           </a:xfrm>
           <a:prstGeom prst="rect">
             <a:avLst/>
@@ -11371,7 +11695,7 @@
       </p:pic>
       <p:pic>
         <p:nvPicPr>
-          <p:cNvPr id="7" name="그림 6"/>
+          <p:cNvPr id="5" name="그림 4"/>
           <p:cNvPicPr>
             <a:picLocks noChangeAspect="1"/>
           </p:cNvPicPr>
@@ -11385,56 +11709,8 @@
         </p:blipFill>
         <p:spPr>
           <a:xfrm>
-            <a:off x="7571220" y="1764687"/>
-            <a:ext cx="2133898" cy="2543530"/>
-          </a:xfrm>
-          <a:prstGeom prst="rect">
-            <a:avLst/>
-          </a:prstGeom>
-        </p:spPr>
-      </p:pic>
-      <p:pic>
-        <p:nvPicPr>
-          <p:cNvPr id="8" name="그림 7"/>
-          <p:cNvPicPr>
-            <a:picLocks noChangeAspect="1"/>
-          </p:cNvPicPr>
-          <p:nvPr/>
-        </p:nvPicPr>
-        <p:blipFill>
-          <a:blip r:embed="rId5"/>
-          <a:stretch>
-            <a:fillRect/>
-          </a:stretch>
-        </p:blipFill>
-        <p:spPr>
-          <a:xfrm>
-            <a:off x="5332855" y="5439675"/>
-            <a:ext cx="3305314" cy="934110"/>
-          </a:xfrm>
-          <a:prstGeom prst="rect">
-            <a:avLst/>
-          </a:prstGeom>
-        </p:spPr>
-      </p:pic>
-      <p:pic>
-        <p:nvPicPr>
-          <p:cNvPr id="9" name="그림 8"/>
-          <p:cNvPicPr>
-            <a:picLocks noChangeAspect="1"/>
-          </p:cNvPicPr>
-          <p:nvPr/>
-        </p:nvPicPr>
-        <p:blipFill>
-          <a:blip r:embed="rId6"/>
-          <a:stretch>
-            <a:fillRect/>
-          </a:stretch>
-        </p:blipFill>
-        <p:spPr>
-          <a:xfrm>
-            <a:off x="1220779" y="5447264"/>
-            <a:ext cx="2766442" cy="778062"/>
+            <a:off x="861991" y="2109843"/>
+            <a:ext cx="5477639" cy="4058216"/>
           </a:xfrm>
           <a:prstGeom prst="rect">
             <a:avLst/>
@@ -11444,7 +11720,7 @@
     </p:spTree>
     <p:extLst>
       <p:ext uri="{BB962C8B-B14F-4D97-AF65-F5344CB8AC3E}">
-        <p14:creationId xmlns:p14="http://schemas.microsoft.com/office/powerpoint/2010/main" val="1156224152"/>
+        <p14:creationId xmlns:p14="http://schemas.microsoft.com/office/powerpoint/2010/main" val="555224237"/>
       </p:ext>
     </p:extLst>
   </p:cSld>
@@ -11510,8 +11786,8 @@
         </p:blipFill>
         <p:spPr>
           <a:xfrm>
-            <a:off x="4618887" y="533400"/>
-            <a:ext cx="5287113" cy="6144482"/>
+            <a:off x="861991" y="1592263"/>
+            <a:ext cx="2381582" cy="190527"/>
           </a:xfrm>
           <a:prstGeom prst="rect">
             <a:avLst/>
@@ -11520,7 +11796,7 @@
       </p:pic>
       <p:pic>
         <p:nvPicPr>
-          <p:cNvPr id="5" name="그림 4"/>
+          <p:cNvPr id="4" name="그림 3"/>
           <p:cNvPicPr>
             <a:picLocks noChangeAspect="1"/>
           </p:cNvPicPr>
@@ -11534,8 +11810,8 @@
         </p:blipFill>
         <p:spPr>
           <a:xfrm>
-            <a:off x="495300" y="4506871"/>
-            <a:ext cx="3305314" cy="934110"/>
+            <a:off x="3060245" y="2021898"/>
+            <a:ext cx="4382112" cy="2286319"/>
           </a:xfrm>
           <a:prstGeom prst="rect">
             <a:avLst/>
@@ -11544,7 +11820,7 @@
       </p:pic>
       <p:pic>
         <p:nvPicPr>
-          <p:cNvPr id="6" name="그림 5"/>
+          <p:cNvPr id="7" name="그림 6"/>
           <p:cNvPicPr>
             <a:picLocks noChangeAspect="1"/>
           </p:cNvPicPr>
@@ -11558,8 +11834,8 @@
         </p:blipFill>
         <p:spPr>
           <a:xfrm>
-            <a:off x="181680" y="5671415"/>
-            <a:ext cx="4112376" cy="734813"/>
+            <a:off x="7571220" y="1764687"/>
+            <a:ext cx="2133898" cy="2543530"/>
           </a:xfrm>
           <a:prstGeom prst="rect">
             <a:avLst/>
@@ -11568,7 +11844,7 @@
       </p:pic>
       <p:pic>
         <p:nvPicPr>
-          <p:cNvPr id="7" name="그림 6"/>
+          <p:cNvPr id="8" name="그림 7"/>
           <p:cNvPicPr>
             <a:picLocks noChangeAspect="1"/>
           </p:cNvPicPr>
@@ -11582,8 +11858,8 @@
         </p:blipFill>
         <p:spPr>
           <a:xfrm>
-            <a:off x="0" y="1708253"/>
-            <a:ext cx="4507345" cy="897057"/>
+            <a:off x="5332855" y="5439675"/>
+            <a:ext cx="3305314" cy="934110"/>
           </a:xfrm>
           <a:prstGeom prst="rect">
             <a:avLst/>
@@ -11592,7 +11868,7 @@
       </p:pic>
       <p:pic>
         <p:nvPicPr>
-          <p:cNvPr id="8" name="그림 7"/>
+          <p:cNvPr id="9" name="그림 8"/>
           <p:cNvPicPr>
             <a:picLocks noChangeAspect="1"/>
           </p:cNvPicPr>
@@ -11606,8 +11882,8 @@
         </p:blipFill>
         <p:spPr>
           <a:xfrm>
-            <a:off x="0" y="3022690"/>
-            <a:ext cx="4413250" cy="533400"/>
+            <a:off x="1220779" y="5447264"/>
+            <a:ext cx="2766442" cy="778062"/>
           </a:xfrm>
           <a:prstGeom prst="rect">
             <a:avLst/>
@@ -11617,7 +11893,7 @@
     </p:spTree>
     <p:extLst>
       <p:ext uri="{BB962C8B-B14F-4D97-AF65-F5344CB8AC3E}">
-        <p14:creationId xmlns:p14="http://schemas.microsoft.com/office/powerpoint/2010/main" val="3877468912"/>
+        <p14:creationId xmlns:p14="http://schemas.microsoft.com/office/powerpoint/2010/main" val="1156224152"/>
       </p:ext>
     </p:extLst>
   </p:cSld>
@@ -11683,8 +11959,8 @@
         </p:blipFill>
         <p:spPr>
           <a:xfrm>
-            <a:off x="0" y="1708254"/>
-            <a:ext cx="3952875" cy="786706"/>
+            <a:off x="4618887" y="533400"/>
+            <a:ext cx="5287113" cy="6144482"/>
           </a:xfrm>
           <a:prstGeom prst="rect">
             <a:avLst/>
@@ -11693,7 +11969,7 @@
       </p:pic>
       <p:pic>
         <p:nvPicPr>
-          <p:cNvPr id="4" name="그림 3"/>
+          <p:cNvPr id="5" name="그림 4"/>
           <p:cNvPicPr>
             <a:picLocks noChangeAspect="1"/>
           </p:cNvPicPr>
@@ -11707,8 +11983,8 @@
         </p:blipFill>
         <p:spPr>
           <a:xfrm>
-            <a:off x="4167432" y="742949"/>
-            <a:ext cx="5738568" cy="5565775"/>
+            <a:off x="495300" y="4506871"/>
+            <a:ext cx="3305314" cy="934110"/>
           </a:xfrm>
           <a:prstGeom prst="rect">
             <a:avLst/>
@@ -11731,8 +12007,56 @@
         </p:blipFill>
         <p:spPr>
           <a:xfrm>
-            <a:off x="139043" y="4087471"/>
-            <a:ext cx="3674787" cy="2426384"/>
+            <a:off x="181680" y="5671415"/>
+            <a:ext cx="4112376" cy="734813"/>
+          </a:xfrm>
+          <a:prstGeom prst="rect">
+            <a:avLst/>
+          </a:prstGeom>
+        </p:spPr>
+      </p:pic>
+      <p:pic>
+        <p:nvPicPr>
+          <p:cNvPr id="7" name="그림 6"/>
+          <p:cNvPicPr>
+            <a:picLocks noChangeAspect="1"/>
+          </p:cNvPicPr>
+          <p:nvPr/>
+        </p:nvPicPr>
+        <p:blipFill>
+          <a:blip r:embed="rId5"/>
+          <a:stretch>
+            <a:fillRect/>
+          </a:stretch>
+        </p:blipFill>
+        <p:spPr>
+          <a:xfrm>
+            <a:off x="0" y="1708253"/>
+            <a:ext cx="4507345" cy="897057"/>
+          </a:xfrm>
+          <a:prstGeom prst="rect">
+            <a:avLst/>
+          </a:prstGeom>
+        </p:spPr>
+      </p:pic>
+      <p:pic>
+        <p:nvPicPr>
+          <p:cNvPr id="8" name="그림 7"/>
+          <p:cNvPicPr>
+            <a:picLocks noChangeAspect="1"/>
+          </p:cNvPicPr>
+          <p:nvPr/>
+        </p:nvPicPr>
+        <p:blipFill>
+          <a:blip r:embed="rId6"/>
+          <a:stretch>
+            <a:fillRect/>
+          </a:stretch>
+        </p:blipFill>
+        <p:spPr>
+          <a:xfrm>
+            <a:off x="0" y="3022690"/>
+            <a:ext cx="4413250" cy="533400"/>
           </a:xfrm>
           <a:prstGeom prst="rect">
             <a:avLst/>
@@ -11742,7 +12066,7 @@
     </p:spTree>
     <p:extLst>
       <p:ext uri="{BB962C8B-B14F-4D97-AF65-F5344CB8AC3E}">
-        <p14:creationId xmlns:p14="http://schemas.microsoft.com/office/powerpoint/2010/main" val="3423731681"/>
+        <p14:creationId xmlns:p14="http://schemas.microsoft.com/office/powerpoint/2010/main" val="3877468912"/>
       </p:ext>
     </p:extLst>
   </p:cSld>
@@ -11786,7 +12110,7 @@
           <a:p>
             <a:r>
               <a:rPr lang="en-US" dirty="0" smtClean="0"/>
-              <a:t>However… </a:t>
+              <a:t>Code</a:t>
             </a:r>
             <a:endParaRPr lang="en-US" dirty="0"/>
           </a:p>
@@ -11808,81 +12132,17 @@
         </p:blipFill>
         <p:spPr>
           <a:xfrm>
-            <a:off x="495300" y="3308377"/>
-            <a:ext cx="3820058" cy="2886478"/>
+            <a:off x="0" y="1708254"/>
+            <a:ext cx="3952875" cy="786706"/>
           </a:xfrm>
           <a:prstGeom prst="rect">
             <a:avLst/>
           </a:prstGeom>
         </p:spPr>
       </p:pic>
-      <p:sp>
-        <p:nvSpPr>
-          <p:cNvPr id="4" name="TextBox 3"/>
-          <p:cNvSpPr txBox="1"/>
-          <p:nvPr/>
-        </p:nvSpPr>
-        <p:spPr>
-          <a:xfrm>
-            <a:off x="668337" y="1699491"/>
-            <a:ext cx="8087735" cy="1542730"/>
-          </a:xfrm>
-          <a:prstGeom prst="rect">
-            <a:avLst/>
-          </a:prstGeom>
-          <a:noFill/>
-        </p:spPr>
-        <p:txBody>
-          <a:bodyPr wrap="square" rtlCol="0">
-            <a:spAutoFit/>
-          </a:bodyPr>
-          <a:lstStyle/>
-          <a:p>
-            <a:pPr marL="342900" indent="-342900">
-              <a:buFont typeface="Arial" panose="020B0604020202020204" pitchFamily="34" charset="0"/>
-              <a:buChar char="•"/>
-            </a:pPr>
-            <a:r>
-              <a:rPr lang="en-US" dirty="0" smtClean="0"/>
-              <a:t>It is well known that the BHF with realistic NN interaction does not give correct saturation property of Nuclear matter</a:t>
-            </a:r>
-          </a:p>
-          <a:p>
-            <a:pPr marL="342900" indent="-342900">
-              <a:buFont typeface="Arial" panose="020B0604020202020204" pitchFamily="34" charset="0"/>
-              <a:buChar char="•"/>
-            </a:pPr>
-            <a:r>
-              <a:rPr lang="en-US" dirty="0" smtClean="0"/>
-              <a:t>To get better saturation, one have to  </a:t>
-            </a:r>
-          </a:p>
-          <a:p>
-            <a:pPr marL="342900" indent="-342900">
-              <a:buFont typeface="Arial" panose="020B0604020202020204" pitchFamily="34" charset="0"/>
-              <a:buChar char="•"/>
-            </a:pPr>
-            <a:r>
-              <a:rPr lang="en-US" dirty="0" smtClean="0"/>
-              <a:t>(1) Include 3 nucleon force, or</a:t>
-            </a:r>
-          </a:p>
-          <a:p>
-            <a:pPr marL="342900" indent="-342900">
-              <a:buFont typeface="Arial" panose="020B0604020202020204" pitchFamily="34" charset="0"/>
-              <a:buChar char="•"/>
-            </a:pPr>
-            <a:r>
-              <a:rPr lang="en-US" dirty="0" smtClean="0"/>
-              <a:t>(2) relativistic Dirac BHF </a:t>
-            </a:r>
-            <a:endParaRPr lang="en-US" dirty="0"/>
-          </a:p>
-        </p:txBody>
-      </p:sp>
       <p:pic>
         <p:nvPicPr>
-          <p:cNvPr id="5" name="그림 4"/>
+          <p:cNvPr id="4" name="그림 3"/>
           <p:cNvPicPr>
             <a:picLocks noChangeAspect="1"/>
           </p:cNvPicPr>
@@ -11896,24 +12156,48 @@
         </p:blipFill>
         <p:spPr>
           <a:xfrm>
-            <a:off x="5137728" y="3417712"/>
-            <a:ext cx="2793415" cy="2574200"/>
+            <a:off x="4167432" y="742949"/>
+            <a:ext cx="5738568" cy="5565775"/>
           </a:xfrm>
           <a:prstGeom prst="rect">
             <a:avLst/>
           </a:prstGeom>
         </p:spPr>
       </p:pic>
-      <p:sp>
-        <p:nvSpPr>
-          <p:cNvPr id="6" name="TextBox 5"/>
+      <p:pic>
+        <p:nvPicPr>
+          <p:cNvPr id="6" name="그림 5"/>
+          <p:cNvPicPr>
+            <a:picLocks noChangeAspect="1"/>
+          </p:cNvPicPr>
+          <p:nvPr/>
+        </p:nvPicPr>
+        <p:blipFill>
+          <a:blip r:embed="rId4"/>
+          <a:stretch>
+            <a:fillRect/>
+          </a:stretch>
+        </p:blipFill>
+        <p:spPr>
+          <a:xfrm>
+            <a:off x="495300" y="3149392"/>
+            <a:ext cx="2604159" cy="1719471"/>
+          </a:xfrm>
+          <a:prstGeom prst="rect">
+            <a:avLst/>
+          </a:prstGeom>
+        </p:spPr>
+      </p:pic>
+      <p:sp>
+        <p:nvSpPr>
+          <p:cNvPr id="7" name="TextBox 6"/>
           <p:cNvSpPr txBox="1"/>
           <p:nvPr/>
         </p:nvSpPr>
         <p:spPr>
           <a:xfrm>
-            <a:off x="323272" y="6215062"/>
-            <a:ext cx="5000087" cy="430887"/>
+            <a:off x="629894" y="2679214"/>
+            <a:ext cx="3003552" cy="382412"/>
           </a:xfrm>
           <a:prstGeom prst="rect">
             <a:avLst/>
@@ -11921,29 +12205,47 @@
           <a:noFill/>
         </p:spPr>
         <p:txBody>
-          <a:bodyPr wrap="none" rtlCol="0">
+          <a:bodyPr wrap="square" rtlCol="0">
             <a:spAutoFit/>
           </a:bodyPr>
           <a:lstStyle/>
           <a:p>
             <a:r>
-              <a:rPr lang="en-US" sz="1100" dirty="0" smtClean="0"/>
-              <a:t>Figures from </a:t>
-            </a:r>
-          </a:p>
-          <a:p>
-            <a:r>
-              <a:rPr lang="en-US" sz="1100" dirty="0" smtClean="0"/>
-              <a:t>S. Shen et al., Progress in Particle and Nuclear Physics, 109, (2019), 103713</a:t>
-            </a:r>
-            <a:endParaRPr lang="en-US" sz="1100" dirty="0"/>
-          </a:p>
-        </p:txBody>
-      </p:sp>
+              <a:rPr lang="en-US" dirty="0" smtClean="0"/>
+              <a:t>Bonn B potential result</a:t>
+            </a:r>
+            <a:endParaRPr lang="en-US" dirty="0"/>
+          </a:p>
+        </p:txBody>
+      </p:sp>
+      <p:pic>
+        <p:nvPicPr>
+          <p:cNvPr id="8" name="그림 7"/>
+          <p:cNvPicPr>
+            <a:picLocks noChangeAspect="1"/>
+          </p:cNvPicPr>
+          <p:nvPr/>
+        </p:nvPicPr>
+        <p:blipFill>
+          <a:blip r:embed="rId5"/>
+          <a:stretch>
+            <a:fillRect/>
+          </a:stretch>
+        </p:blipFill>
+        <p:spPr>
+          <a:xfrm>
+            <a:off x="595423" y="4956629"/>
+            <a:ext cx="2595450" cy="1759332"/>
+          </a:xfrm>
+          <a:prstGeom prst="rect">
+            <a:avLst/>
+          </a:prstGeom>
+        </p:spPr>
+      </p:pic>
     </p:spTree>
     <p:extLst>
       <p:ext uri="{BB962C8B-B14F-4D97-AF65-F5344CB8AC3E}">
-        <p14:creationId xmlns:p14="http://schemas.microsoft.com/office/powerpoint/2010/main" val="525840089"/>
+        <p14:creationId xmlns:p14="http://schemas.microsoft.com/office/powerpoint/2010/main" val="3423731681"/>
       </p:ext>
     </p:extLst>
   </p:cSld>
@@ -11987,91 +12289,7 @@
           <a:p>
             <a:r>
               <a:rPr lang="en-US" dirty="0" smtClean="0"/>
-              <a:t>Plan </a:t>
-            </a:r>
-            <a:endParaRPr lang="en-US" dirty="0"/>
-          </a:p>
-        </p:txBody>
-      </p:sp>
-      <p:sp>
-        <p:nvSpPr>
-          <p:cNvPr id="4" name="TextBox 3"/>
-          <p:cNvSpPr txBox="1"/>
-          <p:nvPr/>
-        </p:nvSpPr>
-        <p:spPr>
-          <a:xfrm>
-            <a:off x="668337" y="1699491"/>
-            <a:ext cx="8087735" cy="1542730"/>
-          </a:xfrm>
-          <a:prstGeom prst="rect">
-            <a:avLst/>
-          </a:prstGeom>
-          <a:noFill/>
-        </p:spPr>
-        <p:txBody>
-          <a:bodyPr wrap="square" rtlCol="0">
-            <a:spAutoFit/>
-          </a:bodyPr>
-          <a:lstStyle/>
-          <a:p>
-            <a:pPr marL="342900" indent="-342900">
-              <a:buFont typeface="Arial" panose="020B0604020202020204" pitchFamily="34" charset="0"/>
-              <a:buChar char="•"/>
-            </a:pPr>
-            <a:r>
-              <a:rPr lang="en-US" dirty="0" smtClean="0"/>
-              <a:t>Include 3NF in chiral EFT </a:t>
-            </a:r>
-          </a:p>
-          <a:p>
-            <a:pPr marL="342900" indent="-342900">
-              <a:buFont typeface="Arial" panose="020B0604020202020204" pitchFamily="34" charset="0"/>
-              <a:buChar char="•"/>
-            </a:pPr>
-            <a:r>
-              <a:rPr lang="en-US" dirty="0" smtClean="0"/>
-              <a:t>Compute optical potential by folding the g-matrix or self energy U(p)</a:t>
-            </a:r>
-          </a:p>
-          <a:p>
-            <a:pPr marL="342900" indent="-342900">
-              <a:buFont typeface="Arial" panose="020B0604020202020204" pitchFamily="34" charset="0"/>
-              <a:buChar char="•"/>
-            </a:pPr>
-            <a:r>
-              <a:rPr lang="en-US" dirty="0" smtClean="0">
-                <a:sym typeface="Wingdings" panose="05000000000000000000" pitchFamily="2" charset="2"/>
-              </a:rPr>
-              <a:t> In fact, similar work already exists. </a:t>
-            </a:r>
-          </a:p>
-          <a:p>
-            <a:pPr marL="821819" lvl="1" indent="-342900">
-              <a:buFont typeface="Arial" panose="020B0604020202020204" pitchFamily="34" charset="0"/>
-              <a:buChar char="•"/>
-            </a:pPr>
-            <a:r>
-              <a:rPr lang="en-US" dirty="0" smtClean="0">
-                <a:sym typeface="Wingdings" panose="05000000000000000000" pitchFamily="2" charset="2"/>
-              </a:rPr>
-              <a:t>Masakazu </a:t>
-            </a:r>
-            <a:r>
-              <a:rPr lang="en-US" dirty="0" err="1" smtClean="0">
-                <a:sym typeface="Wingdings" panose="05000000000000000000" pitchFamily="2" charset="2"/>
-              </a:rPr>
-              <a:t>Toyokawa</a:t>
-            </a:r>
-            <a:r>
-              <a:rPr lang="en-US" dirty="0" smtClean="0">
-                <a:sym typeface="Wingdings" panose="05000000000000000000" pitchFamily="2" charset="2"/>
-              </a:rPr>
-              <a:t> et al, Progress of Theoretical and experimental physics, (2018) 023D03</a:t>
-            </a:r>
-            <a:r>
-              <a:rPr lang="en-US" dirty="0" smtClean="0"/>
-              <a:t> </a:t>
+              <a:t>However… </a:t>
             </a:r>
             <a:endParaRPr lang="en-US" dirty="0"/>
           </a:p>
@@ -12079,7 +12297,7 @@
       </p:sp>
       <p:pic>
         <p:nvPicPr>
-          <p:cNvPr id="7" name="그림 6"/>
+          <p:cNvPr id="3" name="그림 2"/>
           <p:cNvPicPr>
             <a:picLocks noChangeAspect="1"/>
           </p:cNvPicPr>
@@ -12093,8 +12311,8 @@
         </p:blipFill>
         <p:spPr>
           <a:xfrm>
-            <a:off x="512041" y="3431711"/>
-            <a:ext cx="5363323" cy="3296110"/>
+            <a:off x="495300" y="3308377"/>
+            <a:ext cx="3820058" cy="2886478"/>
           </a:xfrm>
           <a:prstGeom prst="rect">
             <a:avLst/>
@@ -12103,14 +12321,102 @@
       </p:pic>
       <p:sp>
         <p:nvSpPr>
-          <p:cNvPr id="8" name="TextBox 7"/>
+          <p:cNvPr id="4" name="TextBox 3"/>
           <p:cNvSpPr txBox="1"/>
           <p:nvPr/>
         </p:nvSpPr>
         <p:spPr>
           <a:xfrm>
-            <a:off x="5973329" y="5496936"/>
-            <a:ext cx="1939377" cy="1015663"/>
+            <a:off x="668337" y="1699491"/>
+            <a:ext cx="8087735" cy="1542730"/>
+          </a:xfrm>
+          <a:prstGeom prst="rect">
+            <a:avLst/>
+          </a:prstGeom>
+          <a:noFill/>
+        </p:spPr>
+        <p:txBody>
+          <a:bodyPr wrap="square" rtlCol="0">
+            <a:spAutoFit/>
+          </a:bodyPr>
+          <a:lstStyle/>
+          <a:p>
+            <a:pPr marL="342900" indent="-342900">
+              <a:buFont typeface="Arial" panose="020B0604020202020204" pitchFamily="34" charset="0"/>
+              <a:buChar char="•"/>
+            </a:pPr>
+            <a:r>
+              <a:rPr lang="en-US" dirty="0" smtClean="0"/>
+              <a:t>It is well known that the BHF with realistic NN interaction does not give correct saturation property of Nuclear matter</a:t>
+            </a:r>
+          </a:p>
+          <a:p>
+            <a:pPr marL="342900" indent="-342900">
+              <a:buFont typeface="Arial" panose="020B0604020202020204" pitchFamily="34" charset="0"/>
+              <a:buChar char="•"/>
+            </a:pPr>
+            <a:r>
+              <a:rPr lang="en-US" dirty="0" smtClean="0"/>
+              <a:t>To get better saturation, one have to  </a:t>
+            </a:r>
+          </a:p>
+          <a:p>
+            <a:pPr marL="342900" indent="-342900">
+              <a:buFont typeface="Arial" panose="020B0604020202020204" pitchFamily="34" charset="0"/>
+              <a:buChar char="•"/>
+            </a:pPr>
+            <a:r>
+              <a:rPr lang="en-US" dirty="0" smtClean="0"/>
+              <a:t>(1) Include 3 nucleon force, or</a:t>
+            </a:r>
+          </a:p>
+          <a:p>
+            <a:pPr marL="342900" indent="-342900">
+              <a:buFont typeface="Arial" panose="020B0604020202020204" pitchFamily="34" charset="0"/>
+              <a:buChar char="•"/>
+            </a:pPr>
+            <a:r>
+              <a:rPr lang="en-US" dirty="0" smtClean="0"/>
+              <a:t>(2) relativistic Dirac BHF </a:t>
+            </a:r>
+            <a:endParaRPr lang="en-US" dirty="0"/>
+          </a:p>
+        </p:txBody>
+      </p:sp>
+      <p:pic>
+        <p:nvPicPr>
+          <p:cNvPr id="5" name="그림 4"/>
+          <p:cNvPicPr>
+            <a:picLocks noChangeAspect="1"/>
+          </p:cNvPicPr>
+          <p:nvPr/>
+        </p:nvPicPr>
+        <p:blipFill>
+          <a:blip r:embed="rId3"/>
+          <a:stretch>
+            <a:fillRect/>
+          </a:stretch>
+        </p:blipFill>
+        <p:spPr>
+          <a:xfrm>
+            <a:off x="5137728" y="3417712"/>
+            <a:ext cx="2793415" cy="2574200"/>
+          </a:xfrm>
+          <a:prstGeom prst="rect">
+            <a:avLst/>
+          </a:prstGeom>
+        </p:spPr>
+      </p:pic>
+      <p:sp>
+        <p:nvSpPr>
+          <p:cNvPr id="6" name="TextBox 5"/>
+          <p:cNvSpPr txBox="1"/>
+          <p:nvPr/>
+        </p:nvSpPr>
+        <p:spPr>
+          <a:xfrm>
+            <a:off x="323272" y="6215062"/>
+            <a:ext cx="5000087" cy="430887"/>
           </a:xfrm>
           <a:prstGeom prst="rect">
             <a:avLst/>
@@ -12124,62 +12430,23 @@
           <a:lstStyle/>
           <a:p>
             <a:r>
-              <a:rPr lang="en-US" sz="1200" dirty="0" smtClean="0"/>
-              <a:t>Figure from</a:t>
-            </a:r>
-          </a:p>
-          <a:p>
-            <a:r>
-              <a:rPr lang="en-US" sz="1200" dirty="0" smtClean="0"/>
-              <a:t>The Reference  </a:t>
-            </a:r>
-          </a:p>
-          <a:p>
-            <a:r>
-              <a:rPr lang="en-US" sz="1200" dirty="0" smtClean="0">
-                <a:sym typeface="Wingdings" panose="05000000000000000000" pitchFamily="2" charset="2"/>
-              </a:rPr>
-              <a:t>Masakazu </a:t>
-            </a:r>
-            <a:r>
-              <a:rPr lang="en-US" sz="1200" dirty="0" err="1">
-                <a:sym typeface="Wingdings" panose="05000000000000000000" pitchFamily="2" charset="2"/>
-              </a:rPr>
-              <a:t>Toyokawa</a:t>
-            </a:r>
-            <a:r>
-              <a:rPr lang="en-US" sz="1200" dirty="0">
-                <a:sym typeface="Wingdings" panose="05000000000000000000" pitchFamily="2" charset="2"/>
-              </a:rPr>
-              <a:t> et </a:t>
-            </a:r>
-            <a:r>
-              <a:rPr lang="en-US" sz="1200" dirty="0" smtClean="0">
-                <a:sym typeface="Wingdings" panose="05000000000000000000" pitchFamily="2" charset="2"/>
-              </a:rPr>
-              <a:t>al</a:t>
-            </a:r>
-          </a:p>
-          <a:p>
-            <a:endParaRPr lang="en-US" sz="1200" dirty="0">
-              <a:sym typeface="Wingdings" panose="05000000000000000000" pitchFamily="2" charset="2"/>
-            </a:endParaRPr>
-          </a:p>
-          <a:p>
-            <a:r>
-              <a:rPr lang="en-US" sz="1200" dirty="0" smtClean="0">
-                <a:sym typeface="Wingdings" panose="05000000000000000000" pitchFamily="2" charset="2"/>
-              </a:rPr>
-              <a:t>4He scattering on 208Pb.</a:t>
-            </a:r>
-            <a:endParaRPr lang="en-US" sz="1200" dirty="0"/>
+              <a:rPr lang="en-US" sz="1100" dirty="0" smtClean="0"/>
+              <a:t>Figures from </a:t>
+            </a:r>
+          </a:p>
+          <a:p>
+            <a:r>
+              <a:rPr lang="en-US" sz="1100" dirty="0" smtClean="0"/>
+              <a:t>S. Shen et al., Progress in Particle and Nuclear Physics, 109, (2019), 103713</a:t>
+            </a:r>
+            <a:endParaRPr lang="en-US" sz="1100" dirty="0"/>
           </a:p>
         </p:txBody>
       </p:sp>
     </p:spTree>
     <p:extLst>
       <p:ext uri="{BB962C8B-B14F-4D97-AF65-F5344CB8AC3E}">
-        <p14:creationId xmlns:p14="http://schemas.microsoft.com/office/powerpoint/2010/main" val="1101982429"/>
+        <p14:creationId xmlns:p14="http://schemas.microsoft.com/office/powerpoint/2010/main" val="525840089"/>
       </p:ext>
     </p:extLst>
   </p:cSld>
@@ -12223,7 +12490,7 @@
           <a:p>
             <a:r>
               <a:rPr lang="en-US" dirty="0" smtClean="0"/>
-              <a:t>How to include 3NF ? </a:t>
+              <a:t>Plan </a:t>
             </a:r>
             <a:endParaRPr lang="en-US" dirty="0"/>
           </a:p>
@@ -12231,14 +12498,14 @@
       </p:sp>
       <p:sp>
         <p:nvSpPr>
-          <p:cNvPr id="3" name="TextBox 2"/>
+          <p:cNvPr id="4" name="TextBox 3"/>
           <p:cNvSpPr txBox="1"/>
           <p:nvPr/>
         </p:nvSpPr>
         <p:spPr>
           <a:xfrm>
-            <a:off x="2626447" y="5874327"/>
-            <a:ext cx="6877771" cy="672492"/>
+            <a:off x="668337" y="1699491"/>
+            <a:ext cx="8087735" cy="1542730"/>
           </a:xfrm>
           <a:prstGeom prst="rect">
             <a:avLst/>
@@ -12251,15 +12518,63 @@
           </a:bodyPr>
           <a:lstStyle/>
           <a:p>
+            <a:pPr marL="342900" indent="-342900">
+              <a:buFont typeface="Arial" panose="020B0604020202020204" pitchFamily="34" charset="0"/>
+              <a:buChar char="•"/>
+            </a:pPr>
             <a:r>
               <a:rPr lang="en-US" dirty="0" smtClean="0"/>
-              <a:t>REF 1. M. Kohno, Phys. Rev. C. 88, 064005(2013)</a:t>
-            </a:r>
-          </a:p>
-          <a:p>
+              <a:t>Include 3NF in chiral EFT </a:t>
+            </a:r>
+          </a:p>
+          <a:p>
+            <a:pPr marL="342900" indent="-342900">
+              <a:buFont typeface="Arial" panose="020B0604020202020204" pitchFamily="34" charset="0"/>
+              <a:buChar char="•"/>
+            </a:pPr>
             <a:r>
               <a:rPr lang="en-US" dirty="0" smtClean="0"/>
-              <a:t>REF 2. J. Holt et al, Frontiers in Physics, vol. 8, 100 (2020)</a:t>
+              <a:t>Compute optical potential by folding the g-matrix or self energy U(p)</a:t>
+            </a:r>
+          </a:p>
+          <a:p>
+            <a:pPr marL="342900" indent="-342900">
+              <a:buFont typeface="Arial" panose="020B0604020202020204" pitchFamily="34" charset="0"/>
+              <a:buChar char="•"/>
+            </a:pPr>
+            <a:r>
+              <a:rPr lang="en-US" dirty="0" smtClean="0">
+                <a:sym typeface="Wingdings" panose="05000000000000000000" pitchFamily="2" charset="2"/>
+              </a:rPr>
+              <a:t> In fact, similar work already exists. </a:t>
+            </a:r>
+          </a:p>
+          <a:p>
+            <a:pPr marL="821819" lvl="1" indent="-342900">
+              <a:buFont typeface="Arial" panose="020B0604020202020204" pitchFamily="34" charset="0"/>
+              <a:buChar char="•"/>
+            </a:pPr>
+            <a:r>
+              <a:rPr lang="en-US" dirty="0" smtClean="0">
+                <a:sym typeface="Wingdings" panose="05000000000000000000" pitchFamily="2" charset="2"/>
+              </a:rPr>
+              <a:t>Masakazu </a:t>
+            </a:r>
+            <a:r>
+              <a:rPr lang="en-US" dirty="0" err="1" smtClean="0">
+                <a:sym typeface="Wingdings" panose="05000000000000000000" pitchFamily="2" charset="2"/>
+              </a:rPr>
+              <a:t>Toyokawa</a:t>
+            </a:r>
+            <a:r>
+              <a:rPr lang="en-US" dirty="0" smtClean="0">
+                <a:sym typeface="Wingdings" panose="05000000000000000000" pitchFamily="2" charset="2"/>
+              </a:rPr>
+              <a:t> et al, Progress of Theoretical and experimental physics, (2018) 023D03</a:t>
+            </a:r>
+            <a:r>
+              <a:rPr lang="en-US" dirty="0" smtClean="0"/>
+              <a:t> </a:t>
             </a:r>
             <a:endParaRPr lang="en-US" dirty="0"/>
           </a:p>
@@ -12267,7 +12582,7 @@
       </p:sp>
       <p:pic>
         <p:nvPicPr>
-          <p:cNvPr id="5" name="그림 4"/>
+          <p:cNvPr id="7" name="그림 6"/>
           <p:cNvPicPr>
             <a:picLocks noChangeAspect="1"/>
           </p:cNvPicPr>
@@ -12281,48 +12596,24 @@
         </p:blipFill>
         <p:spPr>
           <a:xfrm>
-            <a:off x="620425" y="3357563"/>
-            <a:ext cx="3792826" cy="1106593"/>
+            <a:off x="512041" y="3431711"/>
+            <a:ext cx="5363323" cy="3296110"/>
           </a:xfrm>
           <a:prstGeom prst="rect">
             <a:avLst/>
           </a:prstGeom>
         </p:spPr>
       </p:pic>
-      <p:pic>
-        <p:nvPicPr>
-          <p:cNvPr id="9" name="그림 8"/>
-          <p:cNvPicPr>
-            <a:picLocks noChangeAspect="1"/>
-          </p:cNvPicPr>
-          <p:nvPr/>
-        </p:nvPicPr>
-        <p:blipFill>
-          <a:blip r:embed="rId3"/>
-          <a:stretch>
-            <a:fillRect/>
-          </a:stretch>
-        </p:blipFill>
-        <p:spPr>
-          <a:xfrm>
-            <a:off x="5529263" y="3470505"/>
-            <a:ext cx="3335942" cy="1480186"/>
-          </a:xfrm>
-          <a:prstGeom prst="rect">
-            <a:avLst/>
-          </a:prstGeom>
-        </p:spPr>
-      </p:pic>
-      <p:sp>
-        <p:nvSpPr>
-          <p:cNvPr id="10" name="TextBox 9"/>
+      <p:sp>
+        <p:nvSpPr>
+          <p:cNvPr id="8" name="TextBox 7"/>
           <p:cNvSpPr txBox="1"/>
           <p:nvPr/>
         </p:nvSpPr>
         <p:spPr>
           <a:xfrm>
-            <a:off x="668338" y="1581639"/>
-            <a:ext cx="7693890" cy="962571"/>
+            <a:off x="5973329" y="5496936"/>
+            <a:ext cx="1939377" cy="1015663"/>
           </a:xfrm>
           <a:prstGeom prst="rect">
             <a:avLst/>
@@ -12330,101 +12621,68 @@
           <a:noFill/>
         </p:spPr>
         <p:txBody>
-          <a:bodyPr wrap="square" rtlCol="0">
+          <a:bodyPr wrap="none" rtlCol="0">
             <a:spAutoFit/>
           </a:bodyPr>
           <a:lstStyle/>
           <a:p>
             <a:r>
-              <a:rPr lang="en-US" dirty="0" smtClean="0"/>
-              <a:t>Currently,</a:t>
-            </a:r>
-          </a:p>
-          <a:p>
-            <a:pPr marL="457200" indent="-457200">
-              <a:buAutoNum type="arabicParenBoth"/>
-            </a:pPr>
-            <a:r>
-              <a:rPr lang="en-US" dirty="0" smtClean="0"/>
-              <a:t>confused for the moment about the correct factor.</a:t>
-            </a:r>
-          </a:p>
-          <a:p>
-            <a:pPr marL="457200" indent="-457200">
-              <a:buAutoNum type="arabicParenBoth"/>
-            </a:pPr>
-            <a:r>
-              <a:rPr lang="en-US" dirty="0" smtClean="0"/>
-              <a:t>Difficulty in understanding the Chiral 3BF code.</a:t>
-            </a:r>
-            <a:endParaRPr lang="en-US" dirty="0"/>
-          </a:p>
-        </p:txBody>
-      </p:sp>
-      <p:sp>
-        <p:nvSpPr>
-          <p:cNvPr id="11" name="TextBox 10"/>
-          <p:cNvSpPr txBox="1"/>
-          <p:nvPr/>
-        </p:nvSpPr>
-        <p:spPr>
-          <a:xfrm>
-            <a:off x="655783" y="2983349"/>
-            <a:ext cx="1804411" cy="382412"/>
-          </a:xfrm>
-          <a:prstGeom prst="rect">
-            <a:avLst/>
-          </a:prstGeom>
-          <a:noFill/>
-        </p:spPr>
-        <p:txBody>
-          <a:bodyPr wrap="square" rtlCol="0">
-            <a:spAutoFit/>
-          </a:bodyPr>
-          <a:lstStyle/>
-          <a:p>
-            <a:r>
-              <a:rPr lang="en-US" dirty="0" smtClean="0"/>
-              <a:t>In energy,</a:t>
-            </a:r>
-            <a:endParaRPr lang="en-US" dirty="0"/>
-          </a:p>
-        </p:txBody>
-      </p:sp>
-      <p:sp>
-        <p:nvSpPr>
-          <p:cNvPr id="12" name="TextBox 11"/>
-          <p:cNvSpPr txBox="1"/>
-          <p:nvPr/>
-        </p:nvSpPr>
-        <p:spPr>
-          <a:xfrm>
-            <a:off x="5537211" y="2997205"/>
-            <a:ext cx="1804411" cy="382412"/>
-          </a:xfrm>
-          <a:prstGeom prst="rect">
-            <a:avLst/>
-          </a:prstGeom>
-          <a:noFill/>
-        </p:spPr>
-        <p:txBody>
-          <a:bodyPr wrap="square" rtlCol="0">
-            <a:spAutoFit/>
-          </a:bodyPr>
-          <a:lstStyle/>
-          <a:p>
-            <a:r>
-              <a:rPr lang="en-US" dirty="0" smtClean="0"/>
-              <a:t>In Hamiltonian,</a:t>
-            </a:r>
-            <a:endParaRPr lang="en-US" dirty="0"/>
+              <a:rPr lang="en-US" sz="1200" dirty="0" smtClean="0"/>
+              <a:t>Figure from</a:t>
+            </a:r>
+          </a:p>
+          <a:p>
+            <a:r>
+              <a:rPr lang="en-US" sz="1200" dirty="0" smtClean="0"/>
+              <a:t>The Reference  </a:t>
+            </a:r>
+          </a:p>
+          <a:p>
+            <a:r>
+              <a:rPr lang="en-US" sz="1200" dirty="0" smtClean="0">
+                <a:sym typeface="Wingdings" panose="05000000000000000000" pitchFamily="2" charset="2"/>
+              </a:rPr>
+              <a:t>Masakazu </a:t>
+            </a:r>
+            <a:r>
+              <a:rPr lang="en-US" sz="1200" dirty="0" err="1">
+                <a:sym typeface="Wingdings" panose="05000000000000000000" pitchFamily="2" charset="2"/>
+              </a:rPr>
+              <a:t>Toyokawa</a:t>
+            </a:r>
+            <a:r>
+              <a:rPr lang="en-US" sz="1200" dirty="0">
+                <a:sym typeface="Wingdings" panose="05000000000000000000" pitchFamily="2" charset="2"/>
+              </a:rPr>
+              <a:t> et </a:t>
+            </a:r>
+            <a:r>
+              <a:rPr lang="en-US" sz="1200" dirty="0" smtClean="0">
+                <a:sym typeface="Wingdings" panose="05000000000000000000" pitchFamily="2" charset="2"/>
+              </a:rPr>
+              <a:t>al</a:t>
+            </a:r>
+          </a:p>
+          <a:p>
+            <a:endParaRPr lang="en-US" sz="1200" dirty="0">
+              <a:sym typeface="Wingdings" panose="05000000000000000000" pitchFamily="2" charset="2"/>
+            </a:endParaRPr>
+          </a:p>
+          <a:p>
+            <a:r>
+              <a:rPr lang="en-US" sz="1200" dirty="0" smtClean="0">
+                <a:sym typeface="Wingdings" panose="05000000000000000000" pitchFamily="2" charset="2"/>
+              </a:rPr>
+              <a:t>4He scattering on 208Pb.</a:t>
+            </a:r>
+            <a:endParaRPr lang="en-US" sz="1200" dirty="0"/>
           </a:p>
         </p:txBody>
       </p:sp>
     </p:spTree>
     <p:extLst>
       <p:ext uri="{BB962C8B-B14F-4D97-AF65-F5344CB8AC3E}">
-        <p14:creationId xmlns:p14="http://schemas.microsoft.com/office/powerpoint/2010/main" val="1602893879"/>
+        <p14:creationId xmlns:p14="http://schemas.microsoft.com/office/powerpoint/2010/main" val="1101982429"/>
       </p:ext>
     </p:extLst>
   </p:cSld>
@@ -12834,6 +13092,167 @@
       </p:par>
     </p:tnLst>
   </p:timing>
+</p:sld>
+</file>
+
+<file path=ppt/slides/slide30.xml><?xml version="1.0" encoding="utf-8"?>
+<p:sld xmlns:a="http://schemas.openxmlformats.org/drawingml/2006/main" xmlns:r="http://schemas.openxmlformats.org/officeDocument/2006/relationships" xmlns:p="http://schemas.openxmlformats.org/presentationml/2006/main">
+  <p:cSld>
+    <p:spTree>
+      <p:nvGrpSpPr>
+        <p:cNvPr id="1" name=""/>
+        <p:cNvGrpSpPr/>
+        <p:nvPr/>
+      </p:nvGrpSpPr>
+      <p:grpSpPr>
+        <a:xfrm>
+          <a:off x="0" y="0"/>
+          <a:ext cx="0" cy="0"/>
+          <a:chOff x="0" y="0"/>
+          <a:chExt cx="0" cy="0"/>
+        </a:xfrm>
+      </p:grpSpPr>
+      <p:sp>
+        <p:nvSpPr>
+          <p:cNvPr id="2" name="제목 1"/>
+          <p:cNvSpPr>
+            <a:spLocks noGrp="1"/>
+          </p:cNvSpPr>
+          <p:nvPr>
+            <p:ph type="title"/>
+          </p:nvPr>
+        </p:nvSpPr>
+        <p:spPr/>
+        <p:txBody>
+          <a:bodyPr/>
+          <a:lstStyle/>
+          <a:p>
+            <a:r>
+              <a:rPr lang="en-US" dirty="0" smtClean="0"/>
+              <a:t>How to include 3NF ? </a:t>
+            </a:r>
+            <a:endParaRPr lang="en-US" dirty="0"/>
+          </a:p>
+        </p:txBody>
+      </p:sp>
+      <p:sp>
+        <p:nvSpPr>
+          <p:cNvPr id="3" name="TextBox 2"/>
+          <p:cNvSpPr txBox="1"/>
+          <p:nvPr/>
+        </p:nvSpPr>
+        <p:spPr>
+          <a:xfrm>
+            <a:off x="2626447" y="5874327"/>
+            <a:ext cx="6877771" cy="672492"/>
+          </a:xfrm>
+          <a:prstGeom prst="rect">
+            <a:avLst/>
+          </a:prstGeom>
+          <a:noFill/>
+        </p:spPr>
+        <p:txBody>
+          <a:bodyPr wrap="square" rtlCol="0">
+            <a:spAutoFit/>
+          </a:bodyPr>
+          <a:lstStyle/>
+          <a:p>
+            <a:r>
+              <a:rPr lang="en-US" dirty="0" smtClean="0"/>
+              <a:t>REF 1. M. Kohno, Phys. Rev. C. 88, 064005(2013)</a:t>
+            </a:r>
+          </a:p>
+          <a:p>
+            <a:r>
+              <a:rPr lang="en-US" dirty="0" smtClean="0"/>
+              <a:t>REF 2. J. Holt et al, Frontiers in Physics, vol. 8, 100 (2020)</a:t>
+            </a:r>
+            <a:endParaRPr lang="en-US" dirty="0"/>
+          </a:p>
+        </p:txBody>
+      </p:sp>
+      <p:sp>
+        <p:nvSpPr>
+          <p:cNvPr id="10" name="TextBox 9"/>
+          <p:cNvSpPr txBox="1"/>
+          <p:nvPr/>
+        </p:nvSpPr>
+        <p:spPr>
+          <a:xfrm>
+            <a:off x="668338" y="1581639"/>
+            <a:ext cx="7693890" cy="962571"/>
+          </a:xfrm>
+          <a:prstGeom prst="rect">
+            <a:avLst/>
+          </a:prstGeom>
+          <a:noFill/>
+        </p:spPr>
+        <p:txBody>
+          <a:bodyPr wrap="square" rtlCol="0">
+            <a:spAutoFit/>
+          </a:bodyPr>
+          <a:lstStyle/>
+          <a:p>
+            <a:r>
+              <a:rPr lang="en-US" dirty="0" smtClean="0"/>
+              <a:t>Currently,</a:t>
+            </a:r>
+          </a:p>
+          <a:p>
+            <a:pPr marL="457200" indent="-457200">
+              <a:buAutoNum type="arabicParenBoth"/>
+            </a:pPr>
+            <a:r>
+              <a:rPr lang="en-US" dirty="0" smtClean="0"/>
+              <a:t>confused for the moment about the correct factor.</a:t>
+            </a:r>
+          </a:p>
+          <a:p>
+            <a:pPr marL="457200" indent="-457200">
+              <a:buAutoNum type="arabicParenBoth"/>
+            </a:pPr>
+            <a:r>
+              <a:rPr lang="en-US" dirty="0" smtClean="0"/>
+              <a:t>Difficulty in understanding the Chiral 3BF code.</a:t>
+            </a:r>
+            <a:endParaRPr lang="en-US" dirty="0"/>
+          </a:p>
+        </p:txBody>
+      </p:sp>
+      <p:pic>
+        <p:nvPicPr>
+          <p:cNvPr id="4" name="그림 3"/>
+          <p:cNvPicPr>
+            <a:picLocks noChangeAspect="1"/>
+          </p:cNvPicPr>
+          <p:nvPr/>
+        </p:nvPicPr>
+        <p:blipFill>
+          <a:blip r:embed="rId2"/>
+          <a:stretch>
+            <a:fillRect/>
+          </a:stretch>
+        </p:blipFill>
+        <p:spPr>
+          <a:xfrm>
+            <a:off x="668338" y="2544210"/>
+            <a:ext cx="7192379" cy="2800741"/>
+          </a:xfrm>
+          <a:prstGeom prst="rect">
+            <a:avLst/>
+          </a:prstGeom>
+        </p:spPr>
+      </p:pic>
+    </p:spTree>
+    <p:extLst>
+      <p:ext uri="{BB962C8B-B14F-4D97-AF65-F5344CB8AC3E}">
+        <p14:creationId xmlns:p14="http://schemas.microsoft.com/office/powerpoint/2010/main" val="1602893879"/>
+      </p:ext>
+    </p:extLst>
+  </p:cSld>
+  <p:clrMapOvr>
+    <a:masterClrMapping/>
+  </p:clrMapOvr>
 </p:sld>
 </file>
 
@@ -13378,7 +13797,7 @@
         <p:spPr>
           <a:xfrm>
             <a:off x="668338" y="1699491"/>
-            <a:ext cx="8532812" cy="2703048"/>
+            <a:ext cx="8532812" cy="2412968"/>
           </a:xfrm>
           <a:prstGeom prst="rect">
             <a:avLst/>
@@ -13536,41 +13955,6 @@
               </a:rPr>
               <a:t> perturbative approach does not work. </a:t>
             </a:r>
-          </a:p>
-          <a:p>
-            <a:pPr marL="342900" indent="-342900">
-              <a:buFont typeface="Arial" panose="020B0604020202020204" pitchFamily="34" charset="0"/>
-              <a:buChar char="•"/>
-            </a:pPr>
-            <a:r>
-              <a:rPr lang="en-US" altLang="ko-KR" dirty="0" smtClean="0">
-                <a:solidFill>
-                  <a:srgbClr val="292934"/>
-                </a:solidFill>
-              </a:rPr>
-              <a:t>But, even </a:t>
-            </a:r>
-            <a:r>
-              <a:rPr lang="en-US" altLang="ko-KR" dirty="0">
-                <a:solidFill>
-                  <a:srgbClr val="292934"/>
-                </a:solidFill>
-              </a:rPr>
-              <a:t>when matrix elements are large, their infinite sum can be finite</a:t>
-            </a:r>
-            <a:r>
-              <a:rPr lang="en-US" altLang="ko-KR" dirty="0" smtClean="0">
-                <a:solidFill>
-                  <a:srgbClr val="292934"/>
-                </a:solidFill>
-              </a:rPr>
-              <a:t>. </a:t>
-            </a:r>
-            <a:endParaRPr lang="en-US" altLang="ko-KR" dirty="0">
-              <a:solidFill>
-                <a:srgbClr val="292934"/>
-              </a:solidFill>
-            </a:endParaRPr>
           </a:p>
           <a:p>
             <a:pPr marL="821819" lvl="1" indent="-342900">
@@ -13620,7 +14004,7 @@
       </p:pic>
       <p:pic>
         <p:nvPicPr>
-          <p:cNvPr id="5" name="그림 4"/>
+          <p:cNvPr id="6" name="그림 5"/>
           <p:cNvPicPr>
             <a:picLocks noChangeAspect="1"/>
           </p:cNvPicPr>
@@ -13628,30 +14012,6 @@
         </p:nvPicPr>
         <p:blipFill>
           <a:blip r:embed="rId3"/>
-          <a:stretch>
-            <a:fillRect/>
-          </a:stretch>
-        </p:blipFill>
-        <p:spPr>
-          <a:xfrm>
-            <a:off x="1143005" y="5753048"/>
-            <a:ext cx="4105848" cy="752580"/>
-          </a:xfrm>
-          <a:prstGeom prst="rect">
-            <a:avLst/>
-          </a:prstGeom>
-        </p:spPr>
-      </p:pic>
-      <p:pic>
-        <p:nvPicPr>
-          <p:cNvPr id="6" name="그림 5"/>
-          <p:cNvPicPr>
-            <a:picLocks noChangeAspect="1"/>
-          </p:cNvPicPr>
-          <p:nvPr/>
-        </p:nvPicPr>
-        <p:blipFill>
-          <a:blip r:embed="rId4"/>
           <a:stretch>
             <a:fillRect/>
           </a:stretch>
@@ -13735,7 +14095,7 @@
         <p:spPr>
           <a:xfrm>
             <a:off x="668338" y="1699491"/>
-            <a:ext cx="8532812" cy="2412968"/>
+            <a:ext cx="8532812" cy="4443524"/>
           </a:xfrm>
           <a:prstGeom prst="rect">
             <a:avLst/>
@@ -13901,12 +14261,223 @@
               </a:rPr>
               <a:t> two nucleon scattering in medium </a:t>
             </a:r>
+            <a:endParaRPr lang="en-US" altLang="ko-KR" dirty="0" smtClean="0">
+              <a:solidFill>
+                <a:srgbClr val="292934"/>
+              </a:solidFill>
+              <a:latin typeface="Arial"/>
+              <a:ea typeface="돋움" panose="020B0600000101010101" pitchFamily="50" charset="-127"/>
+              <a:sym typeface="Wingdings" panose="05000000000000000000" pitchFamily="2" charset="2"/>
+            </a:endParaRPr>
+          </a:p>
+          <a:p>
+            <a:pPr marL="342900" marR="0" lvl="0" indent="-342900" algn="l" defTabSz="957838" rtl="0" eaLnBrk="1" fontAlgn="auto" latinLnBrk="1" hangingPunct="1">
+              <a:lnSpc>
+                <a:spcPct val="100000"/>
+              </a:lnSpc>
+              <a:spcBef>
+                <a:spcPts val="0"/>
+              </a:spcBef>
+              <a:spcAft>
+                <a:spcPts val="0"/>
+              </a:spcAft>
+              <a:buClrTx/>
+              <a:buSzTx/>
+              <a:buFont typeface="Arial" panose="020B0604020202020204" pitchFamily="34" charset="0"/>
+              <a:buChar char="•"/>
+              <a:tabLst/>
+              <a:defRPr/>
+            </a:pPr>
             <a:endParaRPr lang="en-US" altLang="ko-KR" dirty="0">
               <a:solidFill>
                 <a:srgbClr val="292934"/>
               </a:solidFill>
               <a:latin typeface="Arial"/>
               <a:ea typeface="돋움" panose="020B0600000101010101" pitchFamily="50" charset="-127"/>
+            </a:endParaRPr>
+          </a:p>
+          <a:p>
+            <a:pPr marL="342900" indent="-342900">
+              <a:buFont typeface="Arial" panose="020B0604020202020204" pitchFamily="34" charset="0"/>
+              <a:buChar char="•"/>
+              <a:defRPr/>
+            </a:pPr>
+            <a:r>
+              <a:rPr lang="en-US" altLang="ko-KR" dirty="0">
+                <a:solidFill>
+                  <a:srgbClr val="292934"/>
+                </a:solidFill>
+              </a:rPr>
+              <a:t>But, even when matrix elements are large, their infinite sum can be finite</a:t>
+            </a:r>
+            <a:r>
+              <a:rPr lang="en-US" altLang="ko-KR" dirty="0" smtClean="0">
+                <a:solidFill>
+                  <a:srgbClr val="292934"/>
+                </a:solidFill>
+              </a:rPr>
+              <a:t>.</a:t>
+            </a:r>
+          </a:p>
+          <a:p>
+            <a:pPr marL="342900" indent="-342900">
+              <a:buFont typeface="Arial" panose="020B0604020202020204" pitchFamily="34" charset="0"/>
+              <a:buChar char="•"/>
+              <a:defRPr/>
+            </a:pPr>
+            <a:endParaRPr lang="en-US" altLang="ko-KR" dirty="0">
+              <a:solidFill>
+                <a:srgbClr val="292934"/>
+              </a:solidFill>
+            </a:endParaRPr>
+          </a:p>
+          <a:p>
+            <a:pPr marL="342900" indent="-342900">
+              <a:buFont typeface="Arial" panose="020B0604020202020204" pitchFamily="34" charset="0"/>
+              <a:buChar char="•"/>
+              <a:defRPr/>
+            </a:pPr>
+            <a:endParaRPr lang="en-US" altLang="ko-KR" dirty="0" smtClean="0">
+              <a:solidFill>
+                <a:srgbClr val="292934"/>
+              </a:solidFill>
+            </a:endParaRPr>
+          </a:p>
+          <a:p>
+            <a:pPr marL="342900" indent="-342900">
+              <a:buFont typeface="Arial" panose="020B0604020202020204" pitchFamily="34" charset="0"/>
+              <a:buChar char="•"/>
+              <a:defRPr/>
+            </a:pPr>
+            <a:endParaRPr lang="en-US" altLang="ko-KR" dirty="0">
+              <a:solidFill>
+                <a:srgbClr val="292934"/>
+              </a:solidFill>
+            </a:endParaRPr>
+          </a:p>
+          <a:p>
+            <a:pPr>
+              <a:defRPr/>
+            </a:pPr>
+            <a:endParaRPr lang="en-US" altLang="ko-KR" dirty="0">
+              <a:solidFill>
+                <a:srgbClr val="292934"/>
+              </a:solidFill>
+            </a:endParaRPr>
+          </a:p>
+          <a:p>
+            <a:pPr marL="342900" lvl="0" indent="-342900">
+              <a:buFont typeface="Arial" panose="020B0604020202020204" pitchFamily="34" charset="0"/>
+              <a:buChar char="•"/>
+              <a:defRPr/>
+            </a:pPr>
+            <a:r>
+              <a:rPr lang="en-US" altLang="ko-KR" dirty="0">
+                <a:solidFill>
+                  <a:srgbClr val="292934"/>
+                </a:solidFill>
+              </a:rPr>
+              <a:t>Two nucleon scattering T-matrix in free </a:t>
+            </a:r>
+            <a:r>
+              <a:rPr lang="en-US" altLang="ko-KR" dirty="0" smtClean="0">
+                <a:solidFill>
+                  <a:srgbClr val="292934"/>
+                </a:solidFill>
+              </a:rPr>
+              <a:t>space</a:t>
+            </a:r>
+          </a:p>
+          <a:p>
+            <a:pPr marL="821819" lvl="1" indent="-342900">
+              <a:buFont typeface="Arial" panose="020B0604020202020204" pitchFamily="34" charset="0"/>
+              <a:buChar char="•"/>
+              <a:defRPr/>
+            </a:pPr>
+            <a:r>
+              <a:rPr lang="en-US" altLang="ko-KR" dirty="0" smtClean="0">
+                <a:solidFill>
+                  <a:srgbClr val="292934"/>
+                </a:solidFill>
+              </a:rPr>
+              <a:t>Sum of infinite series of ladder diagrams</a:t>
+            </a:r>
+            <a:endParaRPr lang="en-US" altLang="ko-KR" dirty="0">
+              <a:solidFill>
+                <a:srgbClr val="292934"/>
+              </a:solidFill>
+            </a:endParaRPr>
+          </a:p>
+          <a:p>
+            <a:pPr marL="821819" lvl="1" indent="-342900">
+              <a:buFont typeface="Arial" panose="020B0604020202020204" pitchFamily="34" charset="0"/>
+              <a:buChar char="•"/>
+              <a:defRPr/>
+            </a:pPr>
+            <a:r>
+              <a:rPr lang="en-US" altLang="ko-KR" dirty="0">
+                <a:solidFill>
+                  <a:srgbClr val="292934"/>
+                </a:solidFill>
+              </a:rPr>
+              <a:t>Scattering T-matrix is well defined/behaved </a:t>
+            </a:r>
+          </a:p>
+          <a:p>
+            <a:pPr lvl="1">
+              <a:defRPr/>
+            </a:pPr>
+            <a:r>
+              <a:rPr lang="en-US" altLang="ko-KR" dirty="0">
+                <a:solidFill>
+                  <a:srgbClr val="292934"/>
+                </a:solidFill>
+              </a:rPr>
+              <a:t>      even when potential matrix element is large. (non-perturbative)</a:t>
+            </a:r>
+          </a:p>
+          <a:p>
+            <a:pPr marL="821819" lvl="1" indent="-342900">
+              <a:buFont typeface="Arial" panose="020B0604020202020204" pitchFamily="34" charset="0"/>
+              <a:buChar char="•"/>
+              <a:defRPr/>
+            </a:pPr>
+            <a:r>
+              <a:rPr lang="en-US" altLang="ko-KR" dirty="0">
+                <a:solidFill>
+                  <a:srgbClr val="292934"/>
+                </a:solidFill>
+              </a:rPr>
+              <a:t>T-matrix converts free plane wave to </a:t>
+            </a:r>
+            <a:r>
+              <a:rPr lang="en-US" altLang="ko-KR" dirty="0" smtClean="0">
+                <a:solidFill>
+                  <a:srgbClr val="292934"/>
+                </a:solidFill>
+              </a:rPr>
+              <a:t>scattering </a:t>
+            </a:r>
+            <a:r>
+              <a:rPr lang="en-US" altLang="ko-KR" dirty="0">
+                <a:solidFill>
+                  <a:srgbClr val="292934"/>
+                </a:solidFill>
+              </a:rPr>
+              <a:t>wave function.</a:t>
+            </a:r>
+            <a:r>
+              <a:rPr lang="en-US" altLang="ko-KR" dirty="0" smtClean="0">
+                <a:solidFill>
+                  <a:srgbClr val="292934"/>
+                </a:solidFill>
+              </a:rPr>
+              <a:t> </a:t>
+            </a:r>
+            <a:endParaRPr lang="en-US" altLang="ko-KR" dirty="0">
+              <a:solidFill>
+                <a:srgbClr val="292934"/>
+              </a:solidFill>
             </a:endParaRPr>
           </a:p>
           <a:p>
@@ -13942,122 +14513,11 @@
               <a:cs typeface="+mn-cs"/>
             </a:endParaRPr>
           </a:p>
-          <a:p>
-            <a:pPr marL="342900" marR="0" lvl="0" indent="-342900" algn="l" defTabSz="957838" rtl="0" eaLnBrk="1" fontAlgn="auto" latinLnBrk="1" hangingPunct="1">
-              <a:lnSpc>
-                <a:spcPct val="100000"/>
-              </a:lnSpc>
-              <a:spcBef>
-                <a:spcPts val="0"/>
-              </a:spcBef>
-              <a:spcAft>
-                <a:spcPts val="0"/>
-              </a:spcAft>
-              <a:buClrTx/>
-              <a:buSzTx/>
-              <a:buFont typeface="Arial" panose="020B0604020202020204" pitchFamily="34" charset="0"/>
-              <a:buChar char="•"/>
-              <a:tabLst/>
-              <a:defRPr/>
-            </a:pPr>
-            <a:r>
-              <a:rPr lang="en-US" altLang="ko-KR" baseline="0" dirty="0" smtClean="0">
-                <a:solidFill>
-                  <a:srgbClr val="292934"/>
-                </a:solidFill>
-                <a:latin typeface="Arial"/>
-                <a:ea typeface="돋움" panose="020B0600000101010101" pitchFamily="50" charset="-127"/>
-              </a:rPr>
-              <a:t>Two nucleon scattering T-matrix in free space</a:t>
-            </a:r>
-          </a:p>
-          <a:p>
-            <a:pPr marL="821819" lvl="1" indent="-342900">
-              <a:buFont typeface="Arial" panose="020B0604020202020204" pitchFamily="34" charset="0"/>
-              <a:buChar char="•"/>
-              <a:defRPr/>
-            </a:pPr>
-            <a:r>
-              <a:rPr lang="en-US" altLang="ko-KR" dirty="0" smtClean="0">
-                <a:solidFill>
-                  <a:srgbClr val="292934"/>
-                </a:solidFill>
-                <a:latin typeface="Arial"/>
-                <a:ea typeface="돋움" panose="020B0600000101010101" pitchFamily="50" charset="-127"/>
-              </a:rPr>
-              <a:t>Scattering T-matrix is well defined/behaved </a:t>
-            </a:r>
-          </a:p>
-          <a:p>
-            <a:pPr lvl="1">
-              <a:defRPr/>
-            </a:pPr>
-            <a:r>
-              <a:rPr lang="en-US" altLang="ko-KR" dirty="0">
-                <a:solidFill>
-                  <a:srgbClr val="292934"/>
-                </a:solidFill>
-                <a:latin typeface="Arial"/>
-                <a:ea typeface="돋움" panose="020B0600000101010101" pitchFamily="50" charset="-127"/>
-              </a:rPr>
-              <a:t> </a:t>
-            </a:r>
-            <a:r>
-              <a:rPr lang="en-US" altLang="ko-KR" dirty="0" smtClean="0">
-                <a:solidFill>
-                  <a:srgbClr val="292934"/>
-                </a:solidFill>
-                <a:latin typeface="Arial"/>
-                <a:ea typeface="돋움" panose="020B0600000101010101" pitchFamily="50" charset="-127"/>
-              </a:rPr>
-              <a:t>     even when potential matrix element is large. (non-perturbative) </a:t>
-            </a:r>
-            <a:endParaRPr lang="en-US" altLang="ko-KR" baseline="0" dirty="0">
-              <a:solidFill>
-                <a:srgbClr val="292934"/>
-              </a:solidFill>
-              <a:latin typeface="Arial"/>
-              <a:ea typeface="돋움" panose="020B0600000101010101" pitchFamily="50" charset="-127"/>
-            </a:endParaRPr>
-          </a:p>
-          <a:p>
-            <a:pPr marL="342900" marR="0" lvl="0" indent="-342900" algn="l" defTabSz="957838" rtl="0" eaLnBrk="1" fontAlgn="auto" latinLnBrk="1" hangingPunct="1">
-              <a:lnSpc>
-                <a:spcPct val="100000"/>
-              </a:lnSpc>
-              <a:spcBef>
-                <a:spcPts val="0"/>
-              </a:spcBef>
-              <a:spcAft>
-                <a:spcPts val="0"/>
-              </a:spcAft>
-              <a:buClrTx/>
-              <a:buSzTx/>
-              <a:buFont typeface="Arial" panose="020B0604020202020204" pitchFamily="34" charset="0"/>
-              <a:buChar char="•"/>
-              <a:tabLst/>
-              <a:defRPr/>
-            </a:pPr>
-            <a:endParaRPr kumimoji="0" lang="en-US" altLang="ko-KR" b="0" i="0" u="none" strike="noStrike" kern="1200" cap="none" spc="0" normalizeH="0" baseline="0" noProof="0" dirty="0" smtClean="0">
-              <a:ln>
-                <a:noFill/>
-              </a:ln>
-              <a:solidFill>
-                <a:srgbClr val="292934"/>
-              </a:solidFill>
-              <a:effectLst/>
-              <a:uLnTx/>
-              <a:uFillTx/>
-              <a:latin typeface="Arial"/>
-              <a:ea typeface="돋움" panose="020B0600000101010101" pitchFamily="50" charset="-127"/>
-              <a:cs typeface="+mn-cs"/>
-            </a:endParaRPr>
-          </a:p>
         </p:txBody>
       </p:sp>
       <p:pic>
         <p:nvPicPr>
-          <p:cNvPr id="4" name="그림 3"/>
+          <p:cNvPr id="10" name="그림 9"/>
           <p:cNvPicPr>
             <a:picLocks noChangeAspect="1"/>
           </p:cNvPicPr>
@@ -14071,8 +14531,8 @@
         </p:blipFill>
         <p:spPr>
           <a:xfrm>
-            <a:off x="1063118" y="4057508"/>
-            <a:ext cx="3124636" cy="619211"/>
+            <a:off x="2010357" y="3357563"/>
+            <a:ext cx="4105848" cy="752580"/>
           </a:xfrm>
           <a:prstGeom prst="rect">
             <a:avLst/>
@@ -14081,7 +14541,7 @@
       </p:pic>
       <p:pic>
         <p:nvPicPr>
-          <p:cNvPr id="5" name="그림 4"/>
+          <p:cNvPr id="11" name="그림 10"/>
           <p:cNvPicPr>
             <a:picLocks noChangeAspect="1"/>
           </p:cNvPicPr>
@@ -14095,56 +14555,8 @@
         </p:blipFill>
         <p:spPr>
           <a:xfrm>
-            <a:off x="1063118" y="4747025"/>
-            <a:ext cx="3296110" cy="485843"/>
-          </a:xfrm>
-          <a:prstGeom prst="rect">
-            <a:avLst/>
-          </a:prstGeom>
-        </p:spPr>
-      </p:pic>
-      <p:pic>
-        <p:nvPicPr>
-          <p:cNvPr id="6" name="그림 5"/>
-          <p:cNvPicPr>
-            <a:picLocks noChangeAspect="1"/>
-          </p:cNvPicPr>
-          <p:nvPr/>
-        </p:nvPicPr>
-        <p:blipFill>
-          <a:blip r:embed="rId4"/>
-          <a:stretch>
-            <a:fillRect/>
-          </a:stretch>
-        </p:blipFill>
-        <p:spPr>
-          <a:xfrm>
-            <a:off x="4418168" y="4197320"/>
-            <a:ext cx="3343742" cy="638264"/>
-          </a:xfrm>
-          <a:prstGeom prst="rect">
-            <a:avLst/>
-          </a:prstGeom>
-        </p:spPr>
-      </p:pic>
-      <p:pic>
-        <p:nvPicPr>
-          <p:cNvPr id="8" name="그림 7"/>
-          <p:cNvPicPr>
-            <a:picLocks noChangeAspect="1"/>
-          </p:cNvPicPr>
-          <p:nvPr/>
-        </p:nvPicPr>
-        <p:blipFill>
-          <a:blip r:embed="rId5"/>
-          <a:stretch>
-            <a:fillRect/>
-          </a:stretch>
-        </p:blipFill>
-        <p:spPr>
-          <a:xfrm>
-            <a:off x="1063118" y="5273213"/>
-            <a:ext cx="5212871" cy="801112"/>
+            <a:off x="1472239" y="5956384"/>
+            <a:ext cx="3855409" cy="568283"/>
           </a:xfrm>
           <a:prstGeom prst="rect">
             <a:avLst/>
@@ -14204,8 +14616,8 @@
           <a:lstStyle/>
           <a:p>
             <a:r>
-              <a:rPr lang="en-US" altLang="ko-KR" dirty="0" err="1" smtClean="0"/>
-              <a:t>Brueckner-Hartree-Fock</a:t>
+              <a:rPr lang="en-US" altLang="ko-KR" dirty="0" smtClean="0"/>
+              <a:t>T-matrix </a:t>
             </a:r>
             <a:endParaRPr lang="ko-KR" altLang="en-US" dirty="0"/>
           </a:p>
@@ -14220,7 +14632,7 @@
         <p:spPr>
           <a:xfrm>
             <a:off x="668338" y="1699491"/>
-            <a:ext cx="8532812" cy="2412968"/>
+            <a:ext cx="8532812" cy="962571"/>
           </a:xfrm>
           <a:prstGeom prst="rect">
             <a:avLst/>
@@ -14232,140 +14644,6 @@
             <a:spAutoFit/>
           </a:bodyPr>
           <a:lstStyle/>
-          <a:p>
-            <a:pPr marL="342900" marR="0" lvl="0" indent="-342900" algn="l" defTabSz="957838" rtl="0" eaLnBrk="1" fontAlgn="auto" latinLnBrk="1" hangingPunct="1">
-              <a:lnSpc>
-                <a:spcPct val="100000"/>
-              </a:lnSpc>
-              <a:spcBef>
-                <a:spcPts val="0"/>
-              </a:spcBef>
-              <a:spcAft>
-                <a:spcPts val="0"/>
-              </a:spcAft>
-              <a:buClrTx/>
-              <a:buSzTx/>
-              <a:buFont typeface="Arial" panose="020B0604020202020204" pitchFamily="34" charset="0"/>
-              <a:buChar char="•"/>
-              <a:tabLst/>
-              <a:defRPr/>
-            </a:pPr>
-            <a:r>
-              <a:rPr kumimoji="0" lang="en-US" altLang="ko-KR" b="0" i="0" u="none" strike="noStrike" kern="1200" cap="none" spc="0" normalizeH="0" noProof="0" dirty="0" err="1" smtClean="0">
-                <a:ln>
-                  <a:noFill/>
-                </a:ln>
-                <a:solidFill>
-                  <a:srgbClr val="292934"/>
-                </a:solidFill>
-                <a:effectLst/>
-                <a:uLnTx/>
-                <a:uFillTx/>
-                <a:latin typeface="Arial"/>
-                <a:ea typeface="돋움" panose="020B0600000101010101" pitchFamily="50" charset="-127"/>
-                <a:cs typeface="+mn-cs"/>
-              </a:rPr>
-              <a:t>Brueckner</a:t>
-            </a:r>
-            <a:r>
-              <a:rPr kumimoji="0" lang="en-US" altLang="ko-KR" b="0" i="0" u="none" strike="noStrike" kern="1200" cap="none" spc="0" normalizeH="0" noProof="0" dirty="0" smtClean="0">
-                <a:ln>
-                  <a:noFill/>
-                </a:ln>
-                <a:solidFill>
-                  <a:srgbClr val="292934"/>
-                </a:solidFill>
-                <a:effectLst/>
-                <a:uLnTx/>
-                <a:uFillTx/>
-                <a:latin typeface="Arial"/>
-                <a:ea typeface="돋움" panose="020B0600000101010101" pitchFamily="50" charset="-127"/>
-                <a:cs typeface="+mn-cs"/>
-              </a:rPr>
-              <a:t> approach:</a:t>
-            </a:r>
-          </a:p>
-          <a:p>
-            <a:pPr marL="821819" lvl="1" indent="-342900">
-              <a:buFont typeface="Arial" panose="020B0604020202020204" pitchFamily="34" charset="0"/>
-              <a:buChar char="•"/>
-            </a:pPr>
-            <a:r>
-              <a:rPr lang="en-US" altLang="ko-KR" dirty="0" smtClean="0">
-                <a:solidFill>
-                  <a:srgbClr val="292934"/>
-                </a:solidFill>
-                <a:latin typeface="Arial"/>
-                <a:ea typeface="돋움" panose="020B0600000101010101" pitchFamily="50" charset="-127"/>
-              </a:rPr>
-              <a:t>Sum all order of two-nucleon scattering (ladder diagrams) </a:t>
-            </a:r>
-          </a:p>
-          <a:p>
-            <a:pPr marL="821819" lvl="1" indent="-342900">
-              <a:buFont typeface="Arial" panose="020B0604020202020204" pitchFamily="34" charset="0"/>
-              <a:buChar char="•"/>
-            </a:pPr>
-            <a:r>
-              <a:rPr kumimoji="0" lang="en-US" altLang="ko-KR" b="0" i="0" u="none" strike="noStrike" kern="1200" cap="none" spc="0" normalizeH="0" noProof="0" dirty="0" smtClean="0">
-                <a:ln>
-                  <a:noFill/>
-                </a:ln>
-                <a:solidFill>
-                  <a:srgbClr val="292934"/>
-                </a:solidFill>
-                <a:effectLst/>
-                <a:uLnTx/>
-                <a:uFillTx/>
-                <a:latin typeface="Arial"/>
-                <a:ea typeface="돋움" panose="020B0600000101010101" pitchFamily="50" charset="-127"/>
-                <a:cs typeface="+mn-cs"/>
-              </a:rPr>
-              <a:t>Replace matrix elements of V to matrix elements of G-matrix. </a:t>
-            </a:r>
-          </a:p>
-          <a:p>
-            <a:pPr marL="821819" lvl="1" indent="-342900">
-              <a:buFont typeface="Arial" panose="020B0604020202020204" pitchFamily="34" charset="0"/>
-              <a:buChar char="•"/>
-            </a:pPr>
-            <a:r>
-              <a:rPr lang="en-US" altLang="ko-KR" dirty="0" smtClean="0">
-                <a:solidFill>
-                  <a:srgbClr val="292934"/>
-                </a:solidFill>
-                <a:latin typeface="Arial"/>
-                <a:ea typeface="돋움" panose="020B0600000101010101" pitchFamily="50" charset="-127"/>
-              </a:rPr>
-              <a:t>G-matrix is well defined even with hard-core interaction.</a:t>
-            </a:r>
-          </a:p>
-          <a:p>
-            <a:pPr marL="342900" marR="0" lvl="0" indent="-342900" algn="l" defTabSz="957838" rtl="0" eaLnBrk="1" fontAlgn="auto" latinLnBrk="1" hangingPunct="1">
-              <a:lnSpc>
-                <a:spcPct val="100000"/>
-              </a:lnSpc>
-              <a:spcBef>
-                <a:spcPts val="0"/>
-              </a:spcBef>
-              <a:spcAft>
-                <a:spcPts val="0"/>
-              </a:spcAft>
-              <a:buClrTx/>
-              <a:buSzTx/>
-              <a:buFont typeface="Arial" panose="020B0604020202020204" pitchFamily="34" charset="0"/>
-              <a:buChar char="•"/>
-              <a:tabLst/>
-              <a:defRPr/>
-            </a:pPr>
-            <a:endParaRPr lang="en-US" altLang="ko-KR" baseline="0" dirty="0">
-              <a:solidFill>
-                <a:srgbClr val="292934"/>
-              </a:solidFill>
-              <a:latin typeface="Arial"/>
-              <a:ea typeface="돋움" panose="020B0600000101010101" pitchFamily="50" charset="-127"/>
-            </a:endParaRPr>
-          </a:p>
           <a:p>
             <a:pPr marL="342900" marR="0" lvl="0" indent="-342900" algn="l" defTabSz="957838" rtl="0" eaLnBrk="1" fontAlgn="auto" latinLnBrk="1" hangingPunct="1">
               <a:lnSpc>
@@ -14417,6 +14695,36 @@
               <a:tabLst/>
               <a:defRPr/>
             </a:pPr>
+            <a:r>
+              <a:rPr lang="en-US" altLang="ko-KR" baseline="0" dirty="0" err="1" smtClean="0">
+                <a:solidFill>
+                  <a:srgbClr val="292934"/>
+                </a:solidFill>
+                <a:latin typeface="Arial"/>
+                <a:ea typeface="돋움" panose="020B0600000101010101" pitchFamily="50" charset="-127"/>
+              </a:rPr>
+              <a:t>Lippman</a:t>
+            </a:r>
+            <a:r>
+              <a:rPr lang="en-US" altLang="ko-KR" baseline="0" dirty="0" smtClean="0">
+                <a:solidFill>
+                  <a:srgbClr val="292934"/>
+                </a:solidFill>
+                <a:latin typeface="Arial"/>
+                <a:ea typeface="돋움" panose="020B0600000101010101" pitchFamily="50" charset="-127"/>
+              </a:rPr>
+              <a:t>-Schwinger</a:t>
+            </a:r>
+            <a:r>
+              <a:rPr lang="en-US" altLang="ko-KR" dirty="0" smtClean="0">
+                <a:solidFill>
+                  <a:srgbClr val="292934"/>
+                </a:solidFill>
+                <a:latin typeface="Arial"/>
+                <a:ea typeface="돋움" panose="020B0600000101010101" pitchFamily="50" charset="-127"/>
+              </a:rPr>
+              <a:t> equation</a:t>
+            </a:r>
             <a:endParaRPr lang="en-US" altLang="ko-KR" baseline="0" dirty="0">
               <a:solidFill>
                 <a:srgbClr val="292934"/>
@@ -14462,7 +14770,7 @@
       </p:sp>
       <p:pic>
         <p:nvPicPr>
-          <p:cNvPr id="7" name="그림 6"/>
+          <p:cNvPr id="4" name="그림 3"/>
           <p:cNvPicPr>
             <a:picLocks noChangeAspect="1"/>
           </p:cNvPicPr>
@@ -14476,8 +14784,8 @@
         </p:blipFill>
         <p:spPr>
           <a:xfrm>
-            <a:off x="1085693" y="5534859"/>
-            <a:ext cx="6584620" cy="938349"/>
+            <a:off x="1028480" y="3007859"/>
+            <a:ext cx="3124636" cy="619211"/>
           </a:xfrm>
           <a:prstGeom prst="rect">
             <a:avLst/>
@@ -14500,8 +14808,8 @@
         </p:blipFill>
         <p:spPr>
           <a:xfrm>
-            <a:off x="1085693" y="3121891"/>
-            <a:ext cx="1929698" cy="1310070"/>
+            <a:off x="834930" y="2465307"/>
+            <a:ext cx="3855409" cy="568283"/>
           </a:xfrm>
           <a:prstGeom prst="rect">
             <a:avLst/>
@@ -14524,17 +14832,77 @@
         </p:blipFill>
         <p:spPr>
           <a:xfrm>
-            <a:off x="3288867" y="2983806"/>
-            <a:ext cx="2248765" cy="1586239"/>
+            <a:off x="1090763" y="3989044"/>
+            <a:ext cx="3343742" cy="638319"/>
           </a:xfrm>
           <a:prstGeom prst="rect">
             <a:avLst/>
           </a:prstGeom>
         </p:spPr>
       </p:pic>
+      <p:sp>
+        <p:nvSpPr>
+          <p:cNvPr id="7" name="TextBox 6"/>
+          <p:cNvSpPr txBox="1"/>
+          <p:nvPr/>
+        </p:nvSpPr>
+        <p:spPr>
+          <a:xfrm>
+            <a:off x="4784434" y="2517567"/>
+            <a:ext cx="4239491" cy="382412"/>
+          </a:xfrm>
+          <a:prstGeom prst="rect">
+            <a:avLst/>
+          </a:prstGeom>
+          <a:noFill/>
+        </p:spPr>
+        <p:txBody>
+          <a:bodyPr wrap="square" rtlCol="0">
+            <a:spAutoFit/>
+          </a:bodyPr>
+          <a:lstStyle/>
+          <a:p>
+            <a:r>
+              <a:rPr lang="en-US" dirty="0" smtClean="0"/>
+              <a:t>k : two-nucleon relative momentum </a:t>
+            </a:r>
+            <a:endParaRPr lang="en-US" dirty="0"/>
+          </a:p>
+        </p:txBody>
+      </p:sp>
+      <p:sp>
+        <p:nvSpPr>
+          <p:cNvPr id="9" name="TextBox 8"/>
+          <p:cNvSpPr txBox="1"/>
+          <p:nvPr/>
+        </p:nvSpPr>
+        <p:spPr>
+          <a:xfrm>
+            <a:off x="5193146" y="5109457"/>
+            <a:ext cx="2843984" cy="382412"/>
+          </a:xfrm>
+          <a:prstGeom prst="rect">
+            <a:avLst/>
+          </a:prstGeom>
+          <a:noFill/>
+        </p:spPr>
+        <p:txBody>
+          <a:bodyPr wrap="none" rtlCol="0">
+            <a:spAutoFit/>
+          </a:bodyPr>
+          <a:lstStyle/>
+          <a:p>
+            <a:r>
+              <a:rPr lang="en-US" dirty="0" smtClean="0"/>
+              <a:t>L-S equation for T-matrix</a:t>
+            </a:r>
+            <a:endParaRPr lang="en-US" dirty="0"/>
+          </a:p>
+        </p:txBody>
+      </p:sp>
       <p:pic>
         <p:nvPicPr>
-          <p:cNvPr id="8" name="그림 7"/>
+          <p:cNvPr id="10" name="그림 9"/>
           <p:cNvPicPr>
             <a:picLocks noChangeAspect="1"/>
           </p:cNvPicPr>
@@ -14548,18 +14916,48 @@
         </p:blipFill>
         <p:spPr>
           <a:xfrm>
-            <a:off x="1629904" y="4860184"/>
-            <a:ext cx="3286584" cy="571580"/>
+            <a:off x="1028480" y="4937887"/>
+            <a:ext cx="3857584" cy="724004"/>
           </a:xfrm>
           <a:prstGeom prst="rect">
             <a:avLst/>
           </a:prstGeom>
         </p:spPr>
       </p:pic>
+      <p:sp>
+        <p:nvSpPr>
+          <p:cNvPr id="11" name="TextBox 10"/>
+          <p:cNvSpPr txBox="1"/>
+          <p:nvPr/>
+        </p:nvSpPr>
+        <p:spPr>
+          <a:xfrm>
+            <a:off x="4916488" y="3097726"/>
+            <a:ext cx="3454792" cy="382412"/>
+          </a:xfrm>
+          <a:prstGeom prst="rect">
+            <a:avLst/>
+          </a:prstGeom>
+          <a:noFill/>
+        </p:spPr>
+        <p:txBody>
+          <a:bodyPr wrap="none" rtlCol="0">
+            <a:spAutoFit/>
+          </a:bodyPr>
+          <a:lstStyle/>
+          <a:p>
+            <a:r>
+              <a:rPr lang="en-US" dirty="0" smtClean="0"/>
+              <a:t>L-S equation for wave function</a:t>
+            </a:r>
+            <a:endParaRPr lang="en-US" dirty="0"/>
+          </a:p>
+        </p:txBody>
+      </p:sp>
     </p:spTree>
     <p:extLst>
       <p:ext uri="{BB962C8B-B14F-4D97-AF65-F5344CB8AC3E}">
-        <p14:creationId xmlns:p14="http://schemas.microsoft.com/office/powerpoint/2010/main" val="1465821798"/>
+        <p14:creationId xmlns:p14="http://schemas.microsoft.com/office/powerpoint/2010/main" val="2399059146"/>
       </p:ext>
     </p:extLst>
   </p:cSld>
@@ -14625,7 +15023,7 @@
         <p:spPr>
           <a:xfrm>
             <a:off x="668338" y="1699491"/>
-            <a:ext cx="8532812" cy="2993127"/>
+            <a:ext cx="8532812" cy="2412968"/>
           </a:xfrm>
           <a:prstGeom prst="rect">
             <a:avLst/>
@@ -14638,7 +15036,60 @@
           </a:bodyPr>
           <a:lstStyle/>
           <a:p>
-            <a:pPr marL="342900" indent="-342900">
+            <a:pPr marL="342900" marR="0" lvl="0" indent="-342900" algn="l" defTabSz="957838" rtl="0" eaLnBrk="1" fontAlgn="auto" latinLnBrk="1" hangingPunct="1">
+              <a:lnSpc>
+                <a:spcPct val="100000"/>
+              </a:lnSpc>
+              <a:spcBef>
+                <a:spcPts val="0"/>
+              </a:spcBef>
+              <a:spcAft>
+                <a:spcPts val="0"/>
+              </a:spcAft>
+              <a:buClrTx/>
+              <a:buSzTx/>
+              <a:buFont typeface="Arial" panose="020B0604020202020204" pitchFamily="34" charset="0"/>
+              <a:buChar char="•"/>
+              <a:tabLst/>
+              <a:defRPr/>
+            </a:pPr>
+            <a:r>
+              <a:rPr kumimoji="0" lang="en-US" altLang="ko-KR" b="0" i="0" u="none" strike="noStrike" kern="1200" cap="none" spc="0" normalizeH="0" noProof="0" dirty="0" err="1" smtClean="0">
+                <a:ln>
+                  <a:noFill/>
+                </a:ln>
+                <a:solidFill>
+                  <a:srgbClr val="292934"/>
+                </a:solidFill>
+                <a:effectLst/>
+                <a:uLnTx/>
+                <a:uFillTx/>
+                <a:latin typeface="Arial"/>
+                <a:ea typeface="돋움" panose="020B0600000101010101" pitchFamily="50" charset="-127"/>
+                <a:cs typeface="+mn-cs"/>
+              </a:rPr>
+              <a:t>Brueckner</a:t>
+            </a:r>
+            <a:r>
+              <a:rPr kumimoji="0" lang="en-US" altLang="ko-KR" b="0" i="0" u="none" strike="noStrike" kern="1200" cap="none" spc="0" normalizeH="0" noProof="0" dirty="0" smtClean="0">
+                <a:ln>
+                  <a:noFill/>
+                </a:ln>
+                <a:solidFill>
+                  <a:srgbClr val="292934"/>
+                </a:solidFill>
+                <a:effectLst/>
+                <a:uLnTx/>
+                <a:uFillTx/>
+                <a:latin typeface="Arial"/>
+                <a:ea typeface="돋움" panose="020B0600000101010101" pitchFamily="50" charset="-127"/>
+                <a:cs typeface="+mn-cs"/>
+              </a:rPr>
+              <a:t> approach:</a:t>
+            </a:r>
+          </a:p>
+          <a:p>
+            <a:pPr marL="821819" lvl="1" indent="-342900">
               <a:buFont typeface="Arial" panose="020B0604020202020204" pitchFamily="34" charset="0"/>
               <a:buChar char="•"/>
             </a:pPr>
@@ -14650,11 +15101,51 @@
                 <a:latin typeface="Arial"/>
                 <a:ea typeface="돋움" panose="020B0600000101010101" pitchFamily="50" charset="-127"/>
               </a:rPr>
-              <a:t>Medium effects enters</a:t>
-            </a:r>
-          </a:p>
-          <a:p>
-            <a:pPr marL="342900" indent="-342900">
+              <a:t>Sum all order of two-nucleon scattering (ladder diagrams) </a:t>
+            </a:r>
+            <a:r>
+              <a:rPr lang="en-US" altLang="ko-KR" dirty="0" smtClean="0">
+                <a:solidFill>
+                  <a:srgbClr val="FF0000"/>
+                </a:solidFill>
+                <a:latin typeface="Arial"/>
+                <a:ea typeface="돋움" panose="020B0600000101010101" pitchFamily="50" charset="-127"/>
+              </a:rPr>
+              <a:t>in medium</a:t>
+            </a:r>
+            <a:endParaRPr lang="en-US" altLang="ko-KR" dirty="0" smtClean="0">
+              <a:solidFill>
+                <a:srgbClr val="FF0000"/>
+              </a:solidFill>
+              <a:latin typeface="Arial"/>
+              <a:ea typeface="돋움" panose="020B0600000101010101" pitchFamily="50" charset="-127"/>
+            </a:endParaRPr>
+          </a:p>
+          <a:p>
+            <a:pPr marL="821819" lvl="1" indent="-342900">
+              <a:buFont typeface="Arial" panose="020B0604020202020204" pitchFamily="34" charset="0"/>
+              <a:buChar char="•"/>
+            </a:pPr>
+            <a:r>
+              <a:rPr kumimoji="0" lang="en-US" altLang="ko-KR" b="0" i="0" u="none" strike="noStrike" kern="1200" cap="none" spc="0" normalizeH="0" noProof="0" dirty="0" smtClean="0">
+                <a:ln>
+                  <a:noFill/>
+                </a:ln>
+                <a:solidFill>
+                  <a:srgbClr val="292934"/>
+                </a:solidFill>
+                <a:effectLst/>
+                <a:uLnTx/>
+                <a:uFillTx/>
+                <a:latin typeface="Arial"/>
+                <a:ea typeface="돋움" panose="020B0600000101010101" pitchFamily="50" charset="-127"/>
+                <a:cs typeface="+mn-cs"/>
+              </a:rPr>
+              <a:t>Replace matrix elements of V to matrix elements of G-matrix. </a:t>
+            </a:r>
+          </a:p>
+          <a:p>
+            <a:pPr marL="821819" lvl="1" indent="-342900">
               <a:buFont typeface="Arial" panose="020B0604020202020204" pitchFamily="34" charset="0"/>
               <a:buChar char="•"/>
             </a:pPr>
@@ -14666,88 +15157,7 @@
                 <a:latin typeface="Arial"/>
                 <a:ea typeface="돋움" panose="020B0600000101010101" pitchFamily="50" charset="-127"/>
               </a:rPr>
-              <a:t>(1) Pauli exclusion</a:t>
-            </a:r>
-          </a:p>
-          <a:p>
-            <a:pPr marL="342900" indent="-342900">
-              <a:buFont typeface="Arial" panose="020B0604020202020204" pitchFamily="34" charset="0"/>
-              <a:buChar char="•"/>
-            </a:pPr>
-            <a:r>
-              <a:rPr lang="en-US" altLang="ko-KR" dirty="0" smtClean="0">
-                <a:solidFill>
-                  <a:srgbClr val="292934"/>
-                </a:solidFill>
-                <a:latin typeface="Arial"/>
-                <a:ea typeface="돋움" panose="020B0600000101010101" pitchFamily="50" charset="-127"/>
-              </a:rPr>
-              <a:t>(2) Dispersion relation( relation between energy and momentum)  </a:t>
-            </a:r>
-          </a:p>
-          <a:p>
-            <a:pPr marL="342900" indent="-342900">
-              <a:buFont typeface="Arial" panose="020B0604020202020204" pitchFamily="34" charset="0"/>
-              <a:buChar char="•"/>
-            </a:pPr>
-            <a:endParaRPr lang="en-US" altLang="ko-KR" dirty="0" smtClean="0">
-              <a:solidFill>
-                <a:srgbClr val="292934"/>
-              </a:solidFill>
-              <a:latin typeface="Arial"/>
-              <a:ea typeface="돋움" panose="020B0600000101010101" pitchFamily="50" charset="-127"/>
-            </a:endParaRPr>
-          </a:p>
-          <a:p>
-            <a:pPr marL="342900" indent="-342900">
-              <a:buFont typeface="Arial" panose="020B0604020202020204" pitchFamily="34" charset="0"/>
-              <a:buChar char="•"/>
-            </a:pPr>
-            <a:r>
-              <a:rPr lang="en-US" altLang="ko-KR" dirty="0" smtClean="0">
-                <a:solidFill>
-                  <a:srgbClr val="292934"/>
-                </a:solidFill>
-                <a:latin typeface="Arial"/>
-                <a:ea typeface="돋움" panose="020B0600000101010101" pitchFamily="50" charset="-127"/>
-              </a:rPr>
-              <a:t>BHF or Bethe-Goldstone equation</a:t>
-            </a:r>
-          </a:p>
-          <a:p>
-            <a:pPr marL="821819" lvl="1" indent="-342900">
-              <a:buFont typeface="Arial" panose="020B0604020202020204" pitchFamily="34" charset="0"/>
-              <a:buChar char="•"/>
-            </a:pPr>
-            <a:r>
-              <a:rPr lang="en-US" altLang="ko-KR" dirty="0" smtClean="0">
-                <a:solidFill>
-                  <a:srgbClr val="292934"/>
-                </a:solidFill>
-                <a:latin typeface="Arial"/>
-                <a:ea typeface="돋움" panose="020B0600000101010101" pitchFamily="50" charset="-127"/>
-              </a:rPr>
-              <a:t>Self consistent : </a:t>
-            </a:r>
-            <a:r>
-              <a:rPr lang="en-US" altLang="ko-KR" dirty="0" err="1" smtClean="0">
-                <a:solidFill>
-                  <a:srgbClr val="292934"/>
-                </a:solidFill>
-                <a:latin typeface="Arial"/>
-                <a:ea typeface="돋움" panose="020B0600000101010101" pitchFamily="50" charset="-127"/>
-              </a:rPr>
-              <a:t>s.p</a:t>
-            </a:r>
-            <a:r>
-              <a:rPr lang="en-US" altLang="ko-KR" dirty="0" smtClean="0">
-                <a:solidFill>
-                  <a:srgbClr val="292934"/>
-                </a:solidFill>
-                <a:latin typeface="Arial"/>
-                <a:ea typeface="돋움" panose="020B0600000101010101" pitchFamily="50" charset="-127"/>
-              </a:rPr>
-              <a:t>. wave function, energy, potential, g-matrix</a:t>
+              <a:t>G-matrix is well defined even with hard-core interaction.</a:t>
             </a:r>
           </a:p>
           <a:p>
@@ -14872,7 +15282,7 @@
       </p:sp>
       <p:pic>
         <p:nvPicPr>
-          <p:cNvPr id="6" name="그림 5"/>
+          <p:cNvPr id="7" name="그림 6"/>
           <p:cNvPicPr>
             <a:picLocks noChangeAspect="1"/>
           </p:cNvPicPr>
@@ -14886,8 +15296,8 @@
         </p:blipFill>
         <p:spPr>
           <a:xfrm>
-            <a:off x="1317283" y="3603675"/>
-            <a:ext cx="2448267" cy="657317"/>
+            <a:off x="1085693" y="5534859"/>
+            <a:ext cx="5906234" cy="841675"/>
           </a:xfrm>
           <a:prstGeom prst="rect">
             <a:avLst/>
@@ -14896,7 +15306,7 @@
       </p:pic>
       <p:pic>
         <p:nvPicPr>
-          <p:cNvPr id="8" name="그림 7"/>
+          <p:cNvPr id="5" name="그림 4"/>
           <p:cNvPicPr>
             <a:picLocks noChangeAspect="1"/>
           </p:cNvPicPr>
@@ -14910,8 +15320,8 @@
         </p:blipFill>
         <p:spPr>
           <a:xfrm>
-            <a:off x="4638519" y="3595420"/>
-            <a:ext cx="3689662" cy="1181551"/>
+            <a:off x="1085693" y="3121891"/>
+            <a:ext cx="1929698" cy="1310070"/>
           </a:xfrm>
           <a:prstGeom prst="rect">
             <a:avLst/>
@@ -14920,7 +15330,7 @@
       </p:pic>
       <p:pic>
         <p:nvPicPr>
-          <p:cNvPr id="9" name="그림 8"/>
+          <p:cNvPr id="6" name="그림 5"/>
           <p:cNvPicPr>
             <a:picLocks noChangeAspect="1"/>
           </p:cNvPicPr>
@@ -14934,8 +15344,8 @@
         </p:blipFill>
         <p:spPr>
           <a:xfrm>
-            <a:off x="1124302" y="4868863"/>
-            <a:ext cx="2966465" cy="1022455"/>
+            <a:off x="3288867" y="2983806"/>
+            <a:ext cx="2248765" cy="1586239"/>
           </a:xfrm>
           <a:prstGeom prst="rect">
             <a:avLst/>
@@ -14944,7 +15354,7 @@
       </p:pic>
       <p:pic>
         <p:nvPicPr>
-          <p:cNvPr id="10" name="그림 9"/>
+          <p:cNvPr id="8" name="그림 7"/>
           <p:cNvPicPr>
             <a:picLocks noChangeAspect="1"/>
           </p:cNvPicPr>
@@ -14958,8 +15368,56 @@
         </p:blipFill>
         <p:spPr>
           <a:xfrm>
-            <a:off x="4638519" y="4891122"/>
-            <a:ext cx="4603214" cy="977935"/>
+            <a:off x="1629904" y="4860184"/>
+            <a:ext cx="3286584" cy="571580"/>
+          </a:xfrm>
+          <a:prstGeom prst="rect">
+            <a:avLst/>
+          </a:prstGeom>
+        </p:spPr>
+      </p:pic>
+      <p:pic>
+        <p:nvPicPr>
+          <p:cNvPr id="4" name="그림 3"/>
+          <p:cNvPicPr>
+            <a:picLocks noChangeAspect="1"/>
+          </p:cNvPicPr>
+          <p:nvPr/>
+        </p:nvPicPr>
+        <p:blipFill>
+          <a:blip r:embed="rId6"/>
+          <a:stretch>
+            <a:fillRect/>
+          </a:stretch>
+        </p:blipFill>
+        <p:spPr>
+          <a:xfrm>
+            <a:off x="6154724" y="3357563"/>
+            <a:ext cx="3649487" cy="655036"/>
+          </a:xfrm>
+          <a:prstGeom prst="rect">
+            <a:avLst/>
+          </a:prstGeom>
+        </p:spPr>
+      </p:pic>
+      <p:pic>
+        <p:nvPicPr>
+          <p:cNvPr id="9" name="그림 8"/>
+          <p:cNvPicPr>
+            <a:picLocks noChangeAspect="1"/>
+          </p:cNvPicPr>
+          <p:nvPr/>
+        </p:nvPicPr>
+        <p:blipFill>
+          <a:blip r:embed="rId7"/>
+          <a:stretch>
+            <a:fillRect/>
+          </a:stretch>
+        </p:blipFill>
+        <p:spPr>
+          <a:xfrm>
+            <a:off x="7446006" y="4012599"/>
+            <a:ext cx="2133898" cy="1848108"/>
           </a:xfrm>
           <a:prstGeom prst="rect">
             <a:avLst/>
@@ -14969,7 +15427,7 @@
     </p:spTree>
     <p:extLst>
       <p:ext uri="{BB962C8B-B14F-4D97-AF65-F5344CB8AC3E}">
-        <p14:creationId xmlns:p14="http://schemas.microsoft.com/office/powerpoint/2010/main" val="3557258744"/>
+        <p14:creationId xmlns:p14="http://schemas.microsoft.com/office/powerpoint/2010/main" val="1465821798"/>
       </p:ext>
     </p:extLst>
   </p:cSld>
@@ -15019,23 +15477,23 @@
           <a:lstStyle/>
           <a:p>
             <a:r>
-              <a:rPr lang="en-US" dirty="0" smtClean="0"/>
-              <a:t>Nuclear matter</a:t>
-            </a:r>
-            <a:endParaRPr lang="en-US" dirty="0"/>
-          </a:p>
-        </p:txBody>
-      </p:sp>
-      <p:sp>
-        <p:nvSpPr>
-          <p:cNvPr id="9" name="TextBox 8"/>
+              <a:rPr lang="en-US" altLang="ko-KR" dirty="0" err="1" smtClean="0"/>
+              <a:t>Brueckner-Hartree-Fock</a:t>
+            </a:r>
+            <a:endParaRPr lang="ko-KR" altLang="en-US" dirty="0"/>
+          </a:p>
+        </p:txBody>
+      </p:sp>
+      <p:sp>
+        <p:nvSpPr>
+          <p:cNvPr id="3" name="TextBox 2"/>
           <p:cNvSpPr txBox="1"/>
           <p:nvPr/>
         </p:nvSpPr>
         <p:spPr>
           <a:xfrm>
             <a:off x="668338" y="1699491"/>
-            <a:ext cx="8532812" cy="2412968"/>
+            <a:ext cx="8532812" cy="2993127"/>
           </a:xfrm>
           <a:prstGeom prst="rect">
             <a:avLst/>
@@ -15048,46 +15506,9 @@
           </a:bodyPr>
           <a:lstStyle/>
           <a:p>
-            <a:pPr marL="342900" marR="0" lvl="0" indent="-342900" algn="l" defTabSz="957838" rtl="0" eaLnBrk="1" fontAlgn="auto" latinLnBrk="1" hangingPunct="1">
-              <a:lnSpc>
-                <a:spcPct val="100000"/>
-              </a:lnSpc>
-              <a:spcBef>
-                <a:spcPts val="0"/>
-              </a:spcBef>
-              <a:spcAft>
-                <a:spcPts val="0"/>
-              </a:spcAft>
-              <a:buClrTx/>
-              <a:buSzTx/>
+            <a:pPr marL="342900" indent="-342900">
               <a:buFont typeface="Arial" panose="020B0604020202020204" pitchFamily="34" charset="0"/>
               <a:buChar char="•"/>
-              <a:tabLst/>
-              <a:defRPr/>
-            </a:pPr>
-            <a:r>
-              <a:rPr kumimoji="0" lang="en-US" altLang="ko-KR" b="0" i="0" u="none" strike="noStrike" kern="1200" cap="none" spc="0" normalizeH="0" noProof="0" dirty="0" smtClean="0">
-                <a:ln>
-                  <a:noFill/>
-                </a:ln>
-                <a:solidFill>
-                  <a:srgbClr val="292934"/>
-                </a:solidFill>
-                <a:effectLst/>
-                <a:uLnTx/>
-                <a:uFillTx/>
-                <a:latin typeface="Arial"/>
-                <a:ea typeface="돋움" panose="020B0600000101010101" pitchFamily="50" charset="-127"/>
-                <a:cs typeface="+mn-cs"/>
-              </a:rPr>
-              <a:t>From symmetry of infinite nuclear matter</a:t>
-            </a:r>
-          </a:p>
-          <a:p>
-            <a:pPr marL="821819" lvl="1" indent="-342900">
-              <a:buFont typeface="Arial" panose="020B0604020202020204" pitchFamily="34" charset="0"/>
-              <a:buChar char="•"/>
-              <a:defRPr/>
             </a:pPr>
             <a:r>
               <a:rPr lang="en-US" altLang="ko-KR" dirty="0" smtClean="0">
@@ -15097,14 +15518,13 @@
                 <a:latin typeface="Arial"/>
                 <a:ea typeface="돋움" panose="020B0600000101010101" pitchFamily="50" charset="-127"/>
               </a:rPr>
-              <a:t>Wave function must be a plane wave. (No need to solve s. p. waves) </a:t>
-            </a:r>
-          </a:p>
-          <a:p>
-            <a:pPr marL="821819" lvl="1" indent="-342900">
+              <a:t>Medium effects enters</a:t>
+            </a:r>
+          </a:p>
+          <a:p>
+            <a:pPr marL="342900" indent="-342900">
               <a:buFont typeface="Arial" panose="020B0604020202020204" pitchFamily="34" charset="0"/>
               <a:buChar char="•"/>
-              <a:defRPr/>
             </a:pPr>
             <a:r>
               <a:rPr lang="en-US" altLang="ko-KR" dirty="0" smtClean="0">
@@ -15114,7 +15534,88 @@
                 <a:latin typeface="Arial"/>
                 <a:ea typeface="돋움" panose="020B0600000101010101" pitchFamily="50" charset="-127"/>
               </a:rPr>
-              <a:t>Dispersion relation will be changed. (One have to find self consistent potential U )</a:t>
+              <a:t>(1) Pauli exclusion</a:t>
+            </a:r>
+          </a:p>
+          <a:p>
+            <a:pPr marL="342900" indent="-342900">
+              <a:buFont typeface="Arial" panose="020B0604020202020204" pitchFamily="34" charset="0"/>
+              <a:buChar char="•"/>
+            </a:pPr>
+            <a:r>
+              <a:rPr lang="en-US" altLang="ko-KR" dirty="0" smtClean="0">
+                <a:solidFill>
+                  <a:srgbClr val="292934"/>
+                </a:solidFill>
+                <a:latin typeface="Arial"/>
+                <a:ea typeface="돋움" panose="020B0600000101010101" pitchFamily="50" charset="-127"/>
+              </a:rPr>
+              <a:t>(2) Dispersion relation( relation between energy and momentum)  </a:t>
+            </a:r>
+          </a:p>
+          <a:p>
+            <a:pPr marL="342900" indent="-342900">
+              <a:buFont typeface="Arial" panose="020B0604020202020204" pitchFamily="34" charset="0"/>
+              <a:buChar char="•"/>
+            </a:pPr>
+            <a:endParaRPr lang="en-US" altLang="ko-KR" dirty="0" smtClean="0">
+              <a:solidFill>
+                <a:srgbClr val="292934"/>
+              </a:solidFill>
+              <a:latin typeface="Arial"/>
+              <a:ea typeface="돋움" panose="020B0600000101010101" pitchFamily="50" charset="-127"/>
+            </a:endParaRPr>
+          </a:p>
+          <a:p>
+            <a:pPr marL="342900" indent="-342900">
+              <a:buFont typeface="Arial" panose="020B0604020202020204" pitchFamily="34" charset="0"/>
+              <a:buChar char="•"/>
+            </a:pPr>
+            <a:r>
+              <a:rPr lang="en-US" altLang="ko-KR" dirty="0" smtClean="0">
+                <a:solidFill>
+                  <a:srgbClr val="292934"/>
+                </a:solidFill>
+                <a:latin typeface="Arial"/>
+                <a:ea typeface="돋움" panose="020B0600000101010101" pitchFamily="50" charset="-127"/>
+              </a:rPr>
+              <a:t>BHF or Bethe-Goldstone equation</a:t>
+            </a:r>
+          </a:p>
+          <a:p>
+            <a:pPr marL="821819" lvl="1" indent="-342900">
+              <a:buFont typeface="Arial" panose="020B0604020202020204" pitchFamily="34" charset="0"/>
+              <a:buChar char="•"/>
+            </a:pPr>
+            <a:r>
+              <a:rPr lang="en-US" altLang="ko-KR" dirty="0" smtClean="0">
+                <a:solidFill>
+                  <a:srgbClr val="292934"/>
+                </a:solidFill>
+                <a:latin typeface="Arial"/>
+                <a:ea typeface="돋움" panose="020B0600000101010101" pitchFamily="50" charset="-127"/>
+              </a:rPr>
+              <a:t>Self consistent : </a:t>
+            </a:r>
+            <a:r>
+              <a:rPr lang="en-US" altLang="ko-KR" dirty="0" err="1" smtClean="0">
+                <a:solidFill>
+                  <a:srgbClr val="292934"/>
+                </a:solidFill>
+                <a:latin typeface="Arial"/>
+                <a:ea typeface="돋움" panose="020B0600000101010101" pitchFamily="50" charset="-127"/>
+              </a:rPr>
+              <a:t>s.p</a:t>
+            </a:r>
+            <a:r>
+              <a:rPr lang="en-US" altLang="ko-KR" dirty="0" smtClean="0">
+                <a:solidFill>
+                  <a:srgbClr val="292934"/>
+                </a:solidFill>
+                <a:latin typeface="Arial"/>
+                <a:ea typeface="돋움" panose="020B0600000101010101" pitchFamily="50" charset="-127"/>
+              </a:rPr>
+              <a:t>. wave function, energy, potential, g-matrix</a:t>
             </a:r>
           </a:p>
           <a:p>
@@ -15239,7 +15740,7 @@
       </p:sp>
       <p:pic>
         <p:nvPicPr>
-          <p:cNvPr id="3" name="그림 2"/>
+          <p:cNvPr id="6" name="그림 5"/>
           <p:cNvPicPr>
             <a:picLocks noChangeAspect="1"/>
           </p:cNvPicPr>
@@ -15253,8 +15754,8 @@
         </p:blipFill>
         <p:spPr>
           <a:xfrm>
-            <a:off x="1604415" y="3120370"/>
-            <a:ext cx="3924848" cy="990738"/>
+            <a:off x="1317283" y="3603675"/>
+            <a:ext cx="2448267" cy="657317"/>
           </a:xfrm>
           <a:prstGeom prst="rect">
             <a:avLst/>
@@ -15263,7 +15764,7 @@
       </p:pic>
       <p:pic>
         <p:nvPicPr>
-          <p:cNvPr id="14" name="그림 13"/>
+          <p:cNvPr id="8" name="그림 7"/>
           <p:cNvPicPr>
             <a:picLocks noChangeAspect="1"/>
           </p:cNvPicPr>
@@ -15277,8 +15778,8 @@
         </p:blipFill>
         <p:spPr>
           <a:xfrm>
-            <a:off x="1050204" y="4560301"/>
-            <a:ext cx="5163271" cy="1943371"/>
+            <a:off x="4638519" y="3595420"/>
+            <a:ext cx="3689662" cy="1181551"/>
           </a:xfrm>
           <a:prstGeom prst="rect">
             <a:avLst/>
@@ -15287,7 +15788,7 @@
       </p:pic>
       <p:pic>
         <p:nvPicPr>
-          <p:cNvPr id="6" name="그림 5"/>
+          <p:cNvPr id="9" name="그림 8"/>
           <p:cNvPicPr>
             <a:picLocks noChangeAspect="1"/>
           </p:cNvPicPr>
@@ -15301,8 +15802,32 @@
         </p:blipFill>
         <p:spPr>
           <a:xfrm>
-            <a:off x="6550451" y="4560301"/>
+            <a:off x="1124302" y="4868863"/>
             <a:ext cx="2966465" cy="1022455"/>
+          </a:xfrm>
+          <a:prstGeom prst="rect">
+            <a:avLst/>
+          </a:prstGeom>
+        </p:spPr>
+      </p:pic>
+      <p:pic>
+        <p:nvPicPr>
+          <p:cNvPr id="10" name="그림 9"/>
+          <p:cNvPicPr>
+            <a:picLocks noChangeAspect="1"/>
+          </p:cNvPicPr>
+          <p:nvPr/>
+        </p:nvPicPr>
+        <p:blipFill>
+          <a:blip r:embed="rId5"/>
+          <a:stretch>
+            <a:fillRect/>
+          </a:stretch>
+        </p:blipFill>
+        <p:spPr>
+          <a:xfrm>
+            <a:off x="4638519" y="4891122"/>
+            <a:ext cx="4603214" cy="977935"/>
           </a:xfrm>
           <a:prstGeom prst="rect">
             <a:avLst/>
@@ -15312,13 +15837,20 @@
     </p:spTree>
     <p:extLst>
       <p:ext uri="{BB962C8B-B14F-4D97-AF65-F5344CB8AC3E}">
-        <p14:creationId xmlns:p14="http://schemas.microsoft.com/office/powerpoint/2010/main" val="2683557849"/>
+        <p14:creationId xmlns:p14="http://schemas.microsoft.com/office/powerpoint/2010/main" val="3557258744"/>
       </p:ext>
     </p:extLst>
   </p:cSld>
   <p:clrMapOvr>
     <a:masterClrMapping/>
   </p:clrMapOvr>
+  <p:timing>
+    <p:tnLst>
+      <p:par>
+        <p:cTn id="1" dur="indefinite" restart="never" nodeType="tmRoot"/>
+      </p:par>
+    </p:tnLst>
+  </p:timing>
 </p:sld>
 </file>
 
